--- a/NGS_ppt.pptx
+++ b/NGS_ppt.pptx
@@ -5,7 +5,7 @@
     <p:sldMasterId id="2147483648" r:id="rId1"/>
   </p:sldMasterIdLst>
   <p:notesMasterIdLst>
-    <p:notesMasterId r:id="rId19"/>
+    <p:notesMasterId r:id="rId20"/>
   </p:notesMasterIdLst>
   <p:sldIdLst>
     <p:sldId id="292" r:id="rId2"/>
@@ -17,14 +17,15 @@
     <p:sldId id="330" r:id="rId8"/>
     <p:sldId id="318" r:id="rId9"/>
     <p:sldId id="320" r:id="rId10"/>
-    <p:sldId id="328" r:id="rId11"/>
+    <p:sldId id="333" r:id="rId11"/>
     <p:sldId id="283" r:id="rId12"/>
     <p:sldId id="319" r:id="rId13"/>
     <p:sldId id="321" r:id="rId14"/>
     <p:sldId id="322" r:id="rId15"/>
-    <p:sldId id="329" r:id="rId16"/>
-    <p:sldId id="324" r:id="rId17"/>
-    <p:sldId id="332" r:id="rId18"/>
+    <p:sldId id="335" r:id="rId16"/>
+    <p:sldId id="329" r:id="rId17"/>
+    <p:sldId id="324" r:id="rId18"/>
+    <p:sldId id="332" r:id="rId19"/>
   </p:sldIdLst>
   <p:sldSz cx="12192000" cy="6858000"/>
   <p:notesSz cx="6858000" cy="9144000"/>
@@ -213,7 +214,7 @@
           <a:p>
             <a:fld id="{378ED946-4A02-4588-B79C-14D38AF04319}" type="datetimeFigureOut">
               <a:rPr lang="en-US" smtClean="0"/>
-              <a:t>8/24/2025</a:t>
+              <a:t>8/25/2025</a:t>
             </a:fld>
             <a:endParaRPr lang="en-US"/>
           </a:p>
@@ -1086,6 +1087,190 @@
         <p:cNvPr id="1" name="">
           <a:extLst>
             <a:ext uri="{FF2B5EF4-FFF2-40B4-BE49-F238E27FC236}">
+              <a16:creationId xmlns:a16="http://schemas.microsoft.com/office/drawing/2014/main" id="{3BCF4FA4-7423-9CED-84AC-4A53FC24B0AE}"/>
+            </a:ext>
+          </a:extLst>
+        </p:cNvPr>
+        <p:cNvGrpSpPr/>
+        <p:nvPr/>
+      </p:nvGrpSpPr>
+      <p:grpSpPr>
+        <a:xfrm>
+          <a:off x="0" y="0"/>
+          <a:ext cx="0" cy="0"/>
+          <a:chOff x="0" y="0"/>
+          <a:chExt cx="0" cy="0"/>
+        </a:xfrm>
+      </p:grpSpPr>
+      <p:sp>
+        <p:nvSpPr>
+          <p:cNvPr id="2" name="Slide Image Placeholder 1">
+            <a:extLst>
+              <a:ext uri="{FF2B5EF4-FFF2-40B4-BE49-F238E27FC236}">
+                <a16:creationId xmlns:a16="http://schemas.microsoft.com/office/drawing/2014/main" id="{58C2C0FD-0AEA-FFCD-889B-2E8E67FDDFD4}"/>
+              </a:ext>
+            </a:extLst>
+          </p:cNvPr>
+          <p:cNvSpPr>
+            <a:spLocks noGrp="1" noRot="1" noChangeAspect="1"/>
+          </p:cNvSpPr>
+          <p:nvPr>
+            <p:ph type="sldImg"/>
+          </p:nvPr>
+        </p:nvSpPr>
+        <p:spPr/>
+      </p:sp>
+      <p:sp>
+        <p:nvSpPr>
+          <p:cNvPr id="3" name="Notes Placeholder 2">
+            <a:extLst>
+              <a:ext uri="{FF2B5EF4-FFF2-40B4-BE49-F238E27FC236}">
+                <a16:creationId xmlns:a16="http://schemas.microsoft.com/office/drawing/2014/main" id="{CD9723B9-BBF3-9E59-0DD1-728D20AC3FDB}"/>
+              </a:ext>
+            </a:extLst>
+          </p:cNvPr>
+          <p:cNvSpPr>
+            <a:spLocks noGrp="1"/>
+          </p:cNvSpPr>
+          <p:nvPr>
+            <p:ph type="body" idx="1"/>
+          </p:nvPr>
+        </p:nvSpPr>
+        <p:spPr/>
+        <p:txBody>
+          <a:bodyPr/>
+          <a:lstStyle/>
+          <a:p>
+            <a:pPr marL="0" marR="0" lvl="0" indent="0" algn="l" defTabSz="914400" rtl="0" eaLnBrk="1" fontAlgn="auto" latinLnBrk="0" hangingPunct="1">
+              <a:lnSpc>
+                <a:spcPct val="100000"/>
+              </a:lnSpc>
+              <a:spcBef>
+                <a:spcPts val="0"/>
+              </a:spcBef>
+              <a:spcAft>
+                <a:spcPts val="0"/>
+              </a:spcAft>
+              <a:buClrTx/>
+              <a:buSzTx/>
+              <a:buFontTx/>
+              <a:buNone/>
+              <a:tabLst/>
+              <a:defRPr/>
+            </a:pPr>
+            <a:r>
+              <a:rPr lang="en-US" sz="1200" kern="1200" dirty="0">
+                <a:solidFill>
+                  <a:schemeClr val="tx1"/>
+                </a:solidFill>
+                <a:effectLst/>
+                <a:latin typeface="+mn-lt"/>
+                <a:ea typeface="+mn-ea"/>
+                <a:cs typeface="+mn-cs"/>
+              </a:rPr>
+              <a:t>This one shows </a:t>
+            </a:r>
+            <a:r>
+              <a:rPr lang="en-US" sz="1200" b="1" dirty="0">
+                <a:solidFill>
+                  <a:srgbClr val="404040"/>
+                </a:solidFill>
+                <a:latin typeface="Times New Roman" panose="02020603050405020304" pitchFamily="18" charset="0"/>
+                <a:cs typeface="Times New Roman" panose="02020603050405020304" pitchFamily="18" charset="0"/>
+              </a:rPr>
+              <a:t>Income in Three Program Tiers </a:t>
+            </a:r>
+            <a:br>
+              <a:rPr lang="en-US" sz="1200" b="1" dirty="0">
+                <a:solidFill>
+                  <a:srgbClr val="404040"/>
+                </a:solidFill>
+                <a:latin typeface="Times New Roman" panose="02020603050405020304" pitchFamily="18" charset="0"/>
+                <a:cs typeface="Times New Roman" panose="02020603050405020304" pitchFamily="18" charset="0"/>
+              </a:rPr>
+            </a:br>
+            <a:br>
+              <a:rPr lang="en-US" sz="1200" b="1" dirty="0">
+                <a:solidFill>
+                  <a:srgbClr val="404040"/>
+                </a:solidFill>
+                <a:latin typeface="Times New Roman" panose="02020603050405020304" pitchFamily="18" charset="0"/>
+                <a:cs typeface="Times New Roman" panose="02020603050405020304" pitchFamily="18" charset="0"/>
+              </a:rPr>
+            </a:br>
+            <a:r>
+              <a:rPr lang="en-US" sz="1200" b="1" dirty="0">
+                <a:latin typeface="Times New Roman" panose="02020603050405020304" pitchFamily="18" charset="0"/>
+                <a:cs typeface="Times New Roman" panose="02020603050405020304" pitchFamily="18" charset="0"/>
+              </a:rPr>
+              <a:t>Average Income is </a:t>
+            </a:r>
+            <a:r>
+              <a:rPr lang="en-US" sz="1200" dirty="0">
+                <a:latin typeface="Times New Roman" panose="02020603050405020304" pitchFamily="18" charset="0"/>
+                <a:cs typeface="Times New Roman" panose="02020603050405020304" pitchFamily="18" charset="0"/>
+              </a:rPr>
+              <a:t>$59,568. The  range is huge again.</a:t>
+            </a:r>
+          </a:p>
+          <a:p>
+            <a:endParaRPr lang="en-US" dirty="0"/>
+          </a:p>
+          <a:p>
+            <a:endParaRPr lang="en-US" dirty="0"/>
+          </a:p>
+        </p:txBody>
+      </p:sp>
+      <p:sp>
+        <p:nvSpPr>
+          <p:cNvPr id="4" name="Slide Number Placeholder 3">
+            <a:extLst>
+              <a:ext uri="{FF2B5EF4-FFF2-40B4-BE49-F238E27FC236}">
+                <a16:creationId xmlns:a16="http://schemas.microsoft.com/office/drawing/2014/main" id="{11380971-B881-BCCB-00AA-98C96A130E21}"/>
+              </a:ext>
+            </a:extLst>
+          </p:cNvPr>
+          <p:cNvSpPr>
+            <a:spLocks noGrp="1"/>
+          </p:cNvSpPr>
+          <p:nvPr>
+            <p:ph type="sldNum" sz="quarter" idx="5"/>
+          </p:nvPr>
+        </p:nvSpPr>
+        <p:spPr/>
+        <p:txBody>
+          <a:bodyPr/>
+          <a:lstStyle/>
+          <a:p>
+            <a:fld id="{DAAF6644-A4CE-4154-B543-AD992E27A400}" type="slidenum">
+              <a:rPr lang="en-US" smtClean="0"/>
+              <a:t>15</a:t>
+            </a:fld>
+            <a:endParaRPr lang="en-US"/>
+          </a:p>
+        </p:txBody>
+      </p:sp>
+    </p:spTree>
+    <p:extLst>
+      <p:ext uri="{BB962C8B-B14F-4D97-AF65-F5344CB8AC3E}">
+        <p14:creationId xmlns:p14="http://schemas.microsoft.com/office/powerpoint/2010/main" val="1541443011"/>
+      </p:ext>
+    </p:extLst>
+  </p:cSld>
+  <p:clrMapOvr>
+    <a:masterClrMapping/>
+  </p:clrMapOvr>
+</p:notes>
+</file>
+
+<file path=ppt/notesSlides/notesSlide14.xml><?xml version="1.0" encoding="utf-8"?>
+<p:notes xmlns:a="http://schemas.openxmlformats.org/drawingml/2006/main" xmlns:r="http://schemas.openxmlformats.org/officeDocument/2006/relationships" xmlns:p="http://schemas.openxmlformats.org/presentationml/2006/main">
+  <p:cSld>
+    <p:spTree>
+      <p:nvGrpSpPr>
+        <p:cNvPr id="1" name="">
+          <a:extLst>
+            <a:ext uri="{FF2B5EF4-FFF2-40B4-BE49-F238E27FC236}">
               <a16:creationId xmlns:a16="http://schemas.microsoft.com/office/drawing/2014/main" id="{D45AE242-1D18-844E-BFB5-C247AC00D443}"/>
             </a:ext>
           </a:extLst>
@@ -1176,7 +1361,7 @@
                 <a:ea typeface="+mn-ea"/>
                 <a:cs typeface="+mn-cs"/>
               </a:rPr>
-              <a:t>Field of Study is </a:t>
+              <a:t>Program is </a:t>
             </a:r>
             <a:r>
               <a:rPr lang="en-US" sz="1200" kern="1200" dirty="0">
@@ -1526,7 +1711,7 @@
           <a:p>
             <a:fld id="{DAAF6644-A4CE-4154-B543-AD992E27A400}" type="slidenum">
               <a:rPr lang="en-US" smtClean="0"/>
-              <a:t>15</a:t>
+              <a:t>16</a:t>
             </a:fld>
             <a:endParaRPr lang="en-US"/>
           </a:p>
@@ -1545,7 +1730,7 @@
 </p:notes>
 </file>
 
-<file path=ppt/notesSlides/notesSlide14.xml><?xml version="1.0" encoding="utf-8"?>
+<file path=ppt/notesSlides/notesSlide15.xml><?xml version="1.0" encoding="utf-8"?>
 <p:notes xmlns:a="http://schemas.openxmlformats.org/drawingml/2006/main" xmlns:r="http://schemas.openxmlformats.org/officeDocument/2006/relationships" xmlns:p="http://schemas.openxmlformats.org/presentationml/2006/main">
   <p:cSld>
     <p:spTree>
@@ -1713,22 +1898,10 @@
                 <a:ea typeface="+mn-ea"/>
                 <a:cs typeface="+mn-cs"/>
               </a:rPr>
-              <a:t>Thank </a:t>
-            </a:r>
-            <a:r>
-              <a:rPr lang="en-US" sz="1200" b="0" i="0" kern="1200">
-                <a:solidFill>
-                  <a:schemeClr val="tx1"/>
-                </a:solidFill>
-                <a:effectLst/>
-                <a:latin typeface="+mn-lt"/>
-                <a:ea typeface="+mn-ea"/>
-                <a:cs typeface="+mn-cs"/>
-              </a:rPr>
-              <a:t>you!</a:t>
+              <a:t>Thank you!</a:t>
             </a:r>
             <a:br>
-              <a:rPr lang="en-US" sz="1200" b="0" i="0" kern="1200">
+              <a:rPr lang="en-US" sz="1200" b="0" i="0" kern="1200" dirty="0">
                 <a:solidFill>
                   <a:schemeClr val="tx1"/>
                 </a:solidFill>
@@ -1739,7 +1912,7 @@
               </a:rPr>
             </a:br>
             <a:br>
-              <a:rPr lang="en-US" sz="1200" b="0" i="0" kern="1200">
+              <a:rPr lang="en-US" sz="1200" b="0" i="0" kern="1200" dirty="0">
                 <a:solidFill>
                   <a:schemeClr val="tx1"/>
                 </a:solidFill>
@@ -1776,7 +1949,7 @@
           <a:p>
             <a:fld id="{DAAF6644-A4CE-4154-B543-AD992E27A400}" type="slidenum">
               <a:rPr lang="en-US" smtClean="0"/>
-              <a:t>16</a:t>
+              <a:t>17</a:t>
             </a:fld>
             <a:endParaRPr lang="en-US"/>
           </a:p>
@@ -1795,7 +1968,7 @@
 </p:notes>
 </file>
 
-<file path=ppt/notesSlides/notesSlide15.xml><?xml version="1.0" encoding="utf-8"?>
+<file path=ppt/notesSlides/notesSlide16.xml><?xml version="1.0" encoding="utf-8"?>
 <p:notes xmlns:a="http://schemas.openxmlformats.org/drawingml/2006/main" xmlns:r="http://schemas.openxmlformats.org/officeDocument/2006/relationships" xmlns:p="http://schemas.openxmlformats.org/presentationml/2006/main">
   <p:cSld>
     <p:spTree>
@@ -2026,7 +2199,7 @@
           <a:p>
             <a:fld id="{DAAF6644-A4CE-4154-B543-AD992E27A400}" type="slidenum">
               <a:rPr lang="en-US" smtClean="0"/>
-              <a:t>17</a:t>
+              <a:t>18</a:t>
             </a:fld>
             <a:endParaRPr lang="en-US"/>
           </a:p>
@@ -3755,7 +3928,7 @@
         <p:cNvPr id="1" name="">
           <a:extLst>
             <a:ext uri="{FF2B5EF4-FFF2-40B4-BE49-F238E27FC236}">
-              <a16:creationId xmlns:a16="http://schemas.microsoft.com/office/drawing/2014/main" id="{97126689-1476-1F73-4A39-BB24BC1FDB90}"/>
+              <a16:creationId xmlns:a16="http://schemas.microsoft.com/office/drawing/2014/main" id="{56F09F7A-8F38-847A-4DE0-E81E0A1E35DF}"/>
             </a:ext>
           </a:extLst>
         </p:cNvPr>
@@ -3775,7 +3948,7 @@
           <p:cNvPr id="2" name="Slide Image Placeholder 1">
             <a:extLst>
               <a:ext uri="{FF2B5EF4-FFF2-40B4-BE49-F238E27FC236}">
-                <a16:creationId xmlns:a16="http://schemas.microsoft.com/office/drawing/2014/main" id="{4FB71262-F7D3-6300-7503-0A23B9716564}"/>
+                <a16:creationId xmlns:a16="http://schemas.microsoft.com/office/drawing/2014/main" id="{07D8BCAE-1EE0-AB22-017E-D71646FC33DD}"/>
               </a:ext>
             </a:extLst>
           </p:cNvPr>
@@ -3793,7 +3966,7 @@
           <p:cNvPr id="3" name="Notes Placeholder 2">
             <a:extLst>
               <a:ext uri="{FF2B5EF4-FFF2-40B4-BE49-F238E27FC236}">
-                <a16:creationId xmlns:a16="http://schemas.microsoft.com/office/drawing/2014/main" id="{34BE28E2-F319-FACA-6CD5-467036B086D0}"/>
+                <a16:creationId xmlns:a16="http://schemas.microsoft.com/office/drawing/2014/main" id="{9986443C-8C24-EB51-BAC4-D1B4E4F3D560}"/>
               </a:ext>
             </a:extLst>
           </p:cNvPr>
@@ -4063,7 +4236,7 @@
           <p:cNvPr id="4" name="Slide Number Placeholder 3">
             <a:extLst>
               <a:ext uri="{FF2B5EF4-FFF2-40B4-BE49-F238E27FC236}">
-                <a16:creationId xmlns:a16="http://schemas.microsoft.com/office/drawing/2014/main" id="{762367F4-7DD2-7ACE-C2BE-B8B2312A6615}"/>
+                <a16:creationId xmlns:a16="http://schemas.microsoft.com/office/drawing/2014/main" id="{F6CC18D1-369B-E824-0BAF-1E5C2BD85CD3}"/>
               </a:ext>
             </a:extLst>
           </p:cNvPr>
@@ -4090,7 +4263,7 @@
     </p:spTree>
     <p:extLst>
       <p:ext uri="{BB962C8B-B14F-4D97-AF65-F5344CB8AC3E}">
-        <p14:creationId xmlns:p14="http://schemas.microsoft.com/office/powerpoint/2010/main" val="902273753"/>
+        <p14:creationId xmlns:p14="http://schemas.microsoft.com/office/powerpoint/2010/main" val="3840328904"/>
       </p:ext>
     </p:extLst>
   </p:cSld>
@@ -4214,7 +4387,7 @@
                 <a:ea typeface="+mn-ea"/>
                 <a:cs typeface="+mn-cs"/>
               </a:rPr>
-              <a:t>Field of Study</a:t>
+              <a:t>Program</a:t>
             </a:r>
             <a:r>
               <a:rPr lang="en-US" sz="1200" kern="1200" dirty="0">
@@ -4472,7 +4645,7 @@
           <a:p>
             <a:fld id="{557EBD4B-D9A9-427B-BBF5-8D7A0390865B}" type="datetime1">
               <a:rPr lang="en-US" smtClean="0"/>
-              <a:t>8/24/2025</a:t>
+              <a:t>8/25/2025</a:t>
             </a:fld>
             <a:endParaRPr lang="en-US"/>
           </a:p>
@@ -4670,7 +4843,7 @@
           <a:p>
             <a:fld id="{45EB521B-AED8-4640-B94F-B33F48CCB74E}" type="datetime1">
               <a:rPr lang="en-US" smtClean="0"/>
-              <a:t>8/24/2025</a:t>
+              <a:t>8/25/2025</a:t>
             </a:fld>
             <a:endParaRPr lang="en-US"/>
           </a:p>
@@ -4878,7 +5051,7 @@
           <a:p>
             <a:fld id="{0C0F1F2F-CBBF-490D-9D7A-F85BAFB92123}" type="datetime1">
               <a:rPr lang="en-US" smtClean="0"/>
-              <a:t>8/24/2025</a:t>
+              <a:t>8/25/2025</a:t>
             </a:fld>
             <a:endParaRPr lang="en-US"/>
           </a:p>
@@ -5076,7 +5249,7 @@
           <a:p>
             <a:fld id="{BCC52EB4-69B2-4BEE-98EE-662958A0BA1F}" type="datetime1">
               <a:rPr lang="en-US" smtClean="0"/>
-              <a:t>8/24/2025</a:t>
+              <a:t>8/25/2025</a:t>
             </a:fld>
             <a:endParaRPr lang="en-US"/>
           </a:p>
@@ -5351,7 +5524,7 @@
           <a:p>
             <a:fld id="{96BF2895-8E37-48E8-A3DB-F06D4E757F4E}" type="datetime1">
               <a:rPr lang="en-US" smtClean="0"/>
-              <a:t>8/24/2025</a:t>
+              <a:t>8/25/2025</a:t>
             </a:fld>
             <a:endParaRPr lang="en-US"/>
           </a:p>
@@ -5616,7 +5789,7 @@
           <a:p>
             <a:fld id="{EE29AEFC-5FCE-4238-B385-E4FBC0DA0DF7}" type="datetime1">
               <a:rPr lang="en-US" smtClean="0"/>
-              <a:t>8/24/2025</a:t>
+              <a:t>8/25/2025</a:t>
             </a:fld>
             <a:endParaRPr lang="en-US"/>
           </a:p>
@@ -6028,7 +6201,7 @@
           <a:p>
             <a:fld id="{E2AB055C-250F-4C01-8274-9F3F5FC93DFB}" type="datetime1">
               <a:rPr lang="en-US" smtClean="0"/>
-              <a:t>8/24/2025</a:t>
+              <a:t>8/25/2025</a:t>
             </a:fld>
             <a:endParaRPr lang="en-US"/>
           </a:p>
@@ -6169,7 +6342,7 @@
           <a:p>
             <a:fld id="{57C099CA-A5EA-4E74-8ACA-08A4670C1742}" type="datetime1">
               <a:rPr lang="en-US" smtClean="0"/>
-              <a:t>8/24/2025</a:t>
+              <a:t>8/25/2025</a:t>
             </a:fld>
             <a:endParaRPr lang="en-US"/>
           </a:p>
@@ -6282,7 +6455,7 @@
           <a:p>
             <a:fld id="{5EA65F79-2732-47F5-BEA0-588AC98BDF57}" type="datetime1">
               <a:rPr lang="en-US" smtClean="0"/>
-              <a:t>8/24/2025</a:t>
+              <a:t>8/25/2025</a:t>
             </a:fld>
             <a:endParaRPr lang="en-US"/>
           </a:p>
@@ -6593,7 +6766,7 @@
           <a:p>
             <a:fld id="{5599A50F-11BA-4470-88C6-793D3837ED31}" type="datetime1">
               <a:rPr lang="en-US" smtClean="0"/>
-              <a:t>8/24/2025</a:t>
+              <a:t>8/25/2025</a:t>
             </a:fld>
             <a:endParaRPr lang="en-US"/>
           </a:p>
@@ -6881,7 +7054,7 @@
           <a:p>
             <a:fld id="{E0A1C90E-74C3-4639-8B10-4C012E55C06B}" type="datetime1">
               <a:rPr lang="en-US" smtClean="0"/>
-              <a:t>8/24/2025</a:t>
+              <a:t>8/25/2025</a:t>
             </a:fld>
             <a:endParaRPr lang="en-US"/>
           </a:p>
@@ -7122,7 +7295,7 @@
           <a:p>
             <a:fld id="{D4A5705D-09A0-4B67-AF12-77C4C90BE3DD}" type="datetime1">
               <a:rPr lang="en-US" smtClean="0"/>
-              <a:t>8/24/2025</a:t>
+              <a:t>8/25/2025</a:t>
             </a:fld>
             <a:endParaRPr lang="en-US"/>
           </a:p>
@@ -8132,7 +8305,7 @@
         </p:nvSpPr>
         <p:spPr>
           <a:xfrm>
-            <a:off x="964643" y="1651096"/>
+            <a:off x="964643" y="1118541"/>
             <a:ext cx="10369899" cy="4116662"/>
           </a:xfrm>
           <a:prstGeom prst="rect">
@@ -8193,7 +8366,21 @@
                 <a:latin typeface="Times New Roman" panose="02020603050405020304" pitchFamily="18" charset="0"/>
                 <a:cs typeface="Times New Roman" panose="02020603050405020304" pitchFamily="18" charset="0"/>
               </a:rPr>
-              <a:t> Canadian Education and Labor Market Data</a:t>
+              <a:t> Canadian Education and </a:t>
+            </a:r>
+            <a:r>
+              <a:rPr lang="en-US" sz="8600" b="1" dirty="0" err="1">
+                <a:latin typeface="Times New Roman" panose="02020603050405020304" pitchFamily="18" charset="0"/>
+                <a:cs typeface="Times New Roman" panose="02020603050405020304" pitchFamily="18" charset="0"/>
+              </a:rPr>
+              <a:t>Labour</a:t>
+            </a:r>
+            <a:r>
+              <a:rPr lang="en-US" sz="8600" b="1" dirty="0">
+                <a:latin typeface="Times New Roman" panose="02020603050405020304" pitchFamily="18" charset="0"/>
+                <a:cs typeface="Times New Roman" panose="02020603050405020304" pitchFamily="18" charset="0"/>
+              </a:rPr>
+              <a:t> Market Data</a:t>
             </a:r>
           </a:p>
           <a:p>
@@ -8223,7 +8410,7 @@
           </a:p>
           <a:p>
             <a:pPr algn="ctr"/>
-            <a:endParaRPr lang="en-US" sz="8600" dirty="0">
+            <a:endParaRPr lang="en-US" sz="7400" dirty="0">
               <a:latin typeface="Times New Roman" panose="02020603050405020304" pitchFamily="18" charset="0"/>
               <a:cs typeface="Times New Roman" panose="02020603050405020304" pitchFamily="18" charset="0"/>
             </a:endParaRPr>
@@ -8231,26 +8418,12 @@
           <a:p>
             <a:pPr algn="ctr"/>
             <a:r>
-              <a:rPr lang="en-US" sz="8600" dirty="0">
+              <a:rPr lang="en-US" sz="7400" dirty="0">
                 <a:latin typeface="Times New Roman" panose="02020603050405020304" pitchFamily="18" charset="0"/>
                 <a:cs typeface="Times New Roman" panose="02020603050405020304" pitchFamily="18" charset="0"/>
               </a:rPr>
-              <a:t>Fuxi Ma, PhD</a:t>
-            </a:r>
-          </a:p>
-          <a:p>
-            <a:pPr algn="ctr"/>
-            <a:endParaRPr lang="en-US" sz="8600" dirty="0">
-              <a:latin typeface="Times New Roman" panose="02020603050405020304" pitchFamily="18" charset="0"/>
-              <a:cs typeface="Times New Roman" panose="02020603050405020304" pitchFamily="18" charset="0"/>
-            </a:endParaRPr>
-          </a:p>
-          <a:p>
-            <a:pPr algn="ctr"/>
-            <a:endParaRPr lang="en-US" sz="8600" dirty="0">
-              <a:latin typeface="Times New Roman" panose="02020603050405020304" pitchFamily="18" charset="0"/>
-              <a:cs typeface="Times New Roman" panose="02020603050405020304" pitchFamily="18" charset="0"/>
-            </a:endParaRPr>
+              <a:t>Fuxi Ma</a:t>
+            </a:r>
           </a:p>
           <a:p>
             <a:pPr algn="ctr"/>
@@ -8269,13 +8442,13 @@
           <a:p>
             <a:pPr algn="ctr"/>
             <a:fld id="{2DDB8B34-DE0F-468F-B477-67C46F3CA98D}" type="datetime3">
-              <a:rPr lang="en-US" sz="6200" smtClean="0">
+              <a:rPr lang="en-US" sz="5500" smtClean="0">
                 <a:latin typeface="Times New Roman" panose="02020603050405020304" pitchFamily="18" charset="0"/>
                 <a:cs typeface="Times New Roman" panose="02020603050405020304" pitchFamily="18" charset="0"/>
               </a:rPr>
-              <a:t>24 August 2025</a:t>
+              <a:t>25 August 2025</a:t>
             </a:fld>
-            <a:endParaRPr lang="en-US" sz="7400" b="1" dirty="0">
+            <a:endParaRPr lang="en-US" sz="6200" b="1" dirty="0">
               <a:latin typeface="Times New Roman" panose="02020603050405020304" pitchFamily="18" charset="0"/>
               <a:cs typeface="Times New Roman" panose="02020603050405020304" pitchFamily="18" charset="0"/>
             </a:endParaRPr>
@@ -8311,7 +8484,7 @@
         <p:cNvPr id="1" name="">
           <a:extLst>
             <a:ext uri="{FF2B5EF4-FFF2-40B4-BE49-F238E27FC236}">
-              <a16:creationId xmlns:a16="http://schemas.microsoft.com/office/drawing/2014/main" id="{E156146D-346D-EBB3-76E1-90A6D38EB113}"/>
+              <a16:creationId xmlns:a16="http://schemas.microsoft.com/office/drawing/2014/main" id="{411A56F5-3695-0AD1-E3EB-D0B108A698D1}"/>
             </a:ext>
           </a:extLst>
         </p:cNvPr>
@@ -8331,7 +8504,7 @@
           <p:cNvPr id="21" name="Rectangle 20">
             <a:extLst>
               <a:ext uri="{FF2B5EF4-FFF2-40B4-BE49-F238E27FC236}">
-                <a16:creationId xmlns:a16="http://schemas.microsoft.com/office/drawing/2014/main" id="{FA0CCB63-B443-7CF6-0523-42F69ABF7042}"/>
+                <a16:creationId xmlns:a16="http://schemas.microsoft.com/office/drawing/2014/main" id="{D1FE6834-868F-047C-52A1-55741188CBE5}"/>
               </a:ext>
               <a:ext uri="{C183D7F6-B498-43B3-948B-1728B52AA6E4}">
                 <adec:decorative xmlns:adec="http://schemas.microsoft.com/office/drawing/2017/decorative" val="1"/>
@@ -8391,7 +8564,7 @@
           <p:cNvPr id="23" name="Freeform: Shape 22">
             <a:extLst>
               <a:ext uri="{FF2B5EF4-FFF2-40B4-BE49-F238E27FC236}">
-                <a16:creationId xmlns:a16="http://schemas.microsoft.com/office/drawing/2014/main" id="{19ADF904-9FF9-D28C-EA24-BF8F64184761}"/>
+                <a16:creationId xmlns:a16="http://schemas.microsoft.com/office/drawing/2014/main" id="{E882B280-A8FD-3219-CD73-85581E290A86}"/>
               </a:ext>
               <a:ext uri="{C183D7F6-B498-43B3-948B-1728B52AA6E4}">
                 <adec:decorative xmlns:adec="http://schemas.microsoft.com/office/drawing/2017/decorative" val="1"/>
@@ -9359,7 +9532,7 @@
           <p:cNvPr id="20" name="TextBox 19">
             <a:extLst>
               <a:ext uri="{FF2B5EF4-FFF2-40B4-BE49-F238E27FC236}">
-                <a16:creationId xmlns:a16="http://schemas.microsoft.com/office/drawing/2014/main" id="{7C5D4E78-24A0-5955-FC07-CE7BE3007DFE}"/>
+                <a16:creationId xmlns:a16="http://schemas.microsoft.com/office/drawing/2014/main" id="{4DAAE0B9-3249-F91E-39F8-B5D3ABBC03AF}"/>
               </a:ext>
             </a:extLst>
           </p:cNvPr>
@@ -9369,7 +9542,7 @@
         <p:spPr>
           <a:xfrm>
             <a:off x="1200568" y="643467"/>
-            <a:ext cx="9532746" cy="769441"/>
+            <a:ext cx="9532746" cy="830997"/>
           </a:xfrm>
           <a:prstGeom prst="rect">
             <a:avLst/>
@@ -9383,13 +9556,13 @@
           <a:lstStyle/>
           <a:p>
             <a:r>
-              <a:rPr lang="en-US" sz="2400" b="1" dirty="0">
+              <a:rPr lang="en-US" sz="2800" b="1" dirty="0">
                 <a:latin typeface="Times New Roman" panose="02020603050405020304" pitchFamily="18" charset="0"/>
                 <a:cs typeface="Times New Roman" panose="02020603050405020304" pitchFamily="18" charset="0"/>
               </a:rPr>
-              <a:t>Employment Status Class Imbalance</a:t>
-            </a:r>
-            <a:endParaRPr lang="en-US" sz="2400" dirty="0">
+              <a:t>Class Imbalance</a:t>
+            </a:r>
+            <a:endParaRPr lang="en-US" sz="2800" dirty="0">
               <a:latin typeface="Times New Roman" panose="02020603050405020304" pitchFamily="18" charset="0"/>
               <a:cs typeface="Times New Roman" panose="02020603050405020304" pitchFamily="18" charset="0"/>
             </a:endParaRPr>
@@ -9410,7 +9583,7 @@
           <p:cNvPr id="2" name="Slide Number Placeholder 1">
             <a:extLst>
               <a:ext uri="{FF2B5EF4-FFF2-40B4-BE49-F238E27FC236}">
-                <a16:creationId xmlns:a16="http://schemas.microsoft.com/office/drawing/2014/main" id="{3774A177-51A7-EDB1-9DDF-3953DE5C247D}"/>
+                <a16:creationId xmlns:a16="http://schemas.microsoft.com/office/drawing/2014/main" id="{DD180BB9-3D9A-D7A3-CFAC-00880AE62AA0}"/>
               </a:ext>
             </a:extLst>
           </p:cNvPr>
@@ -9456,7 +9629,7 @@
         </p:blipFill>
         <p:spPr>
           <a:xfrm>
-            <a:off x="6782101" y="995495"/>
+            <a:off x="7053404" y="995495"/>
             <a:ext cx="4380279" cy="2519230"/>
           </a:xfrm>
           <a:prstGeom prst="rect">
@@ -9520,7 +9693,7 @@
         </p:nvSpPr>
         <p:spPr>
           <a:xfrm>
-            <a:off x="6714847" y="552070"/>
+            <a:off x="6986150" y="552070"/>
             <a:ext cx="4638953" cy="369332"/>
           </a:xfrm>
           <a:prstGeom prst="rect">
@@ -9570,7 +9743,7 @@
         </p:blipFill>
         <p:spPr>
           <a:xfrm>
-            <a:off x="6782101" y="4191000"/>
+            <a:off x="7053404" y="4191000"/>
             <a:ext cx="4302922" cy="2165350"/>
           </a:xfrm>
           <a:prstGeom prst="rect">
@@ -9592,7 +9765,7 @@
         </p:nvSpPr>
         <p:spPr>
           <a:xfrm>
-            <a:off x="6714847" y="3731023"/>
+            <a:off x="6986150" y="3731023"/>
             <a:ext cx="4018467" cy="369332"/>
           </a:xfrm>
           <a:prstGeom prst="rect">
@@ -9651,36 +9824,6 @@
           <a:xfrm>
             <a:off x="1391221" y="4750706"/>
             <a:ext cx="4824843" cy="1605644"/>
-          </a:xfrm>
-          <a:prstGeom prst="rect">
-            <a:avLst/>
-          </a:prstGeom>
-        </p:spPr>
-      </p:pic>
-      <p:pic>
-        <p:nvPicPr>
-          <p:cNvPr id="33" name="Picture 32">
-            <a:extLst>
-              <a:ext uri="{FF2B5EF4-FFF2-40B4-BE49-F238E27FC236}">
-                <a16:creationId xmlns:a16="http://schemas.microsoft.com/office/drawing/2014/main" id="{89EA573B-E5C8-E054-3A2F-CE19015DE2D7}"/>
-              </a:ext>
-            </a:extLst>
-          </p:cNvPr>
-          <p:cNvPicPr>
-            <a:picLocks noChangeAspect="1"/>
-          </p:cNvPicPr>
-          <p:nvPr/>
-        </p:nvPicPr>
-        <p:blipFill>
-          <a:blip r:embed="rId6"/>
-          <a:stretch>
-            <a:fillRect/>
-          </a:stretch>
-        </p:blipFill>
-        <p:spPr>
-          <a:xfrm>
-            <a:off x="1370302" y="2002379"/>
-            <a:ext cx="4725697" cy="2000353"/>
           </a:xfrm>
           <a:prstGeom prst="rect">
             <a:avLst/>
@@ -9725,10 +9868,70 @@
           </a:p>
         </p:txBody>
       </p:sp>
+      <p:pic>
+        <p:nvPicPr>
+          <p:cNvPr id="22" name="Picture 21">
+            <a:extLst>
+              <a:ext uri="{FF2B5EF4-FFF2-40B4-BE49-F238E27FC236}">
+                <a16:creationId xmlns:a16="http://schemas.microsoft.com/office/drawing/2014/main" id="{F8851229-A64E-4B89-41A8-FF02D37790E5}"/>
+              </a:ext>
+            </a:extLst>
+          </p:cNvPr>
+          <p:cNvPicPr>
+            <a:picLocks noChangeAspect="1"/>
+          </p:cNvPicPr>
+          <p:nvPr/>
+        </p:nvPicPr>
+        <p:blipFill>
+          <a:blip r:embed="rId6"/>
+          <a:stretch>
+            <a:fillRect/>
+          </a:stretch>
+        </p:blipFill>
+        <p:spPr>
+          <a:xfrm>
+            <a:off x="1372654" y="2089032"/>
+            <a:ext cx="2121009" cy="1892397"/>
+          </a:xfrm>
+          <a:prstGeom prst="rect">
+            <a:avLst/>
+          </a:prstGeom>
+        </p:spPr>
+      </p:pic>
+      <p:pic>
+        <p:nvPicPr>
+          <p:cNvPr id="25" name="Picture 24">
+            <a:extLst>
+              <a:ext uri="{FF2B5EF4-FFF2-40B4-BE49-F238E27FC236}">
+                <a16:creationId xmlns:a16="http://schemas.microsoft.com/office/drawing/2014/main" id="{E504C37C-F168-C3D3-5994-8C3CEC203E60}"/>
+              </a:ext>
+            </a:extLst>
+          </p:cNvPr>
+          <p:cNvPicPr>
+            <a:picLocks noChangeAspect="1"/>
+          </p:cNvPicPr>
+          <p:nvPr/>
+        </p:nvPicPr>
+        <p:blipFill>
+          <a:blip r:embed="rId7"/>
+          <a:stretch>
+            <a:fillRect/>
+          </a:stretch>
+        </p:blipFill>
+        <p:spPr>
+          <a:xfrm>
+            <a:off x="3613352" y="2089032"/>
+            <a:ext cx="2527430" cy="1917799"/>
+          </a:xfrm>
+          <a:prstGeom prst="rect">
+            <a:avLst/>
+          </a:prstGeom>
+        </p:spPr>
+      </p:pic>
     </p:spTree>
     <p:extLst>
       <p:ext uri="{BB962C8B-B14F-4D97-AF65-F5344CB8AC3E}">
-        <p14:creationId xmlns:p14="http://schemas.microsoft.com/office/powerpoint/2010/main" val="1052970258"/>
+        <p14:creationId xmlns:p14="http://schemas.microsoft.com/office/powerpoint/2010/main" val="3576995332"/>
       </p:ext>
     </p:extLst>
   </p:cSld>
@@ -10860,7 +11063,7 @@
                 <a:latin typeface="Times New Roman" panose="02020603050405020304" pitchFamily="18" charset="0"/>
                 <a:cs typeface="Times New Roman" panose="02020603050405020304" pitchFamily="18" charset="0"/>
               </a:rPr>
-              <a:t>Employment Status &amp; Income Predictor Weight</a:t>
+              <a:t>Employment Status &amp; Income Predictor Weights</a:t>
             </a:r>
             <a:endParaRPr lang="en-US" sz="2800" dirty="0">
               <a:latin typeface="Times New Roman" panose="02020603050405020304" pitchFamily="18" charset="0"/>
@@ -10959,8 +11162,8 @@
         </p:blipFill>
         <p:spPr>
           <a:xfrm>
-            <a:off x="4163368" y="1741542"/>
-            <a:ext cx="3865265" cy="4796417"/>
+            <a:off x="4240404" y="1741542"/>
+            <a:ext cx="3788229" cy="4796417"/>
           </a:xfrm>
           <a:prstGeom prst="rect">
             <a:avLst/>
@@ -10983,8 +11186,8 @@
         </p:nvSpPr>
         <p:spPr bwMode="auto">
           <a:xfrm>
-            <a:off x="1334617" y="1637881"/>
-            <a:ext cx="2679700" cy="4119824"/>
+            <a:off x="1284376" y="1637881"/>
+            <a:ext cx="2905788" cy="3818374"/>
           </a:xfrm>
           <a:prstGeom prst="rect">
             <a:avLst/>
@@ -11064,7 +11267,7 @@
                 <a:ea typeface="Aptos" panose="020B0004020202020204" pitchFamily="34" charset="0"/>
                 <a:cs typeface="Times New Roman" panose="02020603050405020304" pitchFamily="18" charset="0"/>
               </a:rPr>
-              <a:t> Field of Study</a:t>
+              <a:t> Program</a:t>
             </a:r>
           </a:p>
           <a:p>
@@ -11149,20 +11352,11 @@
               </a:tabLst>
             </a:pPr>
             <a:r>
-              <a:rPr lang="en-US" sz="1400" b="1" i="1" kern="100" dirty="0">
+              <a:rPr lang="en-US" sz="1400" i="1" kern="100" dirty="0">
                 <a:latin typeface="Times New Roman" panose="02020603050405020304" pitchFamily="18" charset="0"/>
-                <a:ea typeface="Aptos" panose="020B0004020202020204" pitchFamily="34" charset="0"/>
                 <a:cs typeface="Times New Roman" panose="02020603050405020304" pitchFamily="18" charset="0"/>
               </a:rPr>
-              <a:t>Note:</a:t>
-            </a:r>
-            <a:r>
-              <a:rPr lang="en-US" sz="1400" i="1" kern="100" dirty="0">
-                <a:latin typeface="Times New Roman" panose="02020603050405020304" pitchFamily="18" charset="0"/>
-                <a:ea typeface="Aptos" panose="020B0004020202020204" pitchFamily="34" charset="0"/>
-                <a:cs typeface="Times New Roman" panose="02020603050405020304" pitchFamily="18" charset="0"/>
-              </a:rPr>
-              <a:t> Predictor strength varies slightly between employment status (classification) and income (regression) models.</a:t>
+              <a:t>Note: Predictor strength varies between classification (employment status) and regression (income) tasks due to different outcome variable types.</a:t>
             </a:r>
           </a:p>
           <a:p>
@@ -13633,7 +13827,7 @@
                 <a:latin typeface="Times New Roman" panose="02020603050405020304" pitchFamily="18" charset="0"/>
                 <a:cs typeface="Times New Roman" panose="02020603050405020304" pitchFamily="18" charset="0"/>
               </a:rPr>
-              <a:t>Region, Program and Education Level</a:t>
+              <a:t>Regions, Programs and Education Levels</a:t>
             </a:r>
             <a:endParaRPr lang="en-US" sz="2400" b="1" dirty="0">
               <a:latin typeface="Times New Roman" panose="02020603050405020304" pitchFamily="18" charset="0"/>
@@ -14886,8 +15080,8 @@
         </p:nvSpPr>
         <p:spPr>
           <a:xfrm>
-            <a:off x="1200568" y="643467"/>
-            <a:ext cx="8326184" cy="830997"/>
+            <a:off x="1200567" y="643467"/>
+            <a:ext cx="10485665" cy="5386090"/>
           </a:xfrm>
           <a:prstGeom prst="rect">
             <a:avLst/>
@@ -14908,12 +15102,8 @@
                 <a:latin typeface="Times New Roman" panose="02020603050405020304" pitchFamily="18" charset="0"/>
                 <a:cs typeface="Times New Roman" panose="02020603050405020304" pitchFamily="18" charset="0"/>
               </a:rPr>
-              <a:t>Three Program Tiers for Employment and Income </a:t>
-            </a:r>
-            <a:endParaRPr lang="en-US" sz="2800" dirty="0">
-              <a:latin typeface="Times New Roman" panose="02020603050405020304" pitchFamily="18" charset="0"/>
-              <a:cs typeface="Times New Roman" panose="02020603050405020304" pitchFamily="18" charset="0"/>
-            </a:endParaRPr>
+              <a:t>Group Programs into Three Tiers </a:t>
+            </a:r>
           </a:p>
           <a:p>
             <a:r>
@@ -14922,6 +15112,208 @@
                 <a:cs typeface="Times New Roman" panose="02020603050405020304" pitchFamily="18" charset="0"/>
               </a:rPr>
               <a:t>________________________________________</a:t>
+            </a:r>
+          </a:p>
+          <a:p>
+            <a:r>
+              <a:rPr lang="en-US" sz="2000" b="1" dirty="0">
+                <a:latin typeface="Times New Roman" panose="02020603050405020304" pitchFamily="18" charset="0"/>
+                <a:cs typeface="Times New Roman" panose="02020603050405020304" pitchFamily="18" charset="0"/>
+              </a:rPr>
+              <a:t>Objective:</a:t>
+            </a:r>
+            <a:br>
+              <a:rPr lang="en-US" dirty="0">
+                <a:latin typeface="Times New Roman" panose="02020603050405020304" pitchFamily="18" charset="0"/>
+                <a:cs typeface="Times New Roman" panose="02020603050405020304" pitchFamily="18" charset="0"/>
+              </a:rPr>
+            </a:br>
+            <a:r>
+              <a:rPr lang="en-US" dirty="0">
+                <a:latin typeface="Times New Roman" panose="02020603050405020304" pitchFamily="18" charset="0"/>
+                <a:cs typeface="Times New Roman" panose="02020603050405020304" pitchFamily="18" charset="0"/>
+              </a:rPr>
+              <a:t>To categorize university programs into distinct groups based on their post-graduation </a:t>
+            </a:r>
+            <a:r>
+              <a:rPr lang="en-US" dirty="0" err="1">
+                <a:latin typeface="Times New Roman" panose="02020603050405020304" pitchFamily="18" charset="0"/>
+                <a:cs typeface="Times New Roman" panose="02020603050405020304" pitchFamily="18" charset="0"/>
+              </a:rPr>
+              <a:t>labour</a:t>
+            </a:r>
+            <a:r>
+              <a:rPr lang="en-US" dirty="0">
+                <a:latin typeface="Times New Roman" panose="02020603050405020304" pitchFamily="18" charset="0"/>
+                <a:cs typeface="Times New Roman" panose="02020603050405020304" pitchFamily="18" charset="0"/>
+              </a:rPr>
+              <a:t> market outcomes.</a:t>
+            </a:r>
+          </a:p>
+          <a:p>
+            <a:r>
+              <a:rPr lang="en-US" sz="2000" b="1" dirty="0">
+                <a:latin typeface="Times New Roman" panose="02020603050405020304" pitchFamily="18" charset="0"/>
+                <a:cs typeface="Times New Roman" panose="02020603050405020304" pitchFamily="18" charset="0"/>
+              </a:rPr>
+              <a:t>Methodology:</a:t>
+            </a:r>
+            <a:br>
+              <a:rPr lang="en-US" dirty="0">
+                <a:latin typeface="Times New Roman" panose="02020603050405020304" pitchFamily="18" charset="0"/>
+                <a:cs typeface="Times New Roman" panose="02020603050405020304" pitchFamily="18" charset="0"/>
+              </a:rPr>
+            </a:br>
+            <a:r>
+              <a:rPr lang="en-US" dirty="0">
+                <a:latin typeface="Times New Roman" panose="02020603050405020304" pitchFamily="18" charset="0"/>
+                <a:cs typeface="Times New Roman" panose="02020603050405020304" pitchFamily="18" charset="0"/>
+              </a:rPr>
+              <a:t>Programs were evaluated and ranked using a combined metric based on two key indicators from the National Graduate Survey (NGS) data:</a:t>
+            </a:r>
+          </a:p>
+          <a:p>
+            <a:pPr marL="742950" lvl="1" indent="-285750">
+              <a:buFont typeface="Wingdings" panose="05000000000000000000" pitchFamily="2" charset="2"/>
+              <a:buChar char="§"/>
+            </a:pPr>
+            <a:r>
+              <a:rPr lang="en-US" dirty="0">
+                <a:latin typeface="Times New Roman" panose="02020603050405020304" pitchFamily="18" charset="0"/>
+                <a:cs typeface="Times New Roman" panose="02020603050405020304" pitchFamily="18" charset="0"/>
+              </a:rPr>
+              <a:t>Employment Rate (%)</a:t>
+            </a:r>
+          </a:p>
+          <a:p>
+            <a:pPr marL="742950" lvl="1" indent="-285750">
+              <a:buFont typeface="Wingdings" panose="05000000000000000000" pitchFamily="2" charset="2"/>
+              <a:buChar char="§"/>
+            </a:pPr>
+            <a:r>
+              <a:rPr lang="en-US" dirty="0">
+                <a:latin typeface="Times New Roman" panose="02020603050405020304" pitchFamily="18" charset="0"/>
+                <a:cs typeface="Times New Roman" panose="02020603050405020304" pitchFamily="18" charset="0"/>
+              </a:rPr>
+              <a:t>Median Employment Income</a:t>
+            </a:r>
+          </a:p>
+          <a:p>
+            <a:r>
+              <a:rPr lang="en-US" sz="2000" b="1" dirty="0">
+                <a:latin typeface="Times New Roman" panose="02020603050405020304" pitchFamily="18" charset="0"/>
+                <a:cs typeface="Times New Roman" panose="02020603050405020304" pitchFamily="18" charset="0"/>
+              </a:rPr>
+              <a:t>Classification Process:</a:t>
+            </a:r>
+            <a:endParaRPr lang="en-US" sz="2000" dirty="0">
+              <a:latin typeface="Times New Roman" panose="02020603050405020304" pitchFamily="18" charset="0"/>
+              <a:cs typeface="Times New Roman" panose="02020603050405020304" pitchFamily="18" charset="0"/>
+            </a:endParaRPr>
+          </a:p>
+          <a:p>
+            <a:pPr marL="285750" indent="-285750">
+              <a:buFont typeface="Arial" panose="020B0604020202020204" pitchFamily="34" charset="0"/>
+              <a:buChar char="•"/>
+            </a:pPr>
+            <a:r>
+              <a:rPr lang="en-US" dirty="0">
+                <a:latin typeface="Times New Roman" panose="02020603050405020304" pitchFamily="18" charset="0"/>
+                <a:cs typeface="Times New Roman" panose="02020603050405020304" pitchFamily="18" charset="0"/>
+              </a:rPr>
+              <a:t>Programs were scored and ranked on each indicator (Employment Rate and Income).</a:t>
+            </a:r>
+          </a:p>
+          <a:p>
+            <a:pPr marL="285750" indent="-285750">
+              <a:buFont typeface="Arial" panose="020B0604020202020204" pitchFamily="34" charset="0"/>
+              <a:buChar char="•"/>
+            </a:pPr>
+            <a:r>
+              <a:rPr lang="en-US" dirty="0">
+                <a:latin typeface="Times New Roman" panose="02020603050405020304" pitchFamily="18" charset="0"/>
+                <a:cs typeface="Times New Roman" panose="02020603050405020304" pitchFamily="18" charset="0"/>
+              </a:rPr>
+              <a:t>These ranks were combined into a composite "</a:t>
+            </a:r>
+            <a:r>
+              <a:rPr lang="en-US" dirty="0" err="1">
+                <a:latin typeface="Times New Roman" panose="02020603050405020304" pitchFamily="18" charset="0"/>
+                <a:cs typeface="Times New Roman" panose="02020603050405020304" pitchFamily="18" charset="0"/>
+              </a:rPr>
+              <a:t>Labour</a:t>
+            </a:r>
+            <a:r>
+              <a:rPr lang="en-US" dirty="0">
+                <a:latin typeface="Times New Roman" panose="02020603050405020304" pitchFamily="18" charset="0"/>
+                <a:cs typeface="Times New Roman" panose="02020603050405020304" pitchFamily="18" charset="0"/>
+              </a:rPr>
+              <a:t> Market Outcome" score.</a:t>
+            </a:r>
+          </a:p>
+          <a:p>
+            <a:pPr marL="285750" indent="-285750">
+              <a:buFont typeface="Arial" panose="020B0604020202020204" pitchFamily="34" charset="0"/>
+              <a:buChar char="•"/>
+            </a:pPr>
+            <a:r>
+              <a:rPr lang="en-US" dirty="0">
+                <a:latin typeface="Times New Roman" panose="02020603050405020304" pitchFamily="18" charset="0"/>
+                <a:cs typeface="Times New Roman" panose="02020603050405020304" pitchFamily="18" charset="0"/>
+              </a:rPr>
+              <a:t>K-means clustering was applied to this composite score to objectively identify three natural groupings (tiers) among the programs.</a:t>
+            </a:r>
+          </a:p>
+          <a:p>
+            <a:r>
+              <a:rPr lang="en-US" sz="2000" b="1" dirty="0">
+                <a:latin typeface="Times New Roman" panose="02020603050405020304" pitchFamily="18" charset="0"/>
+                <a:cs typeface="Times New Roman" panose="02020603050405020304" pitchFamily="18" charset="0"/>
+              </a:rPr>
+              <a:t>Resulting Tiers:</a:t>
+            </a:r>
+            <a:endParaRPr lang="en-US" sz="2000" dirty="0">
+              <a:latin typeface="Times New Roman" panose="02020603050405020304" pitchFamily="18" charset="0"/>
+              <a:cs typeface="Times New Roman" panose="02020603050405020304" pitchFamily="18" charset="0"/>
+            </a:endParaRPr>
+          </a:p>
+          <a:p>
+            <a:pPr marL="285750" indent="-285750">
+              <a:buFont typeface="Arial" panose="020B0604020202020204" pitchFamily="34" charset="0"/>
+              <a:buChar char="•"/>
+            </a:pPr>
+            <a:r>
+              <a:rPr lang="en-US" dirty="0">
+                <a:latin typeface="Times New Roman" panose="02020603050405020304" pitchFamily="18" charset="0"/>
+                <a:cs typeface="Times New Roman" panose="02020603050405020304" pitchFamily="18" charset="0"/>
+              </a:rPr>
+              <a:t>Tier 1: Programs with consistently high employment rates and high median incomes.</a:t>
+            </a:r>
+          </a:p>
+          <a:p>
+            <a:pPr marL="285750" indent="-285750">
+              <a:buFont typeface="Arial" panose="020B0604020202020204" pitchFamily="34" charset="0"/>
+              <a:buChar char="•"/>
+            </a:pPr>
+            <a:r>
+              <a:rPr lang="en-US" dirty="0">
+                <a:latin typeface="Times New Roman" panose="02020603050405020304" pitchFamily="18" charset="0"/>
+                <a:cs typeface="Times New Roman" panose="02020603050405020304" pitchFamily="18" charset="0"/>
+              </a:rPr>
+              <a:t>Tier 2: Programs with average outcomes in both employment and income.</a:t>
+            </a:r>
+          </a:p>
+          <a:p>
+            <a:pPr marL="285750" indent="-285750">
+              <a:buFont typeface="Arial" panose="020B0604020202020204" pitchFamily="34" charset="0"/>
+              <a:buChar char="•"/>
+            </a:pPr>
+            <a:r>
+              <a:rPr lang="en-US" dirty="0">
+                <a:latin typeface="Times New Roman" panose="02020603050405020304" pitchFamily="18" charset="0"/>
+                <a:cs typeface="Times New Roman" panose="02020603050405020304" pitchFamily="18" charset="0"/>
+              </a:rPr>
+              <a:t>Tier 3: Programs with below-average outcomes in employment and/or income.</a:t>
             </a:r>
           </a:p>
         </p:txBody>
@@ -14951,16 +15343,1261 @@
               <a:rPr lang="en-US" smtClean="0"/>
               <a:t>14</a:t>
             </a:fld>
-            <a:endParaRPr lang="en-US"/>
+            <a:endParaRPr lang="en-US" dirty="0"/>
           </a:p>
         </p:txBody>
       </p:sp>
+    </p:spTree>
+    <p:extLst>
+      <p:ext uri="{BB962C8B-B14F-4D97-AF65-F5344CB8AC3E}">
+        <p14:creationId xmlns:p14="http://schemas.microsoft.com/office/powerpoint/2010/main" val="54761652"/>
+      </p:ext>
+    </p:extLst>
+  </p:cSld>
+  <p:clrMapOvr>
+    <a:masterClrMapping/>
+  </p:clrMapOvr>
+</p:sld>
+</file>
+
+<file path=ppt/slides/slide15.xml><?xml version="1.0" encoding="utf-8"?>
+<p:sld xmlns:a="http://schemas.openxmlformats.org/drawingml/2006/main" xmlns:r="http://schemas.openxmlformats.org/officeDocument/2006/relationships" xmlns:p="http://schemas.openxmlformats.org/presentationml/2006/main">
+  <p:cSld>
+    <p:bg>
+      <p:bgPr>
+        <a:solidFill>
+          <a:schemeClr val="bg1"/>
+        </a:solidFill>
+        <a:effectLst/>
+      </p:bgPr>
+    </p:bg>
+    <p:spTree>
+      <p:nvGrpSpPr>
+        <p:cNvPr id="1" name="">
+          <a:extLst>
+            <a:ext uri="{FF2B5EF4-FFF2-40B4-BE49-F238E27FC236}">
+              <a16:creationId xmlns:a16="http://schemas.microsoft.com/office/drawing/2014/main" id="{7339B09A-8219-7C53-0177-F5BB1BFB723C}"/>
+            </a:ext>
+          </a:extLst>
+        </p:cNvPr>
+        <p:cNvGrpSpPr/>
+        <p:nvPr/>
+      </p:nvGrpSpPr>
+      <p:grpSpPr>
+        <a:xfrm>
+          <a:off x="0" y="0"/>
+          <a:ext cx="0" cy="0"/>
+          <a:chOff x="0" y="0"/>
+          <a:chExt cx="0" cy="0"/>
+        </a:xfrm>
+      </p:grpSpPr>
+      <p:sp useBgFill="1">
+        <p:nvSpPr>
+          <p:cNvPr id="21" name="Rectangle 20">
+            <a:extLst>
+              <a:ext uri="{FF2B5EF4-FFF2-40B4-BE49-F238E27FC236}">
+                <a16:creationId xmlns:a16="http://schemas.microsoft.com/office/drawing/2014/main" id="{8109AB2D-4E34-94AC-C053-785A1BF6E3DE}"/>
+              </a:ext>
+              <a:ext uri="{C183D7F6-B498-43B3-948B-1728B52AA6E4}">
+                <adec:decorative xmlns:adec="http://schemas.microsoft.com/office/drawing/2017/decorative" val="1"/>
+              </a:ext>
+            </a:extLst>
+          </p:cNvPr>
+          <p:cNvSpPr>
+            <a:spLocks noGrp="1" noRot="1" noChangeAspect="1" noMove="1" noResize="1" noEditPoints="1" noAdjustHandles="1" noChangeArrowheads="1" noChangeShapeType="1" noTextEdit="1"/>
+          </p:cNvSpPr>
+          <p:nvPr>
+            <p:extLst>
+              <p:ext uri="{386F3935-93C4-4BCD-93E2-E3B085C9AB24}">
+                <p16:designElem xmlns:p16="http://schemas.microsoft.com/office/powerpoint/2015/main" val="1"/>
+              </p:ext>
+            </p:extLst>
+          </p:nvPr>
+        </p:nvSpPr>
+        <p:spPr>
+          <a:xfrm>
+            <a:off x="0" y="0"/>
+            <a:ext cx="12192000" cy="6858000"/>
+          </a:xfrm>
+          <a:prstGeom prst="rect">
+            <a:avLst/>
+          </a:prstGeom>
+          <a:ln>
+            <a:noFill/>
+          </a:ln>
+        </p:spPr>
+        <p:style>
+          <a:lnRef idx="2">
+            <a:schemeClr val="accent1">
+              <a:shade val="50000"/>
+            </a:schemeClr>
+          </a:lnRef>
+          <a:fillRef idx="1">
+            <a:schemeClr val="accent1"/>
+          </a:fillRef>
+          <a:effectRef idx="0">
+            <a:schemeClr val="accent1"/>
+          </a:effectRef>
+          <a:fontRef idx="minor">
+            <a:schemeClr val="lt1"/>
+          </a:fontRef>
+        </p:style>
+        <p:txBody>
+          <a:bodyPr rtlCol="0" anchor="ctr"/>
+          <a:lstStyle/>
+          <a:p>
+            <a:pPr algn="ctr"/>
+            <a:endParaRPr lang="en-US"/>
+          </a:p>
+        </p:txBody>
+      </p:sp>
+      <p:sp>
+        <p:nvSpPr>
+          <p:cNvPr id="23" name="Freeform: Shape 22">
+            <a:extLst>
+              <a:ext uri="{FF2B5EF4-FFF2-40B4-BE49-F238E27FC236}">
+                <a16:creationId xmlns:a16="http://schemas.microsoft.com/office/drawing/2014/main" id="{299A1C54-7435-0DBD-7C96-65CF39AF515E}"/>
+              </a:ext>
+              <a:ext uri="{C183D7F6-B498-43B3-948B-1728B52AA6E4}">
+                <adec:decorative xmlns:adec="http://schemas.microsoft.com/office/drawing/2017/decorative" val="1"/>
+              </a:ext>
+            </a:extLst>
+          </p:cNvPr>
+          <p:cNvSpPr>
+            <a:spLocks noGrp="1" noRot="1" noChangeAspect="1" noMove="1" noResize="1" noEditPoints="1" noAdjustHandles="1" noChangeArrowheads="1" noChangeShapeType="1" noTextEdit="1"/>
+          </p:cNvSpPr>
+          <p:nvPr>
+            <p:extLst>
+              <p:ext uri="{386F3935-93C4-4BCD-93E2-E3B085C9AB24}">
+                <p16:designElem xmlns:p16="http://schemas.microsoft.com/office/powerpoint/2015/main" val="1"/>
+              </p:ext>
+            </p:extLst>
+          </p:nvPr>
+        </p:nvSpPr>
+        <p:spPr>
+          <a:xfrm flipH="1">
+            <a:off x="10208496" y="0"/>
+            <a:ext cx="1983504" cy="6858000"/>
+          </a:xfrm>
+          <a:custGeom>
+            <a:avLst/>
+            <a:gdLst>
+              <a:gd name="connsiteX0" fmla="*/ 0 w 1983504"/>
+              <a:gd name="connsiteY0" fmla="*/ 0 h 6858000"/>
+              <a:gd name="connsiteX1" fmla="*/ 1376658 w 1983504"/>
+              <a:gd name="connsiteY1" fmla="*/ 0 h 6858000"/>
+              <a:gd name="connsiteX2" fmla="*/ 1690650 w 1983504"/>
+              <a:gd name="connsiteY2" fmla="*/ 110269 h 6858000"/>
+              <a:gd name="connsiteX3" fmla="*/ 1645361 w 1983504"/>
+              <a:gd name="connsiteY3" fmla="*/ 135168 h 6858000"/>
+              <a:gd name="connsiteX4" fmla="*/ 1373640 w 1983504"/>
+              <a:gd name="connsiteY4" fmla="*/ 71141 h 6858000"/>
+              <a:gd name="connsiteX5" fmla="*/ 1319295 w 1983504"/>
+              <a:gd name="connsiteY5" fmla="*/ 88927 h 6858000"/>
+              <a:gd name="connsiteX6" fmla="*/ 1346468 w 1983504"/>
+              <a:gd name="connsiteY6" fmla="*/ 163625 h 6858000"/>
+              <a:gd name="connsiteX7" fmla="*/ 1464213 w 1983504"/>
+              <a:gd name="connsiteY7" fmla="*/ 192082 h 6858000"/>
+              <a:gd name="connsiteX8" fmla="*/ 1648381 w 1983504"/>
+              <a:gd name="connsiteY8" fmla="*/ 373491 h 6858000"/>
+              <a:gd name="connsiteX9" fmla="*/ 1370620 w 1983504"/>
+              <a:gd name="connsiteY9" fmla="*/ 352148 h 6858000"/>
+              <a:gd name="connsiteX10" fmla="*/ 1322314 w 1983504"/>
+              <a:gd name="connsiteY10" fmla="*/ 394834 h 6858000"/>
+              <a:gd name="connsiteX11" fmla="*/ 1304199 w 1983504"/>
+              <a:gd name="connsiteY11" fmla="*/ 451747 h 6858000"/>
+              <a:gd name="connsiteX12" fmla="*/ 1222682 w 1983504"/>
+              <a:gd name="connsiteY12" fmla="*/ 359262 h 6858000"/>
+              <a:gd name="connsiteX13" fmla="*/ 1153242 w 1983504"/>
+              <a:gd name="connsiteY13" fmla="*/ 334364 h 6858000"/>
+              <a:gd name="connsiteX14" fmla="*/ 1132108 w 1983504"/>
+              <a:gd name="connsiteY14" fmla="*/ 416176 h 6858000"/>
+              <a:gd name="connsiteX15" fmla="*/ 1195509 w 1983504"/>
+              <a:gd name="connsiteY15" fmla="*/ 505101 h 6858000"/>
+              <a:gd name="connsiteX16" fmla="*/ 1364582 w 1983504"/>
+              <a:gd name="connsiteY16" fmla="*/ 558458 h 6858000"/>
+              <a:gd name="connsiteX17" fmla="*/ 1183434 w 1983504"/>
+              <a:gd name="connsiteY17" fmla="*/ 558458 h 6858000"/>
+              <a:gd name="connsiteX18" fmla="*/ 975114 w 1983504"/>
+              <a:gd name="connsiteY18" fmla="*/ 522887 h 6858000"/>
+              <a:gd name="connsiteX19" fmla="*/ 754716 w 1983504"/>
+              <a:gd name="connsiteY19" fmla="*/ 533558 h 6858000"/>
+              <a:gd name="connsiteX20" fmla="*/ 546395 w 1983504"/>
+              <a:gd name="connsiteY20" fmla="*/ 462417 h 6858000"/>
+              <a:gd name="connsiteX21" fmla="*/ 335056 w 1983504"/>
+              <a:gd name="connsiteY21" fmla="*/ 465975 h 6858000"/>
+              <a:gd name="connsiteX22" fmla="*/ 1270988 w 1983504"/>
+              <a:gd name="connsiteY22" fmla="*/ 910606 h 6858000"/>
+              <a:gd name="connsiteX23" fmla="*/ 1225701 w 1983504"/>
+              <a:gd name="connsiteY23" fmla="*/ 921277 h 6858000"/>
+              <a:gd name="connsiteX24" fmla="*/ 1165318 w 1983504"/>
+              <a:gd name="connsiteY24" fmla="*/ 949734 h 6858000"/>
+              <a:gd name="connsiteX25" fmla="*/ 1210606 w 1983504"/>
+              <a:gd name="connsiteY25" fmla="*/ 1006647 h 6858000"/>
+              <a:gd name="connsiteX26" fmla="*/ 1455156 w 1983504"/>
+              <a:gd name="connsiteY26" fmla="*/ 1113358 h 6858000"/>
+              <a:gd name="connsiteX27" fmla="*/ 1515538 w 1983504"/>
+              <a:gd name="connsiteY27" fmla="*/ 1220069 h 6858000"/>
+              <a:gd name="connsiteX28" fmla="*/ 1440060 w 1983504"/>
+              <a:gd name="connsiteY28" fmla="*/ 1209399 h 6858000"/>
+              <a:gd name="connsiteX29" fmla="*/ 1373640 w 1983504"/>
+              <a:gd name="connsiteY29" fmla="*/ 1230741 h 6858000"/>
+              <a:gd name="connsiteX30" fmla="*/ 1400810 w 1983504"/>
+              <a:gd name="connsiteY30" fmla="*/ 1365909 h 6858000"/>
+              <a:gd name="connsiteX31" fmla="*/ 1748012 w 1983504"/>
+              <a:gd name="connsiteY31" fmla="*/ 1540204 h 6858000"/>
+              <a:gd name="connsiteX32" fmla="*/ 1778203 w 1983504"/>
+              <a:gd name="connsiteY32" fmla="*/ 1597117 h 6858000"/>
+              <a:gd name="connsiteX33" fmla="*/ 1735936 w 1983504"/>
+              <a:gd name="connsiteY33" fmla="*/ 1636245 h 6858000"/>
+              <a:gd name="connsiteX34" fmla="*/ 1624228 w 1983504"/>
+              <a:gd name="connsiteY34" fmla="*/ 1657587 h 6858000"/>
+              <a:gd name="connsiteX35" fmla="*/ 1781223 w 1983504"/>
+              <a:gd name="connsiteY35" fmla="*/ 1849668 h 6858000"/>
+              <a:gd name="connsiteX36" fmla="*/ 1838587 w 1983504"/>
+              <a:gd name="connsiteY36" fmla="*/ 1903025 h 6858000"/>
+              <a:gd name="connsiteX37" fmla="*/ 1938218 w 1983504"/>
+              <a:gd name="connsiteY37" fmla="*/ 1984836 h 6858000"/>
+              <a:gd name="connsiteX38" fmla="*/ 1938218 w 1983504"/>
+              <a:gd name="connsiteY38" fmla="*/ 2013292 h 6858000"/>
+              <a:gd name="connsiteX39" fmla="*/ 1805376 w 1983504"/>
+              <a:gd name="connsiteY39" fmla="*/ 2102219 h 6858000"/>
+              <a:gd name="connsiteX40" fmla="*/ 1563844 w 1983504"/>
+              <a:gd name="connsiteY40" fmla="*/ 2077320 h 6858000"/>
+              <a:gd name="connsiteX41" fmla="*/ 1920104 w 1983504"/>
+              <a:gd name="connsiteY41" fmla="*/ 2208931 h 6858000"/>
+              <a:gd name="connsiteX42" fmla="*/ 766792 w 1983504"/>
+              <a:gd name="connsiteY42" fmla="*/ 1892353 h 6858000"/>
+              <a:gd name="connsiteX43" fmla="*/ 839252 w 1983504"/>
+              <a:gd name="connsiteY43" fmla="*/ 1974165 h 6858000"/>
+              <a:gd name="connsiteX44" fmla="*/ 1243816 w 1983504"/>
+              <a:gd name="connsiteY44" fmla="*/ 2191146 h 6858000"/>
+              <a:gd name="connsiteX45" fmla="*/ 1358543 w 1983504"/>
+              <a:gd name="connsiteY45" fmla="*/ 2326314 h 6858000"/>
+              <a:gd name="connsiteX46" fmla="*/ 1479310 w 1983504"/>
+              <a:gd name="connsiteY46" fmla="*/ 2401012 h 6858000"/>
+              <a:gd name="connsiteX47" fmla="*/ 1648381 w 1983504"/>
+              <a:gd name="connsiteY47" fmla="*/ 2401012 h 6858000"/>
+              <a:gd name="connsiteX48" fmla="*/ 1769146 w 1983504"/>
+              <a:gd name="connsiteY48" fmla="*/ 2518395 h 6858000"/>
+              <a:gd name="connsiteX49" fmla="*/ 1645361 w 1983504"/>
+              <a:gd name="connsiteY49" fmla="*/ 2543294 h 6858000"/>
+              <a:gd name="connsiteX50" fmla="*/ 1500444 w 1983504"/>
+              <a:gd name="connsiteY50" fmla="*/ 2525509 h 6858000"/>
+              <a:gd name="connsiteX51" fmla="*/ 1337410 w 1983504"/>
+              <a:gd name="connsiteY51" fmla="*/ 2564636 h 6858000"/>
+              <a:gd name="connsiteX52" fmla="*/ 1186452 w 1983504"/>
+              <a:gd name="connsiteY52" fmla="*/ 2532623 h 6858000"/>
+              <a:gd name="connsiteX53" fmla="*/ 1005304 w 1983504"/>
+              <a:gd name="connsiteY53" fmla="*/ 2553965 h 6858000"/>
+              <a:gd name="connsiteX54" fmla="*/ 947940 w 1983504"/>
+              <a:gd name="connsiteY54" fmla="*/ 2692689 h 6858000"/>
+              <a:gd name="connsiteX55" fmla="*/ 929826 w 1983504"/>
+              <a:gd name="connsiteY55" fmla="*/ 2703362 h 6858000"/>
+              <a:gd name="connsiteX56" fmla="*/ 594701 w 1983504"/>
+              <a:gd name="connsiteY56" fmla="*/ 2923898 h 6858000"/>
+              <a:gd name="connsiteX57" fmla="*/ 501108 w 1983504"/>
+              <a:gd name="connsiteY57" fmla="*/ 2941684 h 6858000"/>
+              <a:gd name="connsiteX58" fmla="*/ 1053610 w 1983504"/>
+              <a:gd name="connsiteY58" fmla="*/ 3329402 h 6858000"/>
+              <a:gd name="connsiteX59" fmla="*/ 682256 w 1983504"/>
+              <a:gd name="connsiteY59" fmla="*/ 3229805 h 6858000"/>
+              <a:gd name="connsiteX60" fmla="*/ 630932 w 1983504"/>
+              <a:gd name="connsiteY60" fmla="*/ 3393429 h 6858000"/>
+              <a:gd name="connsiteX61" fmla="*/ 806041 w 1983504"/>
+              <a:gd name="connsiteY61" fmla="*/ 3539269 h 6858000"/>
+              <a:gd name="connsiteX62" fmla="*/ 869444 w 1983504"/>
+              <a:gd name="connsiteY62" fmla="*/ 3827390 h 6858000"/>
+              <a:gd name="connsiteX63" fmla="*/ 839252 w 1983504"/>
+              <a:gd name="connsiteY63" fmla="*/ 4090612 h 6858000"/>
+              <a:gd name="connsiteX64" fmla="*/ 763774 w 1983504"/>
+              <a:gd name="connsiteY64" fmla="*/ 4172424 h 6858000"/>
+              <a:gd name="connsiteX65" fmla="*/ 655085 w 1983504"/>
+              <a:gd name="connsiteY65" fmla="*/ 4321821 h 6858000"/>
+              <a:gd name="connsiteX66" fmla="*/ 588662 w 1983504"/>
+              <a:gd name="connsiteY66" fmla="*/ 4414305 h 6858000"/>
+              <a:gd name="connsiteX67" fmla="*/ 356189 w 1983504"/>
+              <a:gd name="connsiteY67" fmla="*/ 4378734 h 6858000"/>
+              <a:gd name="connsiteX68" fmla="*/ 667160 w 1983504"/>
+              <a:gd name="connsiteY68" fmla="*/ 4613499 h 6858000"/>
+              <a:gd name="connsiteX69" fmla="*/ 416573 w 1983504"/>
+              <a:gd name="connsiteY69" fmla="*/ 4585042 h 6858000"/>
+              <a:gd name="connsiteX70" fmla="*/ 335056 w 1983504"/>
+              <a:gd name="connsiteY70" fmla="*/ 4602828 h 6858000"/>
+              <a:gd name="connsiteX71" fmla="*/ 380342 w 1983504"/>
+              <a:gd name="connsiteY71" fmla="*/ 4677526 h 6858000"/>
+              <a:gd name="connsiteX72" fmla="*/ 564510 w 1983504"/>
+              <a:gd name="connsiteY72" fmla="*/ 4805580 h 6858000"/>
+              <a:gd name="connsiteX73" fmla="*/ 944922 w 1983504"/>
+              <a:gd name="connsiteY73" fmla="*/ 5154171 h 6858000"/>
+              <a:gd name="connsiteX74" fmla="*/ 576586 w 1983504"/>
+              <a:gd name="connsiteY74" fmla="*/ 4994104 h 6858000"/>
+              <a:gd name="connsiteX75" fmla="*/ 963036 w 1983504"/>
+              <a:gd name="connsiteY75" fmla="*/ 5353367 h 6858000"/>
+              <a:gd name="connsiteX76" fmla="*/ 1047572 w 1983504"/>
+              <a:gd name="connsiteY76" fmla="*/ 5474306 h 6858000"/>
+              <a:gd name="connsiteX77" fmla="*/ 1222682 w 1983504"/>
+              <a:gd name="connsiteY77" fmla="*/ 5769542 h 6858000"/>
+              <a:gd name="connsiteX78" fmla="*/ 1213626 w 1983504"/>
+              <a:gd name="connsiteY78" fmla="*/ 5801555 h 6858000"/>
+              <a:gd name="connsiteX79" fmla="*/ 1014361 w 1983504"/>
+              <a:gd name="connsiteY79" fmla="*/ 5755314 h 6858000"/>
+              <a:gd name="connsiteX80" fmla="*/ 1274008 w 1983504"/>
+              <a:gd name="connsiteY80" fmla="*/ 6004307 h 6858000"/>
+              <a:gd name="connsiteX81" fmla="*/ 1542711 w 1983504"/>
+              <a:gd name="connsiteY81" fmla="*/ 6196388 h 6858000"/>
+              <a:gd name="connsiteX82" fmla="*/ 1352504 w 1983504"/>
+              <a:gd name="connsiteY82" fmla="*/ 6167932 h 6858000"/>
+              <a:gd name="connsiteX83" fmla="*/ 1089840 w 1983504"/>
+              <a:gd name="connsiteY83" fmla="*/ 6057663 h 6858000"/>
+              <a:gd name="connsiteX84" fmla="*/ 999266 w 1983504"/>
+              <a:gd name="connsiteY84" fmla="*/ 6100347 h 6858000"/>
+              <a:gd name="connsiteX85" fmla="*/ 1246836 w 1983504"/>
+              <a:gd name="connsiteY85" fmla="*/ 6281757 h 6858000"/>
+              <a:gd name="connsiteX86" fmla="*/ 1388735 w 1983504"/>
+              <a:gd name="connsiteY86" fmla="*/ 6367127 h 6858000"/>
+              <a:gd name="connsiteX87" fmla="*/ 1446099 w 1983504"/>
+              <a:gd name="connsiteY87" fmla="*/ 6431153 h 6858000"/>
+              <a:gd name="connsiteX88" fmla="*/ 1609132 w 1983504"/>
+              <a:gd name="connsiteY88" fmla="*/ 6658805 h 6858000"/>
+              <a:gd name="connsiteX89" fmla="*/ 1983504 w 1983504"/>
+              <a:gd name="connsiteY89" fmla="*/ 6858000 h 6858000"/>
+              <a:gd name="connsiteX90" fmla="*/ 0 w 1983504"/>
+              <a:gd name="connsiteY90" fmla="*/ 6858000 h 6858000"/>
+            </a:gdLst>
+            <a:ahLst/>
+            <a:cxnLst>
+              <a:cxn ang="0">
+                <a:pos x="connsiteX0" y="connsiteY0"/>
+              </a:cxn>
+              <a:cxn ang="0">
+                <a:pos x="connsiteX1" y="connsiteY1"/>
+              </a:cxn>
+              <a:cxn ang="0">
+                <a:pos x="connsiteX2" y="connsiteY2"/>
+              </a:cxn>
+              <a:cxn ang="0">
+                <a:pos x="connsiteX3" y="connsiteY3"/>
+              </a:cxn>
+              <a:cxn ang="0">
+                <a:pos x="connsiteX4" y="connsiteY4"/>
+              </a:cxn>
+              <a:cxn ang="0">
+                <a:pos x="connsiteX5" y="connsiteY5"/>
+              </a:cxn>
+              <a:cxn ang="0">
+                <a:pos x="connsiteX6" y="connsiteY6"/>
+              </a:cxn>
+              <a:cxn ang="0">
+                <a:pos x="connsiteX7" y="connsiteY7"/>
+              </a:cxn>
+              <a:cxn ang="0">
+                <a:pos x="connsiteX8" y="connsiteY8"/>
+              </a:cxn>
+              <a:cxn ang="0">
+                <a:pos x="connsiteX9" y="connsiteY9"/>
+              </a:cxn>
+              <a:cxn ang="0">
+                <a:pos x="connsiteX10" y="connsiteY10"/>
+              </a:cxn>
+              <a:cxn ang="0">
+                <a:pos x="connsiteX11" y="connsiteY11"/>
+              </a:cxn>
+              <a:cxn ang="0">
+                <a:pos x="connsiteX12" y="connsiteY12"/>
+              </a:cxn>
+              <a:cxn ang="0">
+                <a:pos x="connsiteX13" y="connsiteY13"/>
+              </a:cxn>
+              <a:cxn ang="0">
+                <a:pos x="connsiteX14" y="connsiteY14"/>
+              </a:cxn>
+              <a:cxn ang="0">
+                <a:pos x="connsiteX15" y="connsiteY15"/>
+              </a:cxn>
+              <a:cxn ang="0">
+                <a:pos x="connsiteX16" y="connsiteY16"/>
+              </a:cxn>
+              <a:cxn ang="0">
+                <a:pos x="connsiteX17" y="connsiteY17"/>
+              </a:cxn>
+              <a:cxn ang="0">
+                <a:pos x="connsiteX18" y="connsiteY18"/>
+              </a:cxn>
+              <a:cxn ang="0">
+                <a:pos x="connsiteX19" y="connsiteY19"/>
+              </a:cxn>
+              <a:cxn ang="0">
+                <a:pos x="connsiteX20" y="connsiteY20"/>
+              </a:cxn>
+              <a:cxn ang="0">
+                <a:pos x="connsiteX21" y="connsiteY21"/>
+              </a:cxn>
+              <a:cxn ang="0">
+                <a:pos x="connsiteX22" y="connsiteY22"/>
+              </a:cxn>
+              <a:cxn ang="0">
+                <a:pos x="connsiteX23" y="connsiteY23"/>
+              </a:cxn>
+              <a:cxn ang="0">
+                <a:pos x="connsiteX24" y="connsiteY24"/>
+              </a:cxn>
+              <a:cxn ang="0">
+                <a:pos x="connsiteX25" y="connsiteY25"/>
+              </a:cxn>
+              <a:cxn ang="0">
+                <a:pos x="connsiteX26" y="connsiteY26"/>
+              </a:cxn>
+              <a:cxn ang="0">
+                <a:pos x="connsiteX27" y="connsiteY27"/>
+              </a:cxn>
+              <a:cxn ang="0">
+                <a:pos x="connsiteX28" y="connsiteY28"/>
+              </a:cxn>
+              <a:cxn ang="0">
+                <a:pos x="connsiteX29" y="connsiteY29"/>
+              </a:cxn>
+              <a:cxn ang="0">
+                <a:pos x="connsiteX30" y="connsiteY30"/>
+              </a:cxn>
+              <a:cxn ang="0">
+                <a:pos x="connsiteX31" y="connsiteY31"/>
+              </a:cxn>
+              <a:cxn ang="0">
+                <a:pos x="connsiteX32" y="connsiteY32"/>
+              </a:cxn>
+              <a:cxn ang="0">
+                <a:pos x="connsiteX33" y="connsiteY33"/>
+              </a:cxn>
+              <a:cxn ang="0">
+                <a:pos x="connsiteX34" y="connsiteY34"/>
+              </a:cxn>
+              <a:cxn ang="0">
+                <a:pos x="connsiteX35" y="connsiteY35"/>
+              </a:cxn>
+              <a:cxn ang="0">
+                <a:pos x="connsiteX36" y="connsiteY36"/>
+              </a:cxn>
+              <a:cxn ang="0">
+                <a:pos x="connsiteX37" y="connsiteY37"/>
+              </a:cxn>
+              <a:cxn ang="0">
+                <a:pos x="connsiteX38" y="connsiteY38"/>
+              </a:cxn>
+              <a:cxn ang="0">
+                <a:pos x="connsiteX39" y="connsiteY39"/>
+              </a:cxn>
+              <a:cxn ang="0">
+                <a:pos x="connsiteX40" y="connsiteY40"/>
+              </a:cxn>
+              <a:cxn ang="0">
+                <a:pos x="connsiteX41" y="connsiteY41"/>
+              </a:cxn>
+              <a:cxn ang="0">
+                <a:pos x="connsiteX42" y="connsiteY42"/>
+              </a:cxn>
+              <a:cxn ang="0">
+                <a:pos x="connsiteX43" y="connsiteY43"/>
+              </a:cxn>
+              <a:cxn ang="0">
+                <a:pos x="connsiteX44" y="connsiteY44"/>
+              </a:cxn>
+              <a:cxn ang="0">
+                <a:pos x="connsiteX45" y="connsiteY45"/>
+              </a:cxn>
+              <a:cxn ang="0">
+                <a:pos x="connsiteX46" y="connsiteY46"/>
+              </a:cxn>
+              <a:cxn ang="0">
+                <a:pos x="connsiteX47" y="connsiteY47"/>
+              </a:cxn>
+              <a:cxn ang="0">
+                <a:pos x="connsiteX48" y="connsiteY48"/>
+              </a:cxn>
+              <a:cxn ang="0">
+                <a:pos x="connsiteX49" y="connsiteY49"/>
+              </a:cxn>
+              <a:cxn ang="0">
+                <a:pos x="connsiteX50" y="connsiteY50"/>
+              </a:cxn>
+              <a:cxn ang="0">
+                <a:pos x="connsiteX51" y="connsiteY51"/>
+              </a:cxn>
+              <a:cxn ang="0">
+                <a:pos x="connsiteX52" y="connsiteY52"/>
+              </a:cxn>
+              <a:cxn ang="0">
+                <a:pos x="connsiteX53" y="connsiteY53"/>
+              </a:cxn>
+              <a:cxn ang="0">
+                <a:pos x="connsiteX54" y="connsiteY54"/>
+              </a:cxn>
+              <a:cxn ang="0">
+                <a:pos x="connsiteX55" y="connsiteY55"/>
+              </a:cxn>
+              <a:cxn ang="0">
+                <a:pos x="connsiteX56" y="connsiteY56"/>
+              </a:cxn>
+              <a:cxn ang="0">
+                <a:pos x="connsiteX57" y="connsiteY57"/>
+              </a:cxn>
+              <a:cxn ang="0">
+                <a:pos x="connsiteX58" y="connsiteY58"/>
+              </a:cxn>
+              <a:cxn ang="0">
+                <a:pos x="connsiteX59" y="connsiteY59"/>
+              </a:cxn>
+              <a:cxn ang="0">
+                <a:pos x="connsiteX60" y="connsiteY60"/>
+              </a:cxn>
+              <a:cxn ang="0">
+                <a:pos x="connsiteX61" y="connsiteY61"/>
+              </a:cxn>
+              <a:cxn ang="0">
+                <a:pos x="connsiteX62" y="connsiteY62"/>
+              </a:cxn>
+              <a:cxn ang="0">
+                <a:pos x="connsiteX63" y="connsiteY63"/>
+              </a:cxn>
+              <a:cxn ang="0">
+                <a:pos x="connsiteX64" y="connsiteY64"/>
+              </a:cxn>
+              <a:cxn ang="0">
+                <a:pos x="connsiteX65" y="connsiteY65"/>
+              </a:cxn>
+              <a:cxn ang="0">
+                <a:pos x="connsiteX66" y="connsiteY66"/>
+              </a:cxn>
+              <a:cxn ang="0">
+                <a:pos x="connsiteX67" y="connsiteY67"/>
+              </a:cxn>
+              <a:cxn ang="0">
+                <a:pos x="connsiteX68" y="connsiteY68"/>
+              </a:cxn>
+              <a:cxn ang="0">
+                <a:pos x="connsiteX69" y="connsiteY69"/>
+              </a:cxn>
+              <a:cxn ang="0">
+                <a:pos x="connsiteX70" y="connsiteY70"/>
+              </a:cxn>
+              <a:cxn ang="0">
+                <a:pos x="connsiteX71" y="connsiteY71"/>
+              </a:cxn>
+              <a:cxn ang="0">
+                <a:pos x="connsiteX72" y="connsiteY72"/>
+              </a:cxn>
+              <a:cxn ang="0">
+                <a:pos x="connsiteX73" y="connsiteY73"/>
+              </a:cxn>
+              <a:cxn ang="0">
+                <a:pos x="connsiteX74" y="connsiteY74"/>
+              </a:cxn>
+              <a:cxn ang="0">
+                <a:pos x="connsiteX75" y="connsiteY75"/>
+              </a:cxn>
+              <a:cxn ang="0">
+                <a:pos x="connsiteX76" y="connsiteY76"/>
+              </a:cxn>
+              <a:cxn ang="0">
+                <a:pos x="connsiteX77" y="connsiteY77"/>
+              </a:cxn>
+              <a:cxn ang="0">
+                <a:pos x="connsiteX78" y="connsiteY78"/>
+              </a:cxn>
+              <a:cxn ang="0">
+                <a:pos x="connsiteX79" y="connsiteY79"/>
+              </a:cxn>
+              <a:cxn ang="0">
+                <a:pos x="connsiteX80" y="connsiteY80"/>
+              </a:cxn>
+              <a:cxn ang="0">
+                <a:pos x="connsiteX81" y="connsiteY81"/>
+              </a:cxn>
+              <a:cxn ang="0">
+                <a:pos x="connsiteX82" y="connsiteY82"/>
+              </a:cxn>
+              <a:cxn ang="0">
+                <a:pos x="connsiteX83" y="connsiteY83"/>
+              </a:cxn>
+              <a:cxn ang="0">
+                <a:pos x="connsiteX84" y="connsiteY84"/>
+              </a:cxn>
+              <a:cxn ang="0">
+                <a:pos x="connsiteX85" y="connsiteY85"/>
+              </a:cxn>
+              <a:cxn ang="0">
+                <a:pos x="connsiteX86" y="connsiteY86"/>
+              </a:cxn>
+              <a:cxn ang="0">
+                <a:pos x="connsiteX87" y="connsiteY87"/>
+              </a:cxn>
+              <a:cxn ang="0">
+                <a:pos x="connsiteX88" y="connsiteY88"/>
+              </a:cxn>
+              <a:cxn ang="0">
+                <a:pos x="connsiteX89" y="connsiteY89"/>
+              </a:cxn>
+              <a:cxn ang="0">
+                <a:pos x="connsiteX90" y="connsiteY90"/>
+              </a:cxn>
+            </a:cxnLst>
+            <a:rect l="l" t="t" r="r" b="b"/>
+            <a:pathLst>
+              <a:path w="1983504" h="6858000">
+                <a:moveTo>
+                  <a:pt x="0" y="0"/>
+                </a:moveTo>
+                <a:lnTo>
+                  <a:pt x="1376658" y="0"/>
+                </a:lnTo>
+                <a:cubicBezTo>
+                  <a:pt x="1482328" y="35571"/>
+                  <a:pt x="1584980" y="78255"/>
+                  <a:pt x="1690650" y="110269"/>
+                </a:cubicBezTo>
+                <a:cubicBezTo>
+                  <a:pt x="1675553" y="145839"/>
+                  <a:pt x="1660458" y="138725"/>
+                  <a:pt x="1645361" y="135168"/>
+                </a:cubicBezTo>
+                <a:cubicBezTo>
+                  <a:pt x="1554788" y="120941"/>
+                  <a:pt x="1461194" y="110269"/>
+                  <a:pt x="1373640" y="71141"/>
+                </a:cubicBezTo>
+                <a:cubicBezTo>
+                  <a:pt x="1352504" y="64027"/>
+                  <a:pt x="1328352" y="64027"/>
+                  <a:pt x="1319295" y="88927"/>
+                </a:cubicBezTo>
+                <a:cubicBezTo>
+                  <a:pt x="1304199" y="124497"/>
+                  <a:pt x="1325332" y="145839"/>
+                  <a:pt x="1346468" y="163625"/>
+                </a:cubicBezTo>
+                <a:cubicBezTo>
+                  <a:pt x="1382696" y="195638"/>
+                  <a:pt x="1424964" y="188525"/>
+                  <a:pt x="1464213" y="192082"/>
+                </a:cubicBezTo>
+                <a:cubicBezTo>
+                  <a:pt x="1572902" y="209867"/>
+                  <a:pt x="1624228" y="259665"/>
+                  <a:pt x="1648381" y="373491"/>
+                </a:cubicBezTo>
+                <a:cubicBezTo>
+                  <a:pt x="1554788" y="327250"/>
+                  <a:pt x="1461194" y="384162"/>
+                  <a:pt x="1370620" y="352148"/>
+                </a:cubicBezTo>
+                <a:cubicBezTo>
+                  <a:pt x="1346468" y="345034"/>
+                  <a:pt x="1310237" y="355706"/>
+                  <a:pt x="1322314" y="394834"/>
+                </a:cubicBezTo>
+                <a:cubicBezTo>
+                  <a:pt x="1334390" y="430405"/>
+                  <a:pt x="1373640" y="458860"/>
+                  <a:pt x="1304199" y="451747"/>
+                </a:cubicBezTo>
+                <a:cubicBezTo>
+                  <a:pt x="1252873" y="448189"/>
+                  <a:pt x="1237778" y="405504"/>
+                  <a:pt x="1222682" y="359262"/>
+                </a:cubicBezTo>
+                <a:cubicBezTo>
+                  <a:pt x="1210606" y="334364"/>
+                  <a:pt x="1177395" y="320135"/>
+                  <a:pt x="1153242" y="334364"/>
+                </a:cubicBezTo>
+                <a:cubicBezTo>
+                  <a:pt x="1123051" y="348592"/>
+                  <a:pt x="1132108" y="387720"/>
+                  <a:pt x="1132108" y="416176"/>
+                </a:cubicBezTo>
+                <a:cubicBezTo>
+                  <a:pt x="1129088" y="469532"/>
+                  <a:pt x="1153242" y="494431"/>
+                  <a:pt x="1195509" y="505101"/>
+                </a:cubicBezTo>
+                <a:cubicBezTo>
+                  <a:pt x="1246836" y="519330"/>
+                  <a:pt x="1298160" y="537116"/>
+                  <a:pt x="1364582" y="558458"/>
+                </a:cubicBezTo>
+                <a:cubicBezTo>
+                  <a:pt x="1292122" y="594028"/>
+                  <a:pt x="1237778" y="586915"/>
+                  <a:pt x="1183434" y="558458"/>
+                </a:cubicBezTo>
+                <a:cubicBezTo>
+                  <a:pt x="1117012" y="526444"/>
+                  <a:pt x="1029458" y="483759"/>
+                  <a:pt x="975114" y="522887"/>
+                </a:cubicBezTo>
+                <a:cubicBezTo>
+                  <a:pt x="893597" y="579800"/>
+                  <a:pt x="827176" y="544229"/>
+                  <a:pt x="754716" y="533558"/>
+                </a:cubicBezTo>
+                <a:cubicBezTo>
+                  <a:pt x="603758" y="512216"/>
+                  <a:pt x="697352" y="480203"/>
+                  <a:pt x="546395" y="462417"/>
+                </a:cubicBezTo>
+                <a:cubicBezTo>
+                  <a:pt x="486012" y="455303"/>
+                  <a:pt x="422610" y="426847"/>
+                  <a:pt x="335056" y="465975"/>
+                </a:cubicBezTo>
+                <a:cubicBezTo>
+                  <a:pt x="730563" y="672284"/>
+                  <a:pt x="917750" y="658055"/>
+                  <a:pt x="1270988" y="910606"/>
+                </a:cubicBezTo>
+                <a:cubicBezTo>
+                  <a:pt x="1255893" y="935506"/>
+                  <a:pt x="1240798" y="924835"/>
+                  <a:pt x="1225701" y="921277"/>
+                </a:cubicBezTo>
+                <a:cubicBezTo>
+                  <a:pt x="1201548" y="917720"/>
+                  <a:pt x="1171356" y="903491"/>
+                  <a:pt x="1165318" y="949734"/>
+                </a:cubicBezTo>
+                <a:cubicBezTo>
+                  <a:pt x="1162298" y="985305"/>
+                  <a:pt x="1180415" y="1003089"/>
+                  <a:pt x="1210606" y="1006647"/>
+                </a:cubicBezTo>
+                <a:cubicBezTo>
+                  <a:pt x="1298160" y="1020875"/>
+                  <a:pt x="1376658" y="1070674"/>
+                  <a:pt x="1455156" y="1113358"/>
+                </a:cubicBezTo>
+                <a:cubicBezTo>
+                  <a:pt x="1491385" y="1131144"/>
+                  <a:pt x="1530634" y="1156043"/>
+                  <a:pt x="1515538" y="1220069"/>
+                </a:cubicBezTo>
+                <a:cubicBezTo>
+                  <a:pt x="1485348" y="1237855"/>
+                  <a:pt x="1464213" y="1212955"/>
+                  <a:pt x="1440060" y="1209399"/>
+                </a:cubicBezTo>
+                <a:cubicBezTo>
+                  <a:pt x="1415907" y="1205842"/>
+                  <a:pt x="1358543" y="1220069"/>
+                  <a:pt x="1373640" y="1230741"/>
+                </a:cubicBezTo>
+                <a:cubicBezTo>
+                  <a:pt x="1443080" y="1269868"/>
+                  <a:pt x="1316276" y="1365909"/>
+                  <a:pt x="1400810" y="1365909"/>
+                </a:cubicBezTo>
+                <a:cubicBezTo>
+                  <a:pt x="1539691" y="1365909"/>
+                  <a:pt x="1615170" y="1536647"/>
+                  <a:pt x="1748012" y="1540204"/>
+                </a:cubicBezTo>
+                <a:cubicBezTo>
+                  <a:pt x="1769146" y="1540204"/>
+                  <a:pt x="1778203" y="1572219"/>
+                  <a:pt x="1778203" y="1597117"/>
+                </a:cubicBezTo>
+                <a:cubicBezTo>
+                  <a:pt x="1778203" y="1629132"/>
+                  <a:pt x="1757070" y="1632688"/>
+                  <a:pt x="1735936" y="1636245"/>
+                </a:cubicBezTo>
+                <a:cubicBezTo>
+                  <a:pt x="1702725" y="1639802"/>
+                  <a:pt x="1666496" y="1597117"/>
+                  <a:pt x="1624228" y="1657587"/>
+                </a:cubicBezTo>
+                <a:cubicBezTo>
+                  <a:pt x="1702725" y="1693158"/>
+                  <a:pt x="1784242" y="1728729"/>
+                  <a:pt x="1781223" y="1849668"/>
+                </a:cubicBezTo>
+                <a:cubicBezTo>
+                  <a:pt x="1781223" y="1881683"/>
+                  <a:pt x="1814434" y="1895910"/>
+                  <a:pt x="1838587" y="1903025"/>
+                </a:cubicBezTo>
+                <a:cubicBezTo>
+                  <a:pt x="1880854" y="1917252"/>
+                  <a:pt x="1914065" y="1938595"/>
+                  <a:pt x="1938218" y="1984836"/>
+                </a:cubicBezTo>
+                <a:cubicBezTo>
+                  <a:pt x="1938218" y="1995507"/>
+                  <a:pt x="1938218" y="2002622"/>
+                  <a:pt x="1938218" y="2013292"/>
+                </a:cubicBezTo>
+                <a:cubicBezTo>
+                  <a:pt x="1932180" y="2123562"/>
+                  <a:pt x="1871798" y="2120004"/>
+                  <a:pt x="1805376" y="2102219"/>
+                </a:cubicBezTo>
+                <a:cubicBezTo>
+                  <a:pt x="1726878" y="2080877"/>
+                  <a:pt x="1648381" y="2038192"/>
+                  <a:pt x="1563844" y="2077320"/>
+                </a:cubicBezTo>
+                <a:cubicBezTo>
+                  <a:pt x="1681592" y="2130676"/>
+                  <a:pt x="1811414" y="2134233"/>
+                  <a:pt x="1920104" y="2208931"/>
+                </a:cubicBezTo>
+                <a:cubicBezTo>
+                  <a:pt x="1515538" y="2223159"/>
+                  <a:pt x="1159280" y="1984836"/>
+                  <a:pt x="766792" y="1892353"/>
+                </a:cubicBezTo>
+                <a:cubicBezTo>
+                  <a:pt x="778869" y="1952823"/>
+                  <a:pt x="812080" y="1967051"/>
+                  <a:pt x="839252" y="1974165"/>
+                </a:cubicBezTo>
+                <a:cubicBezTo>
+                  <a:pt x="984170" y="2020407"/>
+                  <a:pt x="1110974" y="2112891"/>
+                  <a:pt x="1243816" y="2191146"/>
+                </a:cubicBezTo>
+                <a:cubicBezTo>
+                  <a:pt x="1298160" y="2223159"/>
+                  <a:pt x="1337410" y="2258731"/>
+                  <a:pt x="1358543" y="2326314"/>
+                </a:cubicBezTo>
+                <a:cubicBezTo>
+                  <a:pt x="1376658" y="2390340"/>
+                  <a:pt x="1412888" y="2418796"/>
+                  <a:pt x="1479310" y="2401012"/>
+                </a:cubicBezTo>
+                <a:cubicBezTo>
+                  <a:pt x="1533654" y="2386784"/>
+                  <a:pt x="1591018" y="2393898"/>
+                  <a:pt x="1648381" y="2401012"/>
+                </a:cubicBezTo>
+                <a:cubicBezTo>
+                  <a:pt x="1711782" y="2408126"/>
+                  <a:pt x="1784242" y="2479267"/>
+                  <a:pt x="1769146" y="2518395"/>
+                </a:cubicBezTo>
+                <a:cubicBezTo>
+                  <a:pt x="1738956" y="2582422"/>
+                  <a:pt x="1687630" y="2550408"/>
+                  <a:pt x="1645361" y="2543294"/>
+                </a:cubicBezTo>
+                <a:cubicBezTo>
+                  <a:pt x="1594036" y="2536181"/>
+                  <a:pt x="1500444" y="2518395"/>
+                  <a:pt x="1500444" y="2525509"/>
+                </a:cubicBezTo>
+                <a:cubicBezTo>
+                  <a:pt x="1467232" y="2685576"/>
+                  <a:pt x="1391754" y="2564636"/>
+                  <a:pt x="1337410" y="2564636"/>
+                </a:cubicBezTo>
+                <a:cubicBezTo>
+                  <a:pt x="1286084" y="2564636"/>
+                  <a:pt x="1234759" y="2546851"/>
+                  <a:pt x="1186452" y="2532623"/>
+                </a:cubicBezTo>
+                <a:cubicBezTo>
+                  <a:pt x="1123051" y="2514837"/>
+                  <a:pt x="1065688" y="2546851"/>
+                  <a:pt x="1005304" y="2553965"/>
+                </a:cubicBezTo>
+                <a:cubicBezTo>
+                  <a:pt x="950960" y="2561080"/>
+                  <a:pt x="981150" y="2653563"/>
+                  <a:pt x="947940" y="2692689"/>
+                </a:cubicBezTo>
+                <a:cubicBezTo>
+                  <a:pt x="941903" y="2703362"/>
+                  <a:pt x="935864" y="2703362"/>
+                  <a:pt x="929826" y="2703362"/>
+                </a:cubicBezTo>
+                <a:cubicBezTo>
+                  <a:pt x="911711" y="2980812"/>
+                  <a:pt x="594701" y="2913227"/>
+                  <a:pt x="594701" y="2923898"/>
+                </a:cubicBezTo>
+                <a:cubicBezTo>
+                  <a:pt x="567529" y="2941684"/>
+                  <a:pt x="534318" y="2899000"/>
+                  <a:pt x="501108" y="2941684"/>
+                </a:cubicBezTo>
+                <a:cubicBezTo>
+                  <a:pt x="643007" y="3137322"/>
+                  <a:pt x="860386" y="3183563"/>
+                  <a:pt x="1053610" y="3329402"/>
+                </a:cubicBezTo>
+                <a:cubicBezTo>
+                  <a:pt x="893597" y="3379202"/>
+                  <a:pt x="800002" y="3208463"/>
+                  <a:pt x="682256" y="3229805"/>
+                </a:cubicBezTo>
+                <a:cubicBezTo>
+                  <a:pt x="624893" y="3283162"/>
+                  <a:pt x="796984" y="3368530"/>
+                  <a:pt x="630932" y="3393429"/>
+                </a:cubicBezTo>
+                <a:cubicBezTo>
+                  <a:pt x="703390" y="3439672"/>
+                  <a:pt x="754716" y="3485914"/>
+                  <a:pt x="806041" y="3539269"/>
+                </a:cubicBezTo>
+                <a:cubicBezTo>
+                  <a:pt x="893597" y="3635309"/>
+                  <a:pt x="911711" y="3699337"/>
+                  <a:pt x="869444" y="3827390"/>
+                </a:cubicBezTo>
+                <a:cubicBezTo>
+                  <a:pt x="842270" y="3912759"/>
+                  <a:pt x="803022" y="3991015"/>
+                  <a:pt x="839252" y="4090612"/>
+                </a:cubicBezTo>
+                <a:cubicBezTo>
+                  <a:pt x="863405" y="4158196"/>
+                  <a:pt x="854347" y="4204438"/>
+                  <a:pt x="763774" y="4172424"/>
+                </a:cubicBezTo>
+                <a:cubicBezTo>
+                  <a:pt x="667160" y="4140411"/>
+                  <a:pt x="630932" y="4200882"/>
+                  <a:pt x="655085" y="4321821"/>
+                </a:cubicBezTo>
+                <a:cubicBezTo>
+                  <a:pt x="670179" y="4400076"/>
+                  <a:pt x="655085" y="4424975"/>
+                  <a:pt x="588662" y="4414305"/>
+                </a:cubicBezTo>
+                <a:cubicBezTo>
+                  <a:pt x="516204" y="4403633"/>
+                  <a:pt x="446764" y="4353835"/>
+                  <a:pt x="356189" y="4378734"/>
+                </a:cubicBezTo>
+                <a:cubicBezTo>
+                  <a:pt x="428648" y="4521016"/>
+                  <a:pt x="582626" y="4478331"/>
+                  <a:pt x="667160" y="4613499"/>
+                </a:cubicBezTo>
+                <a:cubicBezTo>
+                  <a:pt x="567529" y="4613499"/>
+                  <a:pt x="489031" y="4613499"/>
+                  <a:pt x="416573" y="4585042"/>
+                </a:cubicBezTo>
+                <a:cubicBezTo>
+                  <a:pt x="386381" y="4574373"/>
+                  <a:pt x="353170" y="4560144"/>
+                  <a:pt x="335056" y="4602828"/>
+                </a:cubicBezTo>
+                <a:cubicBezTo>
+                  <a:pt x="313920" y="4652628"/>
+                  <a:pt x="356189" y="4670412"/>
+                  <a:pt x="380342" y="4677526"/>
+                </a:cubicBezTo>
+                <a:cubicBezTo>
+                  <a:pt x="449784" y="4702425"/>
+                  <a:pt x="504126" y="4759339"/>
+                  <a:pt x="564510" y="4805580"/>
+                </a:cubicBezTo>
+                <a:cubicBezTo>
+                  <a:pt x="694332" y="4905177"/>
+                  <a:pt x="836233" y="4990547"/>
+                  <a:pt x="944922" y="5154171"/>
+                </a:cubicBezTo>
+                <a:cubicBezTo>
+                  <a:pt x="809060" y="5111487"/>
+                  <a:pt x="706410" y="5011889"/>
+                  <a:pt x="576586" y="4994104"/>
+                </a:cubicBezTo>
+                <a:cubicBezTo>
+                  <a:pt x="688296" y="5143500"/>
+                  <a:pt x="830194" y="5243097"/>
+                  <a:pt x="963036" y="5353367"/>
+                </a:cubicBezTo>
+                <a:cubicBezTo>
+                  <a:pt x="1002286" y="5385379"/>
+                  <a:pt x="1041534" y="5406721"/>
+                  <a:pt x="1047572" y="5474306"/>
+                </a:cubicBezTo>
+                <a:cubicBezTo>
+                  <a:pt x="1065688" y="5605917"/>
+                  <a:pt x="1113992" y="5712629"/>
+                  <a:pt x="1222682" y="5769542"/>
+                </a:cubicBezTo>
+                <a:cubicBezTo>
+                  <a:pt x="1222682" y="5769542"/>
+                  <a:pt x="1216644" y="5790884"/>
+                  <a:pt x="1213626" y="5801555"/>
+                </a:cubicBezTo>
+                <a:cubicBezTo>
+                  <a:pt x="1147203" y="5805112"/>
+                  <a:pt x="1095878" y="5726858"/>
+                  <a:pt x="1014361" y="5755314"/>
+                </a:cubicBezTo>
+                <a:cubicBezTo>
+                  <a:pt x="1095878" y="5862025"/>
+                  <a:pt x="1162298" y="5954508"/>
+                  <a:pt x="1274008" y="6004307"/>
+                </a:cubicBezTo>
+                <a:cubicBezTo>
+                  <a:pt x="1364582" y="6043434"/>
+                  <a:pt x="1476290" y="6068335"/>
+                  <a:pt x="1542711" y="6196388"/>
+                </a:cubicBezTo>
+                <a:cubicBezTo>
+                  <a:pt x="1467232" y="6221287"/>
+                  <a:pt x="1409868" y="6189274"/>
+                  <a:pt x="1352504" y="6167932"/>
+                </a:cubicBezTo>
+                <a:cubicBezTo>
+                  <a:pt x="1264950" y="6132361"/>
+                  <a:pt x="1177395" y="6093234"/>
+                  <a:pt x="1089840" y="6057663"/>
+                </a:cubicBezTo>
+                <a:cubicBezTo>
+                  <a:pt x="1056628" y="6043434"/>
+                  <a:pt x="1020400" y="6036320"/>
+                  <a:pt x="999266" y="6100347"/>
+                </a:cubicBezTo>
+                <a:cubicBezTo>
+                  <a:pt x="1110974" y="6114575"/>
+                  <a:pt x="1177395" y="6199945"/>
+                  <a:pt x="1246836" y="6281757"/>
+                </a:cubicBezTo>
+                <a:cubicBezTo>
+                  <a:pt x="1286084" y="6327999"/>
+                  <a:pt x="1319295" y="6388469"/>
+                  <a:pt x="1388735" y="6367127"/>
+                </a:cubicBezTo>
+                <a:cubicBezTo>
+                  <a:pt x="1424964" y="6356456"/>
+                  <a:pt x="1449118" y="6388469"/>
+                  <a:pt x="1446099" y="6431153"/>
+                </a:cubicBezTo>
+                <a:cubicBezTo>
+                  <a:pt x="1431002" y="6580550"/>
+                  <a:pt x="1518558" y="6630349"/>
+                  <a:pt x="1609132" y="6658805"/>
+                </a:cubicBezTo>
+                <a:cubicBezTo>
+                  <a:pt x="1741974" y="6701489"/>
+                  <a:pt x="1859720" y="6786859"/>
+                  <a:pt x="1983504" y="6858000"/>
+                </a:cubicBezTo>
+                <a:lnTo>
+                  <a:pt x="0" y="6858000"/>
+                </a:lnTo>
+                <a:close/>
+              </a:path>
+            </a:pathLst>
+          </a:custGeom>
+          <a:solidFill>
+            <a:schemeClr val="bg2">
+              <a:alpha val="50000"/>
+            </a:schemeClr>
+          </a:solidFill>
+          <a:ln w="32707" cap="flat">
+            <a:noFill/>
+            <a:prstDash val="solid"/>
+            <a:miter/>
+          </a:ln>
+        </p:spPr>
+        <p:txBody>
+          <a:bodyPr wrap="square" rtlCol="0" anchor="ctr">
+            <a:noAutofit/>
+          </a:bodyPr>
+          <a:lstStyle/>
+          <a:p>
+            <a:pPr algn="ctr"/>
+            <a:endParaRPr lang="en-US"/>
+          </a:p>
+        </p:txBody>
+      </p:sp>
+      <p:pic>
+        <p:nvPicPr>
+          <p:cNvPr id="18" name="Picture 17">
+            <a:extLst>
+              <a:ext uri="{FF2B5EF4-FFF2-40B4-BE49-F238E27FC236}">
+                <a16:creationId xmlns:a16="http://schemas.microsoft.com/office/drawing/2014/main" id="{C7124D8B-07E7-8933-1C34-F65C2B3B42C7}"/>
+              </a:ext>
+            </a:extLst>
+          </p:cNvPr>
+          <p:cNvPicPr>
+            <a:picLocks noChangeAspect="1"/>
+          </p:cNvPicPr>
+          <p:nvPr/>
+        </p:nvPicPr>
+        <p:blipFill>
+          <a:blip r:embed="rId3"/>
+          <a:stretch>
+            <a:fillRect/>
+          </a:stretch>
+        </p:blipFill>
+        <p:spPr>
+          <a:xfrm>
+            <a:off x="9526752" y="306900"/>
+            <a:ext cx="2413124" cy="673135"/>
+          </a:xfrm>
+          <a:prstGeom prst="rect">
+            <a:avLst/>
+          </a:prstGeom>
+        </p:spPr>
+      </p:pic>
+      <p:sp>
+        <p:nvSpPr>
+          <p:cNvPr id="20" name="TextBox 19">
+            <a:extLst>
+              <a:ext uri="{FF2B5EF4-FFF2-40B4-BE49-F238E27FC236}">
+                <a16:creationId xmlns:a16="http://schemas.microsoft.com/office/drawing/2014/main" id="{8F6647FC-3BBA-4EBC-9157-6EE5F81578B8}"/>
+              </a:ext>
+            </a:extLst>
+          </p:cNvPr>
+          <p:cNvSpPr txBox="1"/>
+          <p:nvPr/>
+        </p:nvSpPr>
+        <p:spPr>
+          <a:xfrm>
+            <a:off x="1200568" y="643467"/>
+            <a:ext cx="8326184" cy="830997"/>
+          </a:xfrm>
+          <a:prstGeom prst="rect">
+            <a:avLst/>
+          </a:prstGeom>
+          <a:noFill/>
+        </p:spPr>
+        <p:txBody>
+          <a:bodyPr wrap="square">
+            <a:spAutoFit/>
+          </a:bodyPr>
+          <a:lstStyle/>
+          <a:p>
+            <a:r>
+              <a:rPr lang="en-US" sz="2800" b="1" dirty="0">
+                <a:solidFill>
+                  <a:srgbClr val="404040"/>
+                </a:solidFill>
+                <a:latin typeface="Times New Roman" panose="02020603050405020304" pitchFamily="18" charset="0"/>
+                <a:cs typeface="Times New Roman" panose="02020603050405020304" pitchFamily="18" charset="0"/>
+              </a:rPr>
+              <a:t>Three Program Tiers</a:t>
+            </a:r>
+            <a:endParaRPr lang="en-US" sz="2800" dirty="0">
+              <a:latin typeface="Times New Roman" panose="02020603050405020304" pitchFamily="18" charset="0"/>
+              <a:cs typeface="Times New Roman" panose="02020603050405020304" pitchFamily="18" charset="0"/>
+            </a:endParaRPr>
+          </a:p>
+          <a:p>
+            <a:r>
+              <a:rPr lang="en-US" sz="2000" dirty="0">
+                <a:latin typeface="Times New Roman" panose="02020603050405020304" pitchFamily="18" charset="0"/>
+                <a:cs typeface="Times New Roman" panose="02020603050405020304" pitchFamily="18" charset="0"/>
+              </a:rPr>
+              <a:t>________________________________________</a:t>
+            </a:r>
+          </a:p>
+        </p:txBody>
+      </p:sp>
+      <p:sp>
+        <p:nvSpPr>
+          <p:cNvPr id="2" name="Slide Number Placeholder 1">
+            <a:extLst>
+              <a:ext uri="{FF2B5EF4-FFF2-40B4-BE49-F238E27FC236}">
+                <a16:creationId xmlns:a16="http://schemas.microsoft.com/office/drawing/2014/main" id="{54763874-BEEF-6700-4EE7-D6172FB3281C}"/>
+              </a:ext>
+            </a:extLst>
+          </p:cNvPr>
+          <p:cNvSpPr>
+            <a:spLocks noGrp="1"/>
+          </p:cNvSpPr>
+          <p:nvPr>
+            <p:ph type="sldNum" sz="quarter" idx="12"/>
+          </p:nvPr>
+        </p:nvSpPr>
+        <p:spPr/>
+        <p:txBody>
+          <a:bodyPr/>
+          <a:lstStyle/>
+          <a:p>
+            <a:fld id="{0E09FCB3-37CC-4DC3-9641-7B88AD2FD4DA}" type="slidenum">
+              <a:rPr lang="en-US" smtClean="0"/>
+              <a:t>15</a:t>
+            </a:fld>
+            <a:endParaRPr lang="en-US"/>
+          </a:p>
+        </p:txBody>
+      </p:sp>
+      <p:pic>
+        <p:nvPicPr>
+          <p:cNvPr id="16" name="Picture 15">
+            <a:extLst>
+              <a:ext uri="{FF2B5EF4-FFF2-40B4-BE49-F238E27FC236}">
+                <a16:creationId xmlns:a16="http://schemas.microsoft.com/office/drawing/2014/main" id="{192E22F3-ACBA-DF27-5152-DE6D58704CB7}"/>
+              </a:ext>
+            </a:extLst>
+          </p:cNvPr>
+          <p:cNvPicPr>
+            <a:picLocks noChangeAspect="1"/>
+          </p:cNvPicPr>
+          <p:nvPr/>
+        </p:nvPicPr>
+        <p:blipFill>
+          <a:blip r:embed="rId4"/>
+          <a:stretch>
+            <a:fillRect/>
+          </a:stretch>
+        </p:blipFill>
+        <p:spPr>
+          <a:xfrm>
+            <a:off x="1200568" y="1637882"/>
+            <a:ext cx="5277196" cy="4955098"/>
+          </a:xfrm>
+          <a:prstGeom prst="rect">
+            <a:avLst/>
+          </a:prstGeom>
+        </p:spPr>
+      </p:pic>
+      <p:pic>
+        <p:nvPicPr>
+          <p:cNvPr id="19" name="Picture 18">
+            <a:extLst>
+              <a:ext uri="{FF2B5EF4-FFF2-40B4-BE49-F238E27FC236}">
+                <a16:creationId xmlns:a16="http://schemas.microsoft.com/office/drawing/2014/main" id="{AC2A2992-374F-388E-F914-C58E4958FDC6}"/>
+              </a:ext>
+            </a:extLst>
+          </p:cNvPr>
+          <p:cNvPicPr>
+            <a:picLocks noChangeAspect="1"/>
+          </p:cNvPicPr>
+          <p:nvPr/>
+        </p:nvPicPr>
+        <p:blipFill>
+          <a:blip r:embed="rId5"/>
+          <a:stretch>
+            <a:fillRect/>
+          </a:stretch>
+        </p:blipFill>
+        <p:spPr>
+          <a:xfrm>
+            <a:off x="6802734" y="1316602"/>
+            <a:ext cx="3405762" cy="2567660"/>
+          </a:xfrm>
+          <a:prstGeom prst="rect">
+            <a:avLst/>
+          </a:prstGeom>
+        </p:spPr>
+      </p:pic>
       <p:graphicFrame>
         <p:nvGraphicFramePr>
-          <p:cNvPr id="3" name="Content Placeholder 4">
+          <p:cNvPr id="22" name="Content Placeholder 4">
             <a:extLst>
               <a:ext uri="{FF2B5EF4-FFF2-40B4-BE49-F238E27FC236}">
-                <a16:creationId xmlns:a16="http://schemas.microsoft.com/office/drawing/2014/main" id="{A2085A8A-ECBE-C860-DCBE-F77AA50E3CEE}"/>
+                <a16:creationId xmlns:a16="http://schemas.microsoft.com/office/drawing/2014/main" id="{324D9403-B871-CACF-CAC4-41E26F8B3581}"/>
               </a:ext>
             </a:extLst>
           </p:cNvPr>
@@ -14970,14 +16607,14 @@
           <p:nvPr>
             <p:extLst>
               <p:ext uri="{D42A27DB-BD31-4B8C-83A1-F6EECF244321}">
-                <p14:modId xmlns:p14="http://schemas.microsoft.com/office/powerpoint/2010/main" val="2384954145"/>
+                <p14:modId xmlns:p14="http://schemas.microsoft.com/office/powerpoint/2010/main" val="2648078187"/>
               </p:ext>
             </p:extLst>
           </p:nvPr>
         </p:nvGraphicFramePr>
         <p:xfrm>
-          <a:off x="1296237" y="1594120"/>
-          <a:ext cx="10269555" cy="1664972"/>
+          <a:off x="5363660" y="3946552"/>
+          <a:ext cx="5716675" cy="2646428"/>
         </p:xfrm>
         <a:graphic>
           <a:graphicData uri="http://schemas.openxmlformats.org/drawingml/2006/table">
@@ -14986,21 +16623,21 @@
                 <a:tableStyleId>{5C22544A-7EE6-4342-B048-85BDC9FD1C3A}</a:tableStyleId>
               </a:tblPr>
               <a:tblGrid>
-                <a:gridCol w="2242775">
+                <a:gridCol w="789327">
                   <a:extLst>
                     <a:ext uri="{9D8B030D-6E8A-4147-A177-3AD203B41FA5}">
                       <a16:colId xmlns:a16="http://schemas.microsoft.com/office/drawing/2014/main" val="1353932715"/>
                     </a:ext>
                   </a:extLst>
                 </a:gridCol>
-                <a:gridCol w="3926332">
+                <a:gridCol w="1672562">
                   <a:extLst>
                     <a:ext uri="{9D8B030D-6E8A-4147-A177-3AD203B41FA5}">
                       <a16:colId xmlns:a16="http://schemas.microsoft.com/office/drawing/2014/main" val="632379232"/>
                     </a:ext>
                   </a:extLst>
                 </a:gridCol>
-                <a:gridCol w="4100448">
+                <a:gridCol w="3254786">
                   <a:extLst>
                     <a:ext uri="{9D8B030D-6E8A-4147-A177-3AD203B41FA5}">
                       <a16:colId xmlns:a16="http://schemas.microsoft.com/office/drawing/2014/main" val="2621308998"/>
@@ -15008,7 +16645,7 @@
                   </a:extLst>
                 </a:gridCol>
               </a:tblGrid>
-              <a:tr h="362278">
+              <a:tr h="403854">
                 <a:tc>
                   <a:txBody>
                     <a:bodyPr/>
@@ -15111,7 +16748,7 @@
                   </a:ext>
                 </a:extLst>
               </a:tr>
-              <a:tr h="362278">
+              <a:tr h="641915">
                 <a:tc>
                   <a:txBody>
                     <a:bodyPr/>
@@ -15196,7 +16833,7 @@
                           <a:latin typeface="Times New Roman" panose="02020603050405020304" pitchFamily="18" charset="0"/>
                           <a:cs typeface="Times New Roman" panose="02020603050405020304" pitchFamily="18" charset="0"/>
                         </a:rPr>
-                        <a:t>Education, Health, Math/Computer Science</a:t>
+                        <a:t>Education, Health</a:t>
                       </a:r>
                       <a:endParaRPr lang="en-US" sz="1400" kern="100" dirty="0">
                         <a:effectLst/>
@@ -15214,7 +16851,7 @@
                   </a:ext>
                 </a:extLst>
               </a:tr>
-              <a:tr h="362278">
+              <a:tr h="879976">
                 <a:tc>
                   <a:txBody>
                     <a:bodyPr/>
@@ -15299,7 +16936,7 @@
                           <a:latin typeface="Times New Roman" panose="02020603050405020304" pitchFamily="18" charset="0"/>
                           <a:cs typeface="Times New Roman" panose="02020603050405020304" pitchFamily="18" charset="0"/>
                         </a:rPr>
-                        <a:t>Engineering/Trades, Business/Management</a:t>
+                        <a:t>Social Sciences/Law, Business/Management, Math/Computer Science, Engineering/Trades</a:t>
                       </a:r>
                       <a:endParaRPr lang="en-US" sz="1400" kern="100" dirty="0">
                         <a:effectLst/>
@@ -15317,7 +16954,7 @@
                   </a:ext>
                 </a:extLst>
               </a:tr>
-              <a:tr h="362278">
+              <a:tr h="641915">
                 <a:tc>
                   <a:txBody>
                     <a:bodyPr/>
@@ -15402,7 +17039,7 @@
                           <a:latin typeface="Times New Roman" panose="02020603050405020304" pitchFamily="18" charset="0"/>
                           <a:cs typeface="Times New Roman" panose="02020603050405020304" pitchFamily="18" charset="0"/>
                         </a:rPr>
-                        <a:t>Arts/Humanities, Life Sciences, Social Sciences</a:t>
+                        <a:t>Arts/Humanities, Life Sciences, Others</a:t>
                       </a:r>
                       <a:endParaRPr lang="en-US" sz="1400" kern="100" dirty="0">
                         <a:effectLst/>
@@ -15424,1031 +17061,10 @@
           </a:graphicData>
         </a:graphic>
       </p:graphicFrame>
-      <p:pic>
-        <p:nvPicPr>
-          <p:cNvPr id="7" name="Picture 6">
-            <a:extLst>
-              <a:ext uri="{FF2B5EF4-FFF2-40B4-BE49-F238E27FC236}">
-                <a16:creationId xmlns:a16="http://schemas.microsoft.com/office/drawing/2014/main" id="{D600D403-4C94-780A-17C3-B42BC42CE7D1}"/>
-              </a:ext>
-            </a:extLst>
-          </p:cNvPr>
-          <p:cNvPicPr>
-            <a:picLocks noChangeAspect="1"/>
-          </p:cNvPicPr>
-          <p:nvPr/>
-        </p:nvPicPr>
-        <p:blipFill>
-          <a:blip r:embed="rId4"/>
-          <a:stretch>
-            <a:fillRect/>
-          </a:stretch>
-        </p:blipFill>
-        <p:spPr>
-          <a:xfrm>
-            <a:off x="7736312" y="3724339"/>
-            <a:ext cx="2894990" cy="2814574"/>
-          </a:xfrm>
-          <a:prstGeom prst="rect">
-            <a:avLst/>
-          </a:prstGeom>
-        </p:spPr>
-      </p:pic>
-      <p:graphicFrame>
-        <p:nvGraphicFramePr>
-          <p:cNvPr id="10" name="Table 9">
-            <a:extLst>
-              <a:ext uri="{FF2B5EF4-FFF2-40B4-BE49-F238E27FC236}">
-                <a16:creationId xmlns:a16="http://schemas.microsoft.com/office/drawing/2014/main" id="{BDAE1B63-9220-3EE7-2398-94800B11B878}"/>
-              </a:ext>
-            </a:extLst>
-          </p:cNvPr>
-          <p:cNvGraphicFramePr>
-            <a:graphicFrameLocks noGrp="1"/>
-          </p:cNvGraphicFramePr>
-          <p:nvPr>
-            <p:extLst>
-              <p:ext uri="{D42A27DB-BD31-4B8C-83A1-F6EECF244321}">
-                <p14:modId xmlns:p14="http://schemas.microsoft.com/office/powerpoint/2010/main" val="3265430426"/>
-              </p:ext>
-            </p:extLst>
-          </p:nvPr>
-        </p:nvGraphicFramePr>
-        <p:xfrm>
-          <a:off x="1296240" y="3814769"/>
-          <a:ext cx="4879375" cy="2732786"/>
-        </p:xfrm>
-        <a:graphic>
-          <a:graphicData uri="http://schemas.openxmlformats.org/drawingml/2006/table">
-            <a:tbl>
-              <a:tblPr firstRow="1" firstCol="1" bandRow="1">
-                <a:tableStyleId>{5C22544A-7EE6-4342-B048-85BDC9FD1C3A}</a:tableStyleId>
-              </a:tblPr>
-              <a:tblGrid>
-                <a:gridCol w="1296235">
-                  <a:extLst>
-                    <a:ext uri="{9D8B030D-6E8A-4147-A177-3AD203B41FA5}">
-                      <a16:colId xmlns:a16="http://schemas.microsoft.com/office/drawing/2014/main" val="1136984415"/>
-                    </a:ext>
-                  </a:extLst>
-                </a:gridCol>
-                <a:gridCol w="1205802">
-                  <a:extLst>
-                    <a:ext uri="{9D8B030D-6E8A-4147-A177-3AD203B41FA5}">
-                      <a16:colId xmlns:a16="http://schemas.microsoft.com/office/drawing/2014/main" val="1062902410"/>
-                    </a:ext>
-                  </a:extLst>
-                </a:gridCol>
-                <a:gridCol w="1266092">
-                  <a:extLst>
-                    <a:ext uri="{9D8B030D-6E8A-4147-A177-3AD203B41FA5}">
-                      <a16:colId xmlns:a16="http://schemas.microsoft.com/office/drawing/2014/main" val="2037282875"/>
-                    </a:ext>
-                  </a:extLst>
-                </a:gridCol>
-                <a:gridCol w="1111246">
-                  <a:extLst>
-                    <a:ext uri="{9D8B030D-6E8A-4147-A177-3AD203B41FA5}">
-                      <a16:colId xmlns:a16="http://schemas.microsoft.com/office/drawing/2014/main" val="3789254319"/>
-                    </a:ext>
-                  </a:extLst>
-                </a:gridCol>
-              </a:tblGrid>
-              <a:tr h="319545">
-                <a:tc>
-                  <a:txBody>
-                    <a:bodyPr/>
-                    <a:lstStyle/>
-                    <a:p>
-                      <a:pPr marL="0" marR="0">
-                        <a:lnSpc>
-                          <a:spcPct val="115000"/>
-                        </a:lnSpc>
-                        <a:spcAft>
-                          <a:spcPts val="800"/>
-                        </a:spcAft>
-                        <a:buNone/>
-                      </a:pPr>
-                      <a:r>
-                        <a:rPr lang="en-US" sz="1200" kern="100">
-                          <a:effectLst/>
-                        </a:rPr>
-                        <a:t>Statistic</a:t>
-                      </a:r>
-                      <a:endParaRPr lang="en-US" sz="1200" kern="100">
-                        <a:effectLst/>
-                        <a:latin typeface="Aptos" panose="020B0004020202020204" pitchFamily="34" charset="0"/>
-                        <a:ea typeface="Aptos" panose="020B0004020202020204" pitchFamily="34" charset="0"/>
-                        <a:cs typeface="Times New Roman" panose="02020603050405020304" pitchFamily="18" charset="0"/>
-                      </a:endParaRPr>
-                    </a:p>
-                  </a:txBody>
-                  <a:tcPr marL="0" marR="95250" marT="95250" marB="95250" anchor="ctr"/>
-                </a:tc>
-                <a:tc>
-                  <a:txBody>
-                    <a:bodyPr/>
-                    <a:lstStyle/>
-                    <a:p>
-                      <a:pPr marL="0" marR="0">
-                        <a:lnSpc>
-                          <a:spcPct val="115000"/>
-                        </a:lnSpc>
-                        <a:spcAft>
-                          <a:spcPts val="800"/>
-                        </a:spcAft>
-                        <a:buNone/>
-                      </a:pPr>
-                      <a:r>
-                        <a:rPr lang="en-US" sz="1200" kern="100">
-                          <a:effectLst/>
-                        </a:rPr>
-                        <a:t>Tier 1</a:t>
-                      </a:r>
-                      <a:endParaRPr lang="en-US" sz="1200" kern="100">
-                        <a:effectLst/>
-                        <a:latin typeface="Aptos" panose="020B0004020202020204" pitchFamily="34" charset="0"/>
-                        <a:ea typeface="Aptos" panose="020B0004020202020204" pitchFamily="34" charset="0"/>
-                        <a:cs typeface="Times New Roman" panose="02020603050405020304" pitchFamily="18" charset="0"/>
-                      </a:endParaRPr>
-                    </a:p>
-                  </a:txBody>
-                  <a:tcPr marL="95250" marR="95250" marT="95250" marB="95250" anchor="ctr"/>
-                </a:tc>
-                <a:tc>
-                  <a:txBody>
-                    <a:bodyPr/>
-                    <a:lstStyle/>
-                    <a:p>
-                      <a:pPr marL="0" marR="0">
-                        <a:lnSpc>
-                          <a:spcPct val="115000"/>
-                        </a:lnSpc>
-                        <a:spcAft>
-                          <a:spcPts val="800"/>
-                        </a:spcAft>
-                        <a:buNone/>
-                      </a:pPr>
-                      <a:r>
-                        <a:rPr lang="en-US" sz="1200" kern="100" dirty="0">
-                          <a:effectLst/>
-                        </a:rPr>
-                        <a:t>Tier 2</a:t>
-                      </a:r>
-                      <a:endParaRPr lang="en-US" sz="1200" kern="100" dirty="0">
-                        <a:effectLst/>
-                        <a:latin typeface="Aptos" panose="020B0004020202020204" pitchFamily="34" charset="0"/>
-                        <a:ea typeface="Aptos" panose="020B0004020202020204" pitchFamily="34" charset="0"/>
-                        <a:cs typeface="Times New Roman" panose="02020603050405020304" pitchFamily="18" charset="0"/>
-                      </a:endParaRPr>
-                    </a:p>
-                  </a:txBody>
-                  <a:tcPr marL="95250" marR="95250" marT="95250" marB="95250" anchor="ctr"/>
-                </a:tc>
-                <a:tc>
-                  <a:txBody>
-                    <a:bodyPr/>
-                    <a:lstStyle/>
-                    <a:p>
-                      <a:pPr marL="0" marR="0">
-                        <a:lnSpc>
-                          <a:spcPct val="115000"/>
-                        </a:lnSpc>
-                        <a:spcAft>
-                          <a:spcPts val="800"/>
-                        </a:spcAft>
-                        <a:buNone/>
-                      </a:pPr>
-                      <a:r>
-                        <a:rPr lang="en-US" sz="1200" kern="100" dirty="0">
-                          <a:effectLst/>
-                        </a:rPr>
-                        <a:t>Tier 3</a:t>
-                      </a:r>
-                      <a:endParaRPr lang="en-US" sz="1200" kern="100" dirty="0">
-                        <a:effectLst/>
-                        <a:latin typeface="Aptos" panose="020B0004020202020204" pitchFamily="34" charset="0"/>
-                        <a:ea typeface="Aptos" panose="020B0004020202020204" pitchFamily="34" charset="0"/>
-                        <a:cs typeface="Times New Roman" panose="02020603050405020304" pitchFamily="18" charset="0"/>
-                      </a:endParaRPr>
-                    </a:p>
-                  </a:txBody>
-                  <a:tcPr marL="95250" marR="95250" marT="95250" marB="95250" anchor="ctr"/>
-                </a:tc>
-                <a:extLst>
-                  <a:ext uri="{0D108BD9-81ED-4DB2-BD59-A6C34878D82A}">
-                    <a16:rowId xmlns:a16="http://schemas.microsoft.com/office/drawing/2014/main" val="2829616988"/>
-                  </a:ext>
-                </a:extLst>
-              </a:tr>
-              <a:tr h="319545">
-                <a:tc>
-                  <a:txBody>
-                    <a:bodyPr/>
-                    <a:lstStyle/>
-                    <a:p>
-                      <a:pPr marL="0" marR="0">
-                        <a:lnSpc>
-                          <a:spcPct val="115000"/>
-                        </a:lnSpc>
-                        <a:spcAft>
-                          <a:spcPts val="800"/>
-                        </a:spcAft>
-                        <a:buNone/>
-                      </a:pPr>
-                      <a:r>
-                        <a:rPr lang="en-US" sz="1200" kern="100">
-                          <a:effectLst/>
-                        </a:rPr>
-                        <a:t>Count</a:t>
-                      </a:r>
-                      <a:endParaRPr lang="en-US" sz="1200" kern="100">
-                        <a:effectLst/>
-                        <a:latin typeface="Aptos" panose="020B0004020202020204" pitchFamily="34" charset="0"/>
-                        <a:ea typeface="Aptos" panose="020B0004020202020204" pitchFamily="34" charset="0"/>
-                        <a:cs typeface="Times New Roman" panose="02020603050405020304" pitchFamily="18" charset="0"/>
-                      </a:endParaRPr>
-                    </a:p>
-                  </a:txBody>
-                  <a:tcPr marL="0" marR="95250" marT="95250" marB="95250" anchor="ctr"/>
-                </a:tc>
-                <a:tc>
-                  <a:txBody>
-                    <a:bodyPr/>
-                    <a:lstStyle/>
-                    <a:p>
-                      <a:pPr marL="0" marR="0">
-                        <a:lnSpc>
-                          <a:spcPct val="115000"/>
-                        </a:lnSpc>
-                        <a:spcAft>
-                          <a:spcPts val="800"/>
-                        </a:spcAft>
-                        <a:buNone/>
-                      </a:pPr>
-                      <a:r>
-                        <a:rPr lang="en-US" sz="1200" kern="100">
-                          <a:effectLst/>
-                        </a:rPr>
-                        <a:t>4,212</a:t>
-                      </a:r>
-                      <a:endParaRPr lang="en-US" sz="1200" kern="100">
-                        <a:effectLst/>
-                        <a:latin typeface="Aptos" panose="020B0004020202020204" pitchFamily="34" charset="0"/>
-                        <a:ea typeface="Aptos" panose="020B0004020202020204" pitchFamily="34" charset="0"/>
-                        <a:cs typeface="Times New Roman" panose="02020603050405020304" pitchFamily="18" charset="0"/>
-                      </a:endParaRPr>
-                    </a:p>
-                  </a:txBody>
-                  <a:tcPr marL="95250" marR="95250" marT="95250" marB="95250" anchor="ctr"/>
-                </a:tc>
-                <a:tc>
-                  <a:txBody>
-                    <a:bodyPr/>
-                    <a:lstStyle/>
-                    <a:p>
-                      <a:pPr marL="0" marR="0">
-                        <a:lnSpc>
-                          <a:spcPct val="115000"/>
-                        </a:lnSpc>
-                        <a:spcAft>
-                          <a:spcPts val="800"/>
-                        </a:spcAft>
-                        <a:buNone/>
-                      </a:pPr>
-                      <a:r>
-                        <a:rPr lang="en-US" sz="1200" kern="100" dirty="0">
-                          <a:effectLst/>
-                        </a:rPr>
-                        <a:t>5,420</a:t>
-                      </a:r>
-                      <a:endParaRPr lang="en-US" sz="1200" kern="100" dirty="0">
-                        <a:effectLst/>
-                        <a:latin typeface="Aptos" panose="020B0004020202020204" pitchFamily="34" charset="0"/>
-                        <a:ea typeface="Aptos" panose="020B0004020202020204" pitchFamily="34" charset="0"/>
-                        <a:cs typeface="Times New Roman" panose="02020603050405020304" pitchFamily="18" charset="0"/>
-                      </a:endParaRPr>
-                    </a:p>
-                  </a:txBody>
-                  <a:tcPr marL="95250" marR="95250" marT="95250" marB="95250" anchor="ctr"/>
-                </a:tc>
-                <a:tc>
-                  <a:txBody>
-                    <a:bodyPr/>
-                    <a:lstStyle/>
-                    <a:p>
-                      <a:pPr marL="0" marR="0">
-                        <a:lnSpc>
-                          <a:spcPct val="115000"/>
-                        </a:lnSpc>
-                        <a:spcAft>
-                          <a:spcPts val="800"/>
-                        </a:spcAft>
-                        <a:buNone/>
-                      </a:pPr>
-                      <a:r>
-                        <a:rPr lang="en-US" sz="1200" kern="100" dirty="0">
-                          <a:effectLst/>
-                        </a:rPr>
-                        <a:t>3,647</a:t>
-                      </a:r>
-                      <a:endParaRPr lang="en-US" sz="1200" kern="100" dirty="0">
-                        <a:effectLst/>
-                        <a:latin typeface="Aptos" panose="020B0004020202020204" pitchFamily="34" charset="0"/>
-                        <a:ea typeface="Aptos" panose="020B0004020202020204" pitchFamily="34" charset="0"/>
-                        <a:cs typeface="Times New Roman" panose="02020603050405020304" pitchFamily="18" charset="0"/>
-                      </a:endParaRPr>
-                    </a:p>
-                  </a:txBody>
-                  <a:tcPr marL="95250" marR="95250" marT="95250" marB="95250" anchor="ctr"/>
-                </a:tc>
-                <a:extLst>
-                  <a:ext uri="{0D108BD9-81ED-4DB2-BD59-A6C34878D82A}">
-                    <a16:rowId xmlns:a16="http://schemas.microsoft.com/office/drawing/2014/main" val="1344106953"/>
-                  </a:ext>
-                </a:extLst>
-              </a:tr>
-              <a:tr h="319545">
-                <a:tc>
-                  <a:txBody>
-                    <a:bodyPr/>
-                    <a:lstStyle/>
-                    <a:p>
-                      <a:pPr marL="0" marR="0">
-                        <a:lnSpc>
-                          <a:spcPct val="115000"/>
-                        </a:lnSpc>
-                        <a:spcAft>
-                          <a:spcPts val="800"/>
-                        </a:spcAft>
-                        <a:buNone/>
-                      </a:pPr>
-                      <a:r>
-                        <a:rPr lang="en-US" sz="1200" kern="100">
-                          <a:effectLst/>
-                        </a:rPr>
-                        <a:t>Mean</a:t>
-                      </a:r>
-                      <a:endParaRPr lang="en-US" sz="1200" kern="100">
-                        <a:effectLst/>
-                        <a:latin typeface="Aptos" panose="020B0004020202020204" pitchFamily="34" charset="0"/>
-                        <a:ea typeface="Aptos" panose="020B0004020202020204" pitchFamily="34" charset="0"/>
-                        <a:cs typeface="Times New Roman" panose="02020603050405020304" pitchFamily="18" charset="0"/>
-                      </a:endParaRPr>
-                    </a:p>
-                  </a:txBody>
-                  <a:tcPr marL="0" marR="95250" marT="95250" marB="95250" anchor="ctr"/>
-                </a:tc>
-                <a:tc>
-                  <a:txBody>
-                    <a:bodyPr/>
-                    <a:lstStyle/>
-                    <a:p>
-                      <a:pPr marL="0" marR="0">
-                        <a:lnSpc>
-                          <a:spcPct val="115000"/>
-                        </a:lnSpc>
-                        <a:spcAft>
-                          <a:spcPts val="800"/>
-                        </a:spcAft>
-                        <a:buNone/>
-                      </a:pPr>
-                      <a:r>
-                        <a:rPr lang="en-US" sz="1200" kern="100" dirty="0">
-                          <a:effectLst/>
-                        </a:rPr>
-                        <a:t>$65,865</a:t>
-                      </a:r>
-                      <a:endParaRPr lang="en-US" sz="1200" kern="100" dirty="0">
-                        <a:effectLst/>
-                        <a:latin typeface="Aptos" panose="020B0004020202020204" pitchFamily="34" charset="0"/>
-                        <a:ea typeface="Aptos" panose="020B0004020202020204" pitchFamily="34" charset="0"/>
-                        <a:cs typeface="Times New Roman" panose="02020603050405020304" pitchFamily="18" charset="0"/>
-                      </a:endParaRPr>
-                    </a:p>
-                  </a:txBody>
-                  <a:tcPr marL="95250" marR="95250" marT="95250" marB="95250" anchor="ctr"/>
-                </a:tc>
-                <a:tc>
-                  <a:txBody>
-                    <a:bodyPr/>
-                    <a:lstStyle/>
-                    <a:p>
-                      <a:pPr marL="0" marR="0">
-                        <a:lnSpc>
-                          <a:spcPct val="115000"/>
-                        </a:lnSpc>
-                        <a:spcAft>
-                          <a:spcPts val="800"/>
-                        </a:spcAft>
-                        <a:buNone/>
-                      </a:pPr>
-                      <a:r>
-                        <a:rPr lang="en-US" sz="1200" kern="100">
-                          <a:effectLst/>
-                        </a:rPr>
-                        <a:t>$62,338</a:t>
-                      </a:r>
-                      <a:endParaRPr lang="en-US" sz="1200" kern="100">
-                        <a:effectLst/>
-                        <a:latin typeface="Aptos" panose="020B0004020202020204" pitchFamily="34" charset="0"/>
-                        <a:ea typeface="Aptos" panose="020B0004020202020204" pitchFamily="34" charset="0"/>
-                        <a:cs typeface="Times New Roman" panose="02020603050405020304" pitchFamily="18" charset="0"/>
-                      </a:endParaRPr>
-                    </a:p>
-                  </a:txBody>
-                  <a:tcPr marL="95250" marR="95250" marT="95250" marB="95250" anchor="ctr"/>
-                </a:tc>
-                <a:tc>
-                  <a:txBody>
-                    <a:bodyPr/>
-                    <a:lstStyle/>
-                    <a:p>
-                      <a:pPr marL="0" marR="0">
-                        <a:lnSpc>
-                          <a:spcPct val="115000"/>
-                        </a:lnSpc>
-                        <a:spcAft>
-                          <a:spcPts val="800"/>
-                        </a:spcAft>
-                        <a:buNone/>
-                      </a:pPr>
-                      <a:r>
-                        <a:rPr lang="en-US" sz="1200" kern="100" dirty="0">
-                          <a:effectLst/>
-                        </a:rPr>
-                        <a:t>$49,411</a:t>
-                      </a:r>
-                      <a:endParaRPr lang="en-US" sz="1200" kern="100" dirty="0">
-                        <a:effectLst/>
-                        <a:latin typeface="Aptos" panose="020B0004020202020204" pitchFamily="34" charset="0"/>
-                        <a:ea typeface="Aptos" panose="020B0004020202020204" pitchFamily="34" charset="0"/>
-                        <a:cs typeface="Times New Roman" panose="02020603050405020304" pitchFamily="18" charset="0"/>
-                      </a:endParaRPr>
-                    </a:p>
-                  </a:txBody>
-                  <a:tcPr marL="95250" marR="95250" marT="95250" marB="95250" anchor="ctr"/>
-                </a:tc>
-                <a:extLst>
-                  <a:ext uri="{0D108BD9-81ED-4DB2-BD59-A6C34878D82A}">
-                    <a16:rowId xmlns:a16="http://schemas.microsoft.com/office/drawing/2014/main" val="3889659063"/>
-                  </a:ext>
-                </a:extLst>
-              </a:tr>
-              <a:tr h="319545">
-                <a:tc>
-                  <a:txBody>
-                    <a:bodyPr/>
-                    <a:lstStyle/>
-                    <a:p>
-                      <a:pPr marL="0" marR="0">
-                        <a:lnSpc>
-                          <a:spcPct val="115000"/>
-                        </a:lnSpc>
-                        <a:spcAft>
-                          <a:spcPts val="800"/>
-                        </a:spcAft>
-                        <a:buNone/>
-                      </a:pPr>
-                      <a:r>
-                        <a:rPr lang="en-US" sz="1200" kern="100">
-                          <a:effectLst/>
-                        </a:rPr>
-                        <a:t>Median</a:t>
-                      </a:r>
-                      <a:endParaRPr lang="en-US" sz="1200" kern="100">
-                        <a:effectLst/>
-                        <a:latin typeface="Aptos" panose="020B0004020202020204" pitchFamily="34" charset="0"/>
-                        <a:ea typeface="Aptos" panose="020B0004020202020204" pitchFamily="34" charset="0"/>
-                        <a:cs typeface="Times New Roman" panose="02020603050405020304" pitchFamily="18" charset="0"/>
-                      </a:endParaRPr>
-                    </a:p>
-                  </a:txBody>
-                  <a:tcPr marL="0" marR="95250" marT="95250" marB="95250" anchor="ctr"/>
-                </a:tc>
-                <a:tc>
-                  <a:txBody>
-                    <a:bodyPr/>
-                    <a:lstStyle/>
-                    <a:p>
-                      <a:pPr marL="0" marR="0">
-                        <a:lnSpc>
-                          <a:spcPct val="115000"/>
-                        </a:lnSpc>
-                        <a:spcAft>
-                          <a:spcPts val="800"/>
-                        </a:spcAft>
-                        <a:buNone/>
-                      </a:pPr>
-                      <a:r>
-                        <a:rPr lang="en-US" sz="1200" kern="100">
-                          <a:effectLst/>
-                        </a:rPr>
-                        <a:t>$60,000</a:t>
-                      </a:r>
-                      <a:endParaRPr lang="en-US" sz="1200" kern="100">
-                        <a:effectLst/>
-                        <a:latin typeface="Aptos" panose="020B0004020202020204" pitchFamily="34" charset="0"/>
-                        <a:ea typeface="Aptos" panose="020B0004020202020204" pitchFamily="34" charset="0"/>
-                        <a:cs typeface="Times New Roman" panose="02020603050405020304" pitchFamily="18" charset="0"/>
-                      </a:endParaRPr>
-                    </a:p>
-                  </a:txBody>
-                  <a:tcPr marL="95250" marR="95250" marT="95250" marB="95250" anchor="ctr"/>
-                </a:tc>
-                <a:tc>
-                  <a:txBody>
-                    <a:bodyPr/>
-                    <a:lstStyle/>
-                    <a:p>
-                      <a:pPr marL="0" marR="0">
-                        <a:lnSpc>
-                          <a:spcPct val="115000"/>
-                        </a:lnSpc>
-                        <a:spcAft>
-                          <a:spcPts val="800"/>
-                        </a:spcAft>
-                        <a:buNone/>
-                      </a:pPr>
-                      <a:r>
-                        <a:rPr lang="en-US" sz="1200" kern="100">
-                          <a:effectLst/>
-                        </a:rPr>
-                        <a:t>$60,000</a:t>
-                      </a:r>
-                      <a:endParaRPr lang="en-US" sz="1200" kern="100">
-                        <a:effectLst/>
-                        <a:latin typeface="Aptos" panose="020B0004020202020204" pitchFamily="34" charset="0"/>
-                        <a:ea typeface="Aptos" panose="020B0004020202020204" pitchFamily="34" charset="0"/>
-                        <a:cs typeface="Times New Roman" panose="02020603050405020304" pitchFamily="18" charset="0"/>
-                      </a:endParaRPr>
-                    </a:p>
-                  </a:txBody>
-                  <a:tcPr marL="95250" marR="95250" marT="95250" marB="95250" anchor="ctr"/>
-                </a:tc>
-                <a:tc>
-                  <a:txBody>
-                    <a:bodyPr/>
-                    <a:lstStyle/>
-                    <a:p>
-                      <a:pPr marL="0" marR="0">
-                        <a:lnSpc>
-                          <a:spcPct val="115000"/>
-                        </a:lnSpc>
-                        <a:spcAft>
-                          <a:spcPts val="800"/>
-                        </a:spcAft>
-                        <a:buNone/>
-                      </a:pPr>
-                      <a:r>
-                        <a:rPr lang="en-US" sz="1200" kern="100">
-                          <a:effectLst/>
-                        </a:rPr>
-                        <a:t>$40,000</a:t>
-                      </a:r>
-                      <a:endParaRPr lang="en-US" sz="1200" kern="100">
-                        <a:effectLst/>
-                        <a:latin typeface="Aptos" panose="020B0004020202020204" pitchFamily="34" charset="0"/>
-                        <a:ea typeface="Aptos" panose="020B0004020202020204" pitchFamily="34" charset="0"/>
-                        <a:cs typeface="Times New Roman" panose="02020603050405020304" pitchFamily="18" charset="0"/>
-                      </a:endParaRPr>
-                    </a:p>
-                  </a:txBody>
-                  <a:tcPr marL="95250" marR="95250" marT="95250" marB="95250" anchor="ctr"/>
-                </a:tc>
-                <a:extLst>
-                  <a:ext uri="{0D108BD9-81ED-4DB2-BD59-A6C34878D82A}">
-                    <a16:rowId xmlns:a16="http://schemas.microsoft.com/office/drawing/2014/main" val="86289073"/>
-                  </a:ext>
-                </a:extLst>
-              </a:tr>
-              <a:tr h="319545">
-                <a:tc>
-                  <a:txBody>
-                    <a:bodyPr/>
-                    <a:lstStyle/>
-                    <a:p>
-                      <a:pPr marL="0" marR="0">
-                        <a:lnSpc>
-                          <a:spcPct val="115000"/>
-                        </a:lnSpc>
-                        <a:spcAft>
-                          <a:spcPts val="800"/>
-                        </a:spcAft>
-                        <a:buNone/>
-                      </a:pPr>
-                      <a:r>
-                        <a:rPr lang="en-US" sz="1200" kern="100">
-                          <a:effectLst/>
-                        </a:rPr>
-                        <a:t>Std Dev</a:t>
-                      </a:r>
-                      <a:endParaRPr lang="en-US" sz="1200" kern="100">
-                        <a:effectLst/>
-                        <a:latin typeface="Aptos" panose="020B0004020202020204" pitchFamily="34" charset="0"/>
-                        <a:ea typeface="Aptos" panose="020B0004020202020204" pitchFamily="34" charset="0"/>
-                        <a:cs typeface="Times New Roman" panose="02020603050405020304" pitchFamily="18" charset="0"/>
-                      </a:endParaRPr>
-                    </a:p>
-                  </a:txBody>
-                  <a:tcPr marL="0" marR="95250" marT="95250" marB="95250" anchor="ctr"/>
-                </a:tc>
-                <a:tc>
-                  <a:txBody>
-                    <a:bodyPr/>
-                    <a:lstStyle/>
-                    <a:p>
-                      <a:pPr marL="0" marR="0">
-                        <a:lnSpc>
-                          <a:spcPct val="115000"/>
-                        </a:lnSpc>
-                        <a:spcAft>
-                          <a:spcPts val="800"/>
-                        </a:spcAft>
-                        <a:buNone/>
-                      </a:pPr>
-                      <a:r>
-                        <a:rPr lang="en-US" sz="1200" kern="100">
-                          <a:effectLst/>
-                        </a:rPr>
-                        <a:t>$27,414</a:t>
-                      </a:r>
-                      <a:endParaRPr lang="en-US" sz="1200" kern="100">
-                        <a:effectLst/>
-                        <a:latin typeface="Aptos" panose="020B0004020202020204" pitchFamily="34" charset="0"/>
-                        <a:ea typeface="Aptos" panose="020B0004020202020204" pitchFamily="34" charset="0"/>
-                        <a:cs typeface="Times New Roman" panose="02020603050405020304" pitchFamily="18" charset="0"/>
-                      </a:endParaRPr>
-                    </a:p>
-                  </a:txBody>
-                  <a:tcPr marL="95250" marR="95250" marT="95250" marB="95250" anchor="ctr"/>
-                </a:tc>
-                <a:tc>
-                  <a:txBody>
-                    <a:bodyPr/>
-                    <a:lstStyle/>
-                    <a:p>
-                      <a:pPr marL="0" marR="0">
-                        <a:lnSpc>
-                          <a:spcPct val="115000"/>
-                        </a:lnSpc>
-                        <a:spcAft>
-                          <a:spcPts val="800"/>
-                        </a:spcAft>
-                        <a:buNone/>
-                      </a:pPr>
-                      <a:r>
-                        <a:rPr lang="en-US" sz="1200" kern="100" dirty="0">
-                          <a:effectLst/>
-                        </a:rPr>
-                        <a:t>$26,621</a:t>
-                      </a:r>
-                      <a:endParaRPr lang="en-US" sz="1200" kern="100" dirty="0">
-                        <a:effectLst/>
-                        <a:latin typeface="Aptos" panose="020B0004020202020204" pitchFamily="34" charset="0"/>
-                        <a:ea typeface="Aptos" panose="020B0004020202020204" pitchFamily="34" charset="0"/>
-                        <a:cs typeface="Times New Roman" panose="02020603050405020304" pitchFamily="18" charset="0"/>
-                      </a:endParaRPr>
-                    </a:p>
-                  </a:txBody>
-                  <a:tcPr marL="95250" marR="95250" marT="95250" marB="95250" anchor="ctr"/>
-                </a:tc>
-                <a:tc>
-                  <a:txBody>
-                    <a:bodyPr/>
-                    <a:lstStyle/>
-                    <a:p>
-                      <a:pPr marL="0" marR="0">
-                        <a:lnSpc>
-                          <a:spcPct val="115000"/>
-                        </a:lnSpc>
-                        <a:spcAft>
-                          <a:spcPts val="800"/>
-                        </a:spcAft>
-                        <a:buNone/>
-                      </a:pPr>
-                      <a:r>
-                        <a:rPr lang="en-US" sz="1200" kern="100">
-                          <a:effectLst/>
-                        </a:rPr>
-                        <a:t>$27,121</a:t>
-                      </a:r>
-                      <a:endParaRPr lang="en-US" sz="1200" kern="100">
-                        <a:effectLst/>
-                        <a:latin typeface="Aptos" panose="020B0004020202020204" pitchFamily="34" charset="0"/>
-                        <a:ea typeface="Aptos" panose="020B0004020202020204" pitchFamily="34" charset="0"/>
-                        <a:cs typeface="Times New Roman" panose="02020603050405020304" pitchFamily="18" charset="0"/>
-                      </a:endParaRPr>
-                    </a:p>
-                  </a:txBody>
-                  <a:tcPr marL="95250" marR="95250" marT="95250" marB="95250" anchor="ctr"/>
-                </a:tc>
-                <a:extLst>
-                  <a:ext uri="{0D108BD9-81ED-4DB2-BD59-A6C34878D82A}">
-                    <a16:rowId xmlns:a16="http://schemas.microsoft.com/office/drawing/2014/main" val="1239627228"/>
-                  </a:ext>
-                </a:extLst>
-              </a:tr>
-              <a:tr h="319545">
-                <a:tc>
-                  <a:txBody>
-                    <a:bodyPr/>
-                    <a:lstStyle/>
-                    <a:p>
-                      <a:pPr marL="0" marR="0">
-                        <a:lnSpc>
-                          <a:spcPct val="115000"/>
-                        </a:lnSpc>
-                        <a:spcAft>
-                          <a:spcPts val="800"/>
-                        </a:spcAft>
-                        <a:buNone/>
-                      </a:pPr>
-                      <a:r>
-                        <a:rPr lang="en-US" sz="1200" kern="100">
-                          <a:effectLst/>
-                        </a:rPr>
-                        <a:t>25th Percentile</a:t>
-                      </a:r>
-                      <a:endParaRPr lang="en-US" sz="1200" kern="100">
-                        <a:effectLst/>
-                        <a:latin typeface="Aptos" panose="020B0004020202020204" pitchFamily="34" charset="0"/>
-                        <a:ea typeface="Aptos" panose="020B0004020202020204" pitchFamily="34" charset="0"/>
-                        <a:cs typeface="Times New Roman" panose="02020603050405020304" pitchFamily="18" charset="0"/>
-                      </a:endParaRPr>
-                    </a:p>
-                  </a:txBody>
-                  <a:tcPr marL="0" marR="95250" marT="95250" marB="95250" anchor="ctr"/>
-                </a:tc>
-                <a:tc>
-                  <a:txBody>
-                    <a:bodyPr/>
-                    <a:lstStyle/>
-                    <a:p>
-                      <a:pPr marL="0" marR="0">
-                        <a:lnSpc>
-                          <a:spcPct val="115000"/>
-                        </a:lnSpc>
-                        <a:spcAft>
-                          <a:spcPts val="800"/>
-                        </a:spcAft>
-                        <a:buNone/>
-                      </a:pPr>
-                      <a:r>
-                        <a:rPr lang="en-US" sz="1200" kern="100">
-                          <a:effectLst/>
-                        </a:rPr>
-                        <a:t>$40,000</a:t>
-                      </a:r>
-                      <a:endParaRPr lang="en-US" sz="1200" kern="100">
-                        <a:effectLst/>
-                        <a:latin typeface="Aptos" panose="020B0004020202020204" pitchFamily="34" charset="0"/>
-                        <a:ea typeface="Aptos" panose="020B0004020202020204" pitchFamily="34" charset="0"/>
-                        <a:cs typeface="Times New Roman" panose="02020603050405020304" pitchFamily="18" charset="0"/>
-                      </a:endParaRPr>
-                    </a:p>
-                  </a:txBody>
-                  <a:tcPr marL="95250" marR="95250" marT="95250" marB="95250" anchor="ctr"/>
-                </a:tc>
-                <a:tc>
-                  <a:txBody>
-                    <a:bodyPr/>
-                    <a:lstStyle/>
-                    <a:p>
-                      <a:pPr marL="0" marR="0">
-                        <a:lnSpc>
-                          <a:spcPct val="115000"/>
-                        </a:lnSpc>
-                        <a:spcAft>
-                          <a:spcPts val="800"/>
-                        </a:spcAft>
-                        <a:buNone/>
-                      </a:pPr>
-                      <a:r>
-                        <a:rPr lang="en-US" sz="1200" kern="100">
-                          <a:effectLst/>
-                        </a:rPr>
-                        <a:t>$40,000</a:t>
-                      </a:r>
-                      <a:endParaRPr lang="en-US" sz="1200" kern="100">
-                        <a:effectLst/>
-                        <a:latin typeface="Aptos" panose="020B0004020202020204" pitchFamily="34" charset="0"/>
-                        <a:ea typeface="Aptos" panose="020B0004020202020204" pitchFamily="34" charset="0"/>
-                        <a:cs typeface="Times New Roman" panose="02020603050405020304" pitchFamily="18" charset="0"/>
-                      </a:endParaRPr>
-                    </a:p>
-                  </a:txBody>
-                  <a:tcPr marL="95250" marR="95250" marT="95250" marB="95250" anchor="ctr"/>
-                </a:tc>
-                <a:tc>
-                  <a:txBody>
-                    <a:bodyPr/>
-                    <a:lstStyle/>
-                    <a:p>
-                      <a:pPr marL="0" marR="0">
-                        <a:lnSpc>
-                          <a:spcPct val="115000"/>
-                        </a:lnSpc>
-                        <a:spcAft>
-                          <a:spcPts val="800"/>
-                        </a:spcAft>
-                        <a:buNone/>
-                      </a:pPr>
-                      <a:r>
-                        <a:rPr lang="en-US" sz="1200" kern="100">
-                          <a:effectLst/>
-                        </a:rPr>
-                        <a:t>$15,000</a:t>
-                      </a:r>
-                      <a:endParaRPr lang="en-US" sz="1200" kern="100">
-                        <a:effectLst/>
-                        <a:latin typeface="Aptos" panose="020B0004020202020204" pitchFamily="34" charset="0"/>
-                        <a:ea typeface="Aptos" panose="020B0004020202020204" pitchFamily="34" charset="0"/>
-                        <a:cs typeface="Times New Roman" panose="02020603050405020304" pitchFamily="18" charset="0"/>
-                      </a:endParaRPr>
-                    </a:p>
-                  </a:txBody>
-                  <a:tcPr marL="95250" marR="95250" marT="95250" marB="95250" anchor="ctr"/>
-                </a:tc>
-                <a:extLst>
-                  <a:ext uri="{0D108BD9-81ED-4DB2-BD59-A6C34878D82A}">
-                    <a16:rowId xmlns:a16="http://schemas.microsoft.com/office/drawing/2014/main" val="1609887862"/>
-                  </a:ext>
-                </a:extLst>
-              </a:tr>
-              <a:tr h="319545">
-                <a:tc>
-                  <a:txBody>
-                    <a:bodyPr/>
-                    <a:lstStyle/>
-                    <a:p>
-                      <a:pPr marL="0" marR="0">
-                        <a:lnSpc>
-                          <a:spcPct val="115000"/>
-                        </a:lnSpc>
-                        <a:spcAft>
-                          <a:spcPts val="800"/>
-                        </a:spcAft>
-                        <a:buNone/>
-                      </a:pPr>
-                      <a:r>
-                        <a:rPr lang="en-US" sz="1200" kern="100">
-                          <a:effectLst/>
-                        </a:rPr>
-                        <a:t>75th Percentile</a:t>
-                      </a:r>
-                      <a:endParaRPr lang="en-US" sz="1200" kern="100">
-                        <a:effectLst/>
-                        <a:latin typeface="Aptos" panose="020B0004020202020204" pitchFamily="34" charset="0"/>
-                        <a:ea typeface="Aptos" panose="020B0004020202020204" pitchFamily="34" charset="0"/>
-                        <a:cs typeface="Times New Roman" panose="02020603050405020304" pitchFamily="18" charset="0"/>
-                      </a:endParaRPr>
-                    </a:p>
-                  </a:txBody>
-                  <a:tcPr marL="0" marR="95250" marT="95250" marB="95250" anchor="ctr"/>
-                </a:tc>
-                <a:tc>
-                  <a:txBody>
-                    <a:bodyPr/>
-                    <a:lstStyle/>
-                    <a:p>
-                      <a:pPr marL="0" marR="0">
-                        <a:lnSpc>
-                          <a:spcPct val="115000"/>
-                        </a:lnSpc>
-                        <a:spcAft>
-                          <a:spcPts val="800"/>
-                        </a:spcAft>
-                        <a:buNone/>
-                      </a:pPr>
-                      <a:r>
-                        <a:rPr lang="en-US" sz="1200" kern="100">
-                          <a:effectLst/>
-                        </a:rPr>
-                        <a:t>$100,000</a:t>
-                      </a:r>
-                      <a:endParaRPr lang="en-US" sz="1200" kern="100">
-                        <a:effectLst/>
-                        <a:latin typeface="Aptos" panose="020B0004020202020204" pitchFamily="34" charset="0"/>
-                        <a:ea typeface="Aptos" panose="020B0004020202020204" pitchFamily="34" charset="0"/>
-                        <a:cs typeface="Times New Roman" panose="02020603050405020304" pitchFamily="18" charset="0"/>
-                      </a:endParaRPr>
-                    </a:p>
-                  </a:txBody>
-                  <a:tcPr marL="95250" marR="95250" marT="95250" marB="95250" anchor="ctr"/>
-                </a:tc>
-                <a:tc>
-                  <a:txBody>
-                    <a:bodyPr/>
-                    <a:lstStyle/>
-                    <a:p>
-                      <a:pPr marL="0" marR="0">
-                        <a:lnSpc>
-                          <a:spcPct val="115000"/>
-                        </a:lnSpc>
-                        <a:spcAft>
-                          <a:spcPts val="800"/>
-                        </a:spcAft>
-                        <a:buNone/>
-                      </a:pPr>
-                      <a:r>
-                        <a:rPr lang="en-US" sz="1200" kern="100" dirty="0">
-                          <a:effectLst/>
-                        </a:rPr>
-                        <a:t>$80,000</a:t>
-                      </a:r>
-                      <a:endParaRPr lang="en-US" sz="1200" kern="100" dirty="0">
-                        <a:effectLst/>
-                        <a:latin typeface="Aptos" panose="020B0004020202020204" pitchFamily="34" charset="0"/>
-                        <a:ea typeface="Aptos" panose="020B0004020202020204" pitchFamily="34" charset="0"/>
-                        <a:cs typeface="Times New Roman" panose="02020603050405020304" pitchFamily="18" charset="0"/>
-                      </a:endParaRPr>
-                    </a:p>
-                  </a:txBody>
-                  <a:tcPr marL="95250" marR="95250" marT="95250" marB="95250" anchor="ctr"/>
-                </a:tc>
-                <a:tc>
-                  <a:txBody>
-                    <a:bodyPr/>
-                    <a:lstStyle/>
-                    <a:p>
-                      <a:pPr marL="0" marR="0">
-                        <a:lnSpc>
-                          <a:spcPct val="115000"/>
-                        </a:lnSpc>
-                        <a:spcAft>
-                          <a:spcPts val="800"/>
-                        </a:spcAft>
-                        <a:buNone/>
-                      </a:pPr>
-                      <a:r>
-                        <a:rPr lang="en-US" sz="1200" kern="100" dirty="0">
-                          <a:effectLst/>
-                        </a:rPr>
-                        <a:t>$60,000</a:t>
-                      </a:r>
-                      <a:endParaRPr lang="en-US" sz="1200" kern="100" dirty="0">
-                        <a:effectLst/>
-                        <a:latin typeface="Aptos" panose="020B0004020202020204" pitchFamily="34" charset="0"/>
-                        <a:ea typeface="Aptos" panose="020B0004020202020204" pitchFamily="34" charset="0"/>
-                        <a:cs typeface="Times New Roman" panose="02020603050405020304" pitchFamily="18" charset="0"/>
-                      </a:endParaRPr>
-                    </a:p>
-                  </a:txBody>
-                  <a:tcPr marL="95250" marR="95250" marT="95250" marB="95250" anchor="ctr"/>
-                </a:tc>
-                <a:extLst>
-                  <a:ext uri="{0D108BD9-81ED-4DB2-BD59-A6C34878D82A}">
-                    <a16:rowId xmlns:a16="http://schemas.microsoft.com/office/drawing/2014/main" val="3221222714"/>
-                  </a:ext>
-                </a:extLst>
-              </a:tr>
-            </a:tbl>
-          </a:graphicData>
-        </a:graphic>
-      </p:graphicFrame>
-      <p:sp>
-        <p:nvSpPr>
-          <p:cNvPr id="11" name="TextBox 10">
-            <a:extLst>
-              <a:ext uri="{FF2B5EF4-FFF2-40B4-BE49-F238E27FC236}">
-                <a16:creationId xmlns:a16="http://schemas.microsoft.com/office/drawing/2014/main" id="{51D70B7D-B446-BDC6-22CB-D5DF61309C08}"/>
-              </a:ext>
-            </a:extLst>
-          </p:cNvPr>
-          <p:cNvSpPr txBox="1"/>
-          <p:nvPr/>
-        </p:nvSpPr>
-        <p:spPr>
-          <a:xfrm>
-            <a:off x="1210368" y="3414243"/>
-            <a:ext cx="5381352" cy="400110"/>
-          </a:xfrm>
-          <a:prstGeom prst="rect">
-            <a:avLst/>
-          </a:prstGeom>
-          <a:noFill/>
-        </p:spPr>
-        <p:txBody>
-          <a:bodyPr wrap="square" rtlCol="0">
-            <a:spAutoFit/>
-          </a:bodyPr>
-          <a:lstStyle/>
-          <a:p>
-            <a:r>
-              <a:rPr lang="en-US" sz="2000" b="1" dirty="0">
-                <a:latin typeface="Times New Roman" panose="02020603050405020304" pitchFamily="18" charset="0"/>
-                <a:cs typeface="Times New Roman" panose="02020603050405020304" pitchFamily="18" charset="0"/>
-              </a:rPr>
-              <a:t>Income Statistics by Program Tier</a:t>
-            </a:r>
-          </a:p>
-        </p:txBody>
-      </p:sp>
     </p:spTree>
     <p:extLst>
       <p:ext uri="{BB962C8B-B14F-4D97-AF65-F5344CB8AC3E}">
-        <p14:creationId xmlns:p14="http://schemas.microsoft.com/office/powerpoint/2010/main" val="54761652"/>
+        <p14:creationId xmlns:p14="http://schemas.microsoft.com/office/powerpoint/2010/main" val="203928735"/>
       </p:ext>
     </p:extLst>
   </p:cSld>
@@ -16458,7 +17074,7 @@
 </p:sld>
 </file>
 
-<file path=ppt/slides/slide15.xml><?xml version="1.0" encoding="utf-8"?>
+<file path=ppt/slides/slide16.xml><?xml version="1.0" encoding="utf-8"?>
 <p:sld xmlns:a="http://schemas.openxmlformats.org/drawingml/2006/main" xmlns:r="http://schemas.openxmlformats.org/officeDocument/2006/relationships" xmlns:p="http://schemas.openxmlformats.org/presentationml/2006/main">
   <p:cSld>
     <p:bg>
@@ -17562,7 +18178,7 @@
         <p:spPr>
           <a:xfrm>
             <a:off x="1200568" y="643467"/>
-            <a:ext cx="9229621" cy="5570756"/>
+            <a:ext cx="9229621" cy="4647426"/>
           </a:xfrm>
           <a:prstGeom prst="rect">
             <a:avLst/>
@@ -17577,20 +18193,10 @@
           <a:p>
             <a:r>
               <a:rPr lang="en-US" sz="2800" b="1" dirty="0">
-                <a:solidFill>
-                  <a:srgbClr val="404040"/>
-                </a:solidFill>
                 <a:latin typeface="Times New Roman" panose="02020603050405020304" pitchFamily="18" charset="0"/>
                 <a:cs typeface="Times New Roman" panose="02020603050405020304" pitchFamily="18" charset="0"/>
               </a:rPr>
-              <a:t>Key Insights and </a:t>
-            </a:r>
-            <a:r>
-              <a:rPr lang="en-US" sz="2800" b="1" dirty="0">
-                <a:latin typeface="Times New Roman" panose="02020603050405020304" pitchFamily="18" charset="0"/>
-                <a:cs typeface="Times New Roman" panose="02020603050405020304" pitchFamily="18" charset="0"/>
-              </a:rPr>
-              <a:t>Recommendations </a:t>
+              <a:t>Key Insights and Recommendations </a:t>
             </a:r>
             <a:r>
               <a:rPr lang="en-US" sz="2800" dirty="0">
@@ -17625,8 +18231,6 @@
               </a:rPr>
               <a:t>________________________________________</a:t>
             </a:r>
-          </a:p>
-          <a:p>
             <a:endParaRPr lang="en-US" sz="2400" b="1" dirty="0">
               <a:latin typeface="Times New Roman" panose="02020603050405020304" pitchFamily="18" charset="0"/>
               <a:cs typeface="Times New Roman" panose="02020603050405020304" pitchFamily="18" charset="0"/>
@@ -17664,7 +18268,7 @@
                 <a:latin typeface="Times New Roman" panose="02020603050405020304" pitchFamily="18" charset="0"/>
                 <a:cs typeface="Times New Roman" panose="02020603050405020304" pitchFamily="18" charset="0"/>
               </a:rPr>
-              <a:t>Average Income: $59,568; The gap across the three Tires is huge.</a:t>
+              <a:t>Average Income: $59,568. The gap between the three Tiers is significant.</a:t>
             </a:r>
           </a:p>
           <a:p>
@@ -17677,7 +18281,7 @@
                 <a:latin typeface="Times New Roman" panose="02020603050405020304" pitchFamily="18" charset="0"/>
                 <a:cs typeface="Times New Roman" panose="02020603050405020304" pitchFamily="18" charset="0"/>
               </a:rPr>
-              <a:t>Strongest Predictor for employment and income: Field of Study.</a:t>
+              <a:t>Number one predictor for employment and income: Program.</a:t>
             </a:r>
           </a:p>
           <a:p>
@@ -17690,20 +18294,7 @@
                 <a:latin typeface="Times New Roman" panose="02020603050405020304" pitchFamily="18" charset="0"/>
                 <a:cs typeface="Times New Roman" panose="02020603050405020304" pitchFamily="18" charset="0"/>
               </a:rPr>
-              <a:t>Secondary Factors: Level of study, age at graduation and region.</a:t>
-            </a:r>
-          </a:p>
-          <a:p>
-            <a:pPr marL="342900" indent="-342900">
-              <a:buFont typeface="Arial" panose="020B0604020202020204" pitchFamily="34" charset="0"/>
-              <a:buChar char="•"/>
-            </a:pPr>
-            <a:r>
-              <a:rPr lang="en-US" sz="2000" dirty="0">
-                <a:latin typeface="Times New Roman" panose="02020603050405020304" pitchFamily="18" charset="0"/>
-                <a:cs typeface="Times New Roman" panose="02020603050405020304" pitchFamily="18" charset="0"/>
-              </a:rPr>
-              <a:t>University programs can be grouped into 3 distinct tiers.</a:t>
+              <a:t>Programs are grouped into three distinct tiers.</a:t>
             </a:r>
           </a:p>
           <a:p>
@@ -17731,22 +18322,10 @@
             <a:r>
               <a:rPr lang="en-US" sz="2000" dirty="0">
                 <a:latin typeface="Times New Roman" panose="02020603050405020304" pitchFamily="18" charset="0"/>
+                <a:ea typeface="Tahoma" panose="020B0604030504040204" pitchFamily="34" charset="0"/>
                 <a:cs typeface="Times New Roman" panose="02020603050405020304" pitchFamily="18" charset="0"/>
               </a:rPr>
-              <a:t>Student Support: inform students of choices in programs.</a:t>
-            </a:r>
-          </a:p>
-          <a:p>
-            <a:pPr marL="342900" lvl="0" indent="-342900">
-              <a:buFont typeface="Arial" panose="020B0604020202020204" pitchFamily="34" charset="0"/>
-              <a:buChar char="•"/>
-            </a:pPr>
-            <a:r>
-              <a:rPr lang="en-US" sz="2000" dirty="0">
-                <a:latin typeface="Times New Roman" panose="02020603050405020304" pitchFamily="18" charset="0"/>
-                <a:cs typeface="Times New Roman" panose="02020603050405020304" pitchFamily="18" charset="0"/>
-              </a:rPr>
-              <a:t>Marketing: Allocate and prioritize efforts in different programs and regions.</a:t>
+              <a:t>Tier 1 Programs: Maintain excellence, consider expanding capacity</a:t>
             </a:r>
           </a:p>
           <a:p>
@@ -17757,29 +18336,38 @@
             <a:r>
               <a:rPr lang="en-US" sz="2000" dirty="0">
                 <a:latin typeface="Times New Roman" panose="02020603050405020304" pitchFamily="18" charset="0"/>
+                <a:ea typeface="Tahoma" panose="020B0604030504040204" pitchFamily="34" charset="0"/>
                 <a:cs typeface="Times New Roman" panose="02020603050405020304" pitchFamily="18" charset="0"/>
               </a:rPr>
-              <a:t>University Curriculum: </a:t>
-            </a:r>
-          </a:p>
-          <a:p>
-            <a:pPr lvl="2"/>
-            <a:r>
-              <a:rPr lang="en-US" dirty="0">
+              <a:t>Tier 2 Programs: Targeted interventions to move programs to Tier 1</a:t>
+            </a:r>
+          </a:p>
+          <a:p>
+            <a:pPr marL="342900" indent="-342900">
+              <a:buFont typeface="Arial" panose="020B0604020202020204" pitchFamily="34" charset="0"/>
+              <a:buChar char="•"/>
+            </a:pPr>
+            <a:r>
+              <a:rPr lang="en-US" sz="2000" dirty="0">
                 <a:latin typeface="Times New Roman" panose="02020603050405020304" pitchFamily="18" charset="0"/>
+                <a:ea typeface="Tahoma" panose="020B0604030504040204" pitchFamily="34" charset="0"/>
                 <a:cs typeface="Times New Roman" panose="02020603050405020304" pitchFamily="18" charset="0"/>
               </a:rPr>
-              <a:t>Promote Tier 1 (Health, CS, Education)</a:t>
-            </a:r>
-          </a:p>
-          <a:p>
-            <a:pPr lvl="2"/>
-            <a:r>
-              <a:rPr lang="en-US" dirty="0">
+              <a:t>Tier 3 Programs: Comprehensive review and potential restructuring</a:t>
+            </a:r>
+          </a:p>
+          <a:p>
+            <a:pPr marL="342900" indent="-342900">
+              <a:buFont typeface="Arial" panose="020B0604020202020204" pitchFamily="34" charset="0"/>
+              <a:buChar char="•"/>
+            </a:pPr>
+            <a:r>
+              <a:rPr lang="en-US" sz="2000" dirty="0">
                 <a:latin typeface="Times New Roman" panose="02020603050405020304" pitchFamily="18" charset="0"/>
+                <a:ea typeface="Tahoma" panose="020B0604030504040204" pitchFamily="34" charset="0"/>
                 <a:cs typeface="Times New Roman" panose="02020603050405020304" pitchFamily="18" charset="0"/>
               </a:rPr>
-              <a:t>Enhance Tier 3 by providing career related training and co-op</a:t>
+              <a:t>Student Guidance: Use tier information for career counseling and program selection</a:t>
             </a:r>
           </a:p>
           <a:p>
@@ -17817,7 +18405,7 @@
           <a:p>
             <a:fld id="{0E09FCB3-37CC-4DC3-9641-7B88AD2FD4DA}" type="slidenum">
               <a:rPr lang="en-US" smtClean="0"/>
-              <a:t>15</a:t>
+              <a:t>16</a:t>
             </a:fld>
             <a:endParaRPr lang="en-US"/>
           </a:p>
@@ -17836,7 +18424,7 @@
 </p:sld>
 </file>
 
-<file path=ppt/slides/slide16.xml><?xml version="1.0" encoding="utf-8"?>
+<file path=ppt/slides/slide17.xml><?xml version="1.0" encoding="utf-8"?>
 <p:sld xmlns:a="http://schemas.openxmlformats.org/drawingml/2006/main" xmlns:r="http://schemas.openxmlformats.org/officeDocument/2006/relationships" xmlns:p="http://schemas.openxmlformats.org/presentationml/2006/main">
   <p:cSld>
     <p:bg>
@@ -18940,7 +19528,7 @@
         <p:spPr>
           <a:xfrm>
             <a:off x="1200567" y="643467"/>
-            <a:ext cx="10284700" cy="5232202"/>
+            <a:ext cx="10284700" cy="4647426"/>
           </a:xfrm>
           <a:prstGeom prst="rect">
             <a:avLst/>
@@ -18980,7 +19568,7 @@
                 <a:latin typeface="Times New Roman" panose="02020603050405020304" pitchFamily="18" charset="0"/>
                 <a:cs typeface="Times New Roman" panose="02020603050405020304" pitchFamily="18" charset="0"/>
               </a:rPr>
-              <a:t>Data Integration Into a Dashboard</a:t>
+              <a:t>Integrated Data into an Interactive Dashboard</a:t>
             </a:r>
           </a:p>
           <a:p>
@@ -18995,7 +19583,7 @@
                 <a:latin typeface="Times New Roman" panose="02020603050405020304" pitchFamily="18" charset="0"/>
                 <a:cs typeface="Times New Roman" panose="02020603050405020304" pitchFamily="18" charset="0"/>
               </a:rPr>
-              <a:t>ML Methodology</a:t>
+              <a:t>Developed Advanced Machine Learning Methodology</a:t>
             </a:r>
             <a:endParaRPr lang="en-US" dirty="0">
               <a:latin typeface="Times New Roman" panose="02020603050405020304" pitchFamily="18" charset="0"/>
@@ -19026,7 +19614,7 @@
                 <a:latin typeface="Times New Roman" panose="02020603050405020304" pitchFamily="18" charset="0"/>
                 <a:cs typeface="Times New Roman" panose="02020603050405020304" pitchFamily="18" charset="0"/>
               </a:rPr>
-              <a:t>, Random Forest)</a:t>
+              <a:t>, Random Forest) and clustering (K-means)</a:t>
             </a:r>
           </a:p>
           <a:p>
@@ -19041,7 +19629,7 @@
                 <a:latin typeface="Times New Roman" panose="02020603050405020304" pitchFamily="18" charset="0"/>
                 <a:cs typeface="Times New Roman" panose="02020603050405020304" pitchFamily="18" charset="0"/>
               </a:rPr>
-              <a:t>Findings</a:t>
+              <a:t>Derived Actionable Insights</a:t>
             </a:r>
             <a:endParaRPr lang="en-US" sz="2000" dirty="0">
               <a:latin typeface="Times New Roman" panose="02020603050405020304" pitchFamily="18" charset="0"/>
@@ -19058,7 +19646,7 @@
                 <a:latin typeface="Times New Roman" panose="02020603050405020304" pitchFamily="18" charset="0"/>
                 <a:cs typeface="Times New Roman" panose="02020603050405020304" pitchFamily="18" charset="0"/>
               </a:rPr>
-              <a:t>Field of study is the strongest factor. A degree is important. The choice of a degree is even more so.</a:t>
+              <a:t>Program is the strongest factor. A degree is important. The choice of a degree is even more so.</a:t>
             </a:r>
           </a:p>
           <a:p>
@@ -19071,7 +19659,7 @@
                 <a:latin typeface="Times New Roman" panose="02020603050405020304" pitchFamily="18" charset="0"/>
                 <a:cs typeface="Times New Roman" panose="02020603050405020304" pitchFamily="18" charset="0"/>
               </a:rPr>
-              <a:t>Can be clearly grouped into three tiers</a:t>
+              <a:t>Based on employment outcomes, Programs can be clearly grouped into three tiers</a:t>
             </a:r>
           </a:p>
           <a:p>
@@ -19086,7 +19674,7 @@
                 <a:latin typeface="Times New Roman" panose="02020603050405020304" pitchFamily="18" charset="0"/>
                 <a:cs typeface="Times New Roman" panose="02020603050405020304" pitchFamily="18" charset="0"/>
               </a:rPr>
-              <a:t>Recommendations</a:t>
+              <a:t>Provided Strategic Recommendations</a:t>
             </a:r>
             <a:endParaRPr lang="en-US" sz="2000" dirty="0">
               <a:latin typeface="Times New Roman" panose="02020603050405020304" pitchFamily="18" charset="0"/>
@@ -19103,7 +19691,7 @@
                 <a:latin typeface="Times New Roman" panose="02020603050405020304" pitchFamily="18" charset="0"/>
                 <a:cs typeface="Times New Roman" panose="02020603050405020304" pitchFamily="18" charset="0"/>
               </a:rPr>
-              <a:t>Promote Tier 1 (Health, CS, Education)</a:t>
+              <a:t>Promote Tier 1 (Health, Computer Science, Education)</a:t>
             </a:r>
           </a:p>
           <a:p>
@@ -19129,28 +19717,8 @@
                 <a:latin typeface="Times New Roman" panose="02020603050405020304" pitchFamily="18" charset="0"/>
                 <a:cs typeface="Times New Roman" panose="02020603050405020304" pitchFamily="18" charset="0"/>
               </a:rPr>
-              <a:t>Prioritize marketing efforts in different programs and regions</a:t>
-            </a:r>
-          </a:p>
-          <a:p>
-            <a:endParaRPr lang="en-US" b="1" dirty="0">
-              <a:latin typeface="Times New Roman" panose="02020603050405020304" pitchFamily="18" charset="0"/>
-              <a:cs typeface="Times New Roman" panose="02020603050405020304" pitchFamily="18" charset="0"/>
-            </a:endParaRPr>
-          </a:p>
-          <a:p>
-            <a:r>
-              <a:rPr lang="en-US" sz="2000" dirty="0">
-                <a:latin typeface="Times New Roman" panose="02020603050405020304" pitchFamily="18" charset="0"/>
-                <a:cs typeface="Times New Roman" panose="02020603050405020304" pitchFamily="18" charset="0"/>
-                <a:hlinkClick r:id="rId4" action="ppaction://hlinkfile"/>
-              </a:rPr>
-              <a:t>Full Report</a:t>
-            </a:r>
-            <a:endParaRPr lang="en-US" sz="2000" dirty="0">
-              <a:latin typeface="Times New Roman" panose="02020603050405020304" pitchFamily="18" charset="0"/>
-              <a:cs typeface="Times New Roman" panose="02020603050405020304" pitchFamily="18" charset="0"/>
-            </a:endParaRPr>
+              <a:t>Prioritize marketing efforts in different tier programs</a:t>
+            </a:r>
           </a:p>
         </p:txBody>
       </p:sp>
@@ -19177,7 +19745,7 @@
           <a:p>
             <a:fld id="{0E09FCB3-37CC-4DC3-9641-7B88AD2FD4DA}" type="slidenum">
               <a:rPr lang="en-US" smtClean="0"/>
-              <a:t>16</a:t>
+              <a:t>17</a:t>
             </a:fld>
             <a:endParaRPr lang="en-US" dirty="0"/>
           </a:p>
@@ -19196,7 +19764,7 @@
 </p:sld>
 </file>
 
-<file path=ppt/slides/slide17.xml><?xml version="1.0" encoding="utf-8"?>
+<file path=ppt/slides/slide18.xml><?xml version="1.0" encoding="utf-8"?>
 <p:sld xmlns:a="http://schemas.openxmlformats.org/drawingml/2006/main" xmlns:r="http://schemas.openxmlformats.org/officeDocument/2006/relationships" xmlns:p="http://schemas.openxmlformats.org/presentationml/2006/main">
   <p:cSld>
     <p:bg>
@@ -20299,8 +20867,8 @@
         </p:nvSpPr>
         <p:spPr>
           <a:xfrm>
-            <a:off x="1200567" y="643467"/>
-            <a:ext cx="10284700" cy="2000548"/>
+            <a:off x="1200566" y="643467"/>
+            <a:ext cx="10739309" cy="5893921"/>
           </a:xfrm>
           <a:prstGeom prst="rect">
             <a:avLst/>
@@ -20318,12 +20886,8 @@
                 <a:latin typeface="Times New Roman" panose="02020603050405020304" pitchFamily="18" charset="0"/>
                 <a:cs typeface="Times New Roman" panose="02020603050405020304" pitchFamily="18" charset="0"/>
               </a:rPr>
-              <a:t>Q/A</a:t>
-            </a:r>
-            <a:endParaRPr lang="en-US" sz="2800" dirty="0">
-              <a:latin typeface="Times New Roman" panose="02020603050405020304" pitchFamily="18" charset="0"/>
-              <a:cs typeface="Times New Roman" panose="02020603050405020304" pitchFamily="18" charset="0"/>
-            </a:endParaRPr>
+              <a:t>Full Report Q&amp;A and Dashboard App</a:t>
+            </a:r>
           </a:p>
           <a:p>
             <a:r>
@@ -20335,54 +20899,251 @@
             </a:r>
           </a:p>
           <a:p>
+            <a:pPr marL="342900" indent="-342900">
+              <a:lnSpc>
+                <a:spcPct val="150000"/>
+              </a:lnSpc>
+              <a:buFont typeface="Arial" panose="020B0604020202020204" pitchFamily="34" charset="0"/>
+              <a:buChar char="•"/>
+            </a:pPr>
+            <a:r>
+              <a:rPr lang="en-US" sz="2000" b="1">
+                <a:latin typeface="Times New Roman" panose="02020603050405020304" pitchFamily="18" charset="0"/>
+                <a:cs typeface="Times New Roman" panose="02020603050405020304" pitchFamily="18" charset="0"/>
+              </a:rPr>
+              <a:t>Download the </a:t>
+            </a:r>
+            <a:r>
+              <a:rPr lang="en-US" sz="2000" b="1">
+                <a:latin typeface="Times New Roman" panose="02020603050405020304" pitchFamily="18" charset="0"/>
+                <a:cs typeface="Times New Roman" panose="02020603050405020304" pitchFamily="18" charset="0"/>
+                <a:hlinkClick r:id="rId4" action="ppaction://hlinkfile"/>
+              </a:rPr>
+              <a:t>Report</a:t>
+            </a:r>
+            <a:r>
+              <a:rPr lang="en-US" sz="2000" b="1">
+                <a:latin typeface="Times New Roman" panose="02020603050405020304" pitchFamily="18" charset="0"/>
+                <a:cs typeface="Times New Roman" panose="02020603050405020304" pitchFamily="18" charset="0"/>
+              </a:rPr>
+              <a:t> </a:t>
+            </a:r>
+            <a:endParaRPr lang="en-US" sz="2000" b="1" dirty="0">
+              <a:latin typeface="Times New Roman" panose="02020603050405020304" pitchFamily="18" charset="0"/>
+              <a:cs typeface="Times New Roman" panose="02020603050405020304" pitchFamily="18" charset="0"/>
+            </a:endParaRPr>
+          </a:p>
+          <a:p>
+            <a:pPr lvl="1">
+              <a:lnSpc>
+                <a:spcPct val="150000"/>
+              </a:lnSpc>
+            </a:pPr>
+            <a:r>
+              <a:rPr lang="en-US" dirty="0">
+                <a:latin typeface="Times New Roman" panose="02020603050405020304" pitchFamily="18" charset="0"/>
+                <a:cs typeface="Times New Roman" panose="02020603050405020304" pitchFamily="18" charset="0"/>
+              </a:rPr>
+              <a:t>	Scan to download the Full Report (PDF)</a:t>
+            </a:r>
+          </a:p>
+          <a:p>
+            <a:pPr lvl="1">
+              <a:lnSpc>
+                <a:spcPct val="150000"/>
+              </a:lnSpc>
+            </a:pPr>
+            <a:r>
+              <a:rPr lang="en-US" dirty="0">
+                <a:latin typeface="Times New Roman" panose="02020603050405020304" pitchFamily="18" charset="0"/>
+                <a:cs typeface="Times New Roman" panose="02020603050405020304" pitchFamily="18" charset="0"/>
+              </a:rPr>
+              <a:t>	Or visit: </a:t>
+            </a:r>
+            <a:r>
+              <a:rPr lang="en-US" dirty="0">
+                <a:hlinkClick r:id="rId5"/>
+              </a:rPr>
+              <a:t>https://github.com/fuxima/Dal/blob/main/NGS_Report.pdf</a:t>
+            </a:r>
+            <a:endParaRPr lang="en-US" b="1" dirty="0">
+              <a:latin typeface="Times New Roman" panose="02020603050405020304" pitchFamily="18" charset="0"/>
+              <a:cs typeface="Times New Roman" panose="02020603050405020304" pitchFamily="18" charset="0"/>
+            </a:endParaRPr>
+          </a:p>
+          <a:p>
+            <a:pPr lvl="1">
+              <a:lnSpc>
+                <a:spcPct val="150000"/>
+              </a:lnSpc>
+            </a:pPr>
+            <a:r>
+              <a:rPr lang="en-US" i="1" dirty="0">
+                <a:latin typeface="Times New Roman" panose="02020603050405020304" pitchFamily="18" charset="0"/>
+                <a:cs typeface="Times New Roman" panose="02020603050405020304" pitchFamily="18" charset="0"/>
+              </a:rPr>
+              <a:t>	</a:t>
+            </a:r>
+            <a:r>
+              <a:rPr lang="en-US" dirty="0">
+                <a:latin typeface="Times New Roman" panose="02020603050405020304" pitchFamily="18" charset="0"/>
+                <a:cs typeface="Times New Roman" panose="02020603050405020304" pitchFamily="18" charset="0"/>
+              </a:rPr>
+              <a:t>The report, produced in Quarto, includes all the Python code.</a:t>
+            </a:r>
+          </a:p>
+          <a:p>
+            <a:pPr marL="342900" indent="-342900">
+              <a:lnSpc>
+                <a:spcPct val="150000"/>
+              </a:lnSpc>
+              <a:buFont typeface="Arial" panose="020B0604020202020204" pitchFamily="34" charset="0"/>
+              <a:buChar char="•"/>
+            </a:pPr>
+            <a:r>
+              <a:rPr lang="en-US" sz="2000" b="1" dirty="0">
+                <a:latin typeface="Times New Roman" panose="02020603050405020304" pitchFamily="18" charset="0"/>
+                <a:cs typeface="Times New Roman" panose="02020603050405020304" pitchFamily="18" charset="0"/>
+                <a:hlinkClick r:id="rId6"/>
+              </a:rPr>
+              <a:t>Entire Project Files</a:t>
+            </a:r>
+            <a:endParaRPr lang="en-US" sz="2000" b="1" dirty="0">
+              <a:latin typeface="Times New Roman" panose="02020603050405020304" pitchFamily="18" charset="0"/>
+              <a:cs typeface="Times New Roman" panose="02020603050405020304" pitchFamily="18" charset="0"/>
+            </a:endParaRPr>
+          </a:p>
+          <a:p>
+            <a:pPr lvl="2">
+              <a:lnSpc>
+                <a:spcPct val="150000"/>
+              </a:lnSpc>
+            </a:pPr>
+            <a:r>
+              <a:rPr lang="en-US" dirty="0">
+                <a:latin typeface="Times New Roman" panose="02020603050405020304" pitchFamily="18" charset="0"/>
+                <a:cs typeface="Times New Roman" panose="02020603050405020304" pitchFamily="18" charset="0"/>
+              </a:rPr>
+              <a:t>Scan to view or download the entire project files</a:t>
+            </a:r>
+          </a:p>
+          <a:p>
+            <a:pPr>
+              <a:lnSpc>
+                <a:spcPct val="150000"/>
+              </a:lnSpc>
+            </a:pPr>
+            <a:r>
+              <a:rPr lang="en-US" dirty="0"/>
+              <a:t>	</a:t>
+            </a:r>
+            <a:r>
+              <a:rPr lang="en-US" dirty="0">
+                <a:latin typeface="Times New Roman" panose="02020603050405020304" pitchFamily="18" charset="0"/>
+                <a:cs typeface="Times New Roman" panose="02020603050405020304" pitchFamily="18" charset="0"/>
+              </a:rPr>
+              <a:t>Or visit: </a:t>
+            </a:r>
+            <a:r>
+              <a:rPr lang="en-US" dirty="0">
+                <a:latin typeface="Times New Roman" panose="02020603050405020304" pitchFamily="18" charset="0"/>
+                <a:cs typeface="Times New Roman" panose="02020603050405020304" pitchFamily="18" charset="0"/>
+                <a:hlinkClick r:id="rId6"/>
+              </a:rPr>
+              <a:t>https://github.com/fuxima/Dal</a:t>
+            </a:r>
+            <a:endParaRPr lang="en-US" b="1" dirty="0">
+              <a:latin typeface="Times New Roman" panose="02020603050405020304" pitchFamily="18" charset="0"/>
+              <a:cs typeface="Times New Roman" panose="02020603050405020304" pitchFamily="18" charset="0"/>
+            </a:endParaRPr>
+          </a:p>
+          <a:p>
+            <a:pPr marL="342900" indent="-342900">
+              <a:lnSpc>
+                <a:spcPct val="150000"/>
+              </a:lnSpc>
+              <a:buFont typeface="Arial" panose="020B0604020202020204" pitchFamily="34" charset="0"/>
+              <a:buChar char="•"/>
+            </a:pPr>
+            <a:r>
+              <a:rPr lang="en-US" sz="2000" b="1" dirty="0">
+                <a:latin typeface="Times New Roman" panose="02020603050405020304" pitchFamily="18" charset="0"/>
+                <a:cs typeface="Times New Roman" panose="02020603050405020304" pitchFamily="18" charset="0"/>
+                <a:hlinkClick r:id="rId7"/>
+              </a:rPr>
+              <a:t>Dashboard App</a:t>
+            </a:r>
+            <a:endParaRPr lang="en-US" sz="2000" b="1" dirty="0">
+              <a:latin typeface="Times New Roman" panose="02020603050405020304" pitchFamily="18" charset="0"/>
+              <a:cs typeface="Times New Roman" panose="02020603050405020304" pitchFamily="18" charset="0"/>
+            </a:endParaRPr>
+          </a:p>
+          <a:p>
+            <a:pPr marL="342900" indent="-342900">
+              <a:lnSpc>
+                <a:spcPct val="150000"/>
+              </a:lnSpc>
+              <a:buFont typeface="Arial" panose="020B0604020202020204" pitchFamily="34" charset="0"/>
+              <a:buChar char="•"/>
+            </a:pPr>
+            <a:r>
+              <a:rPr lang="en-US" sz="2000" b="1" dirty="0">
+                <a:latin typeface="Times New Roman" panose="02020603050405020304" pitchFamily="18" charset="0"/>
+                <a:cs typeface="Times New Roman" panose="02020603050405020304" pitchFamily="18" charset="0"/>
+              </a:rPr>
+              <a:t>Contact</a:t>
+            </a:r>
+            <a:endParaRPr lang="en-US" sz="2000" dirty="0">
+              <a:latin typeface="Times New Roman" panose="02020603050405020304" pitchFamily="18" charset="0"/>
+              <a:cs typeface="Times New Roman" panose="02020603050405020304" pitchFamily="18" charset="0"/>
+            </a:endParaRPr>
+          </a:p>
+          <a:p>
+            <a:pPr lvl="1">
+              <a:lnSpc>
+                <a:spcPct val="150000"/>
+              </a:lnSpc>
+            </a:pPr>
+            <a:r>
+              <a:rPr lang="en-US" dirty="0">
+                <a:latin typeface="Times New Roman" panose="02020603050405020304" pitchFamily="18" charset="0"/>
+                <a:cs typeface="Times New Roman" panose="02020603050405020304" pitchFamily="18" charset="0"/>
+              </a:rPr>
+              <a:t>	Email:	</a:t>
+            </a:r>
+            <a:r>
+              <a:rPr lang="en-US" dirty="0">
+                <a:latin typeface="Times New Roman" panose="02020603050405020304" pitchFamily="18" charset="0"/>
+                <a:cs typeface="Times New Roman" panose="02020603050405020304" pitchFamily="18" charset="0"/>
+                <a:hlinkClick r:id="rId8"/>
+              </a:rPr>
+              <a:t>fuxi.ma@outlook.com</a:t>
+            </a:r>
             <a:endParaRPr lang="en-US" dirty="0">
               <a:latin typeface="Times New Roman" panose="02020603050405020304" pitchFamily="18" charset="0"/>
               <a:cs typeface="Times New Roman" panose="02020603050405020304" pitchFamily="18" charset="0"/>
             </a:endParaRPr>
           </a:p>
           <a:p>
-            <a:r>
-              <a:rPr lang="en-US" sz="2000" b="1" dirty="0">
+            <a:pPr lvl="1">
+              <a:lnSpc>
+                <a:spcPct val="150000"/>
+              </a:lnSpc>
+            </a:pPr>
+            <a:r>
+              <a:rPr lang="en-US" dirty="0">
                 <a:latin typeface="Times New Roman" panose="02020603050405020304" pitchFamily="18" charset="0"/>
                 <a:cs typeface="Times New Roman" panose="02020603050405020304" pitchFamily="18" charset="0"/>
-                <a:hlinkClick r:id="rId4"/>
               </a:rPr>
-              <a:t>Dashboard App</a:t>
-            </a:r>
+              <a:t>	Phone:	+1 (902)401-5881</a:t>
+            </a:r>
+          </a:p>
+          <a:p>
+            <a:pPr lvl="1"/>
             <a:endParaRPr lang="en-US" sz="2000" b="1" dirty="0">
               <a:latin typeface="Times New Roman" panose="02020603050405020304" pitchFamily="18" charset="0"/>
               <a:cs typeface="Times New Roman" panose="02020603050405020304" pitchFamily="18" charset="0"/>
             </a:endParaRPr>
-          </a:p>
-          <a:p>
-            <a:endParaRPr lang="en-US" b="1" dirty="0">
-              <a:latin typeface="Times New Roman" panose="02020603050405020304" pitchFamily="18" charset="0"/>
-              <a:cs typeface="Times New Roman" panose="02020603050405020304" pitchFamily="18" charset="0"/>
-            </a:endParaRPr>
-          </a:p>
-          <a:p>
-            <a:r>
-              <a:rPr lang="en-US" sz="2000" b="1" dirty="0">
-                <a:latin typeface="Times New Roman" panose="02020603050405020304" pitchFamily="18" charset="0"/>
-                <a:cs typeface="Times New Roman" panose="02020603050405020304" pitchFamily="18" charset="0"/>
-              </a:rPr>
-              <a:t>Download the </a:t>
-            </a:r>
-            <a:r>
-              <a:rPr lang="en-US" sz="2000" dirty="0">
-                <a:latin typeface="Times New Roman" panose="02020603050405020304" pitchFamily="18" charset="0"/>
-                <a:cs typeface="Times New Roman" panose="02020603050405020304" pitchFamily="18" charset="0"/>
-                <a:hlinkClick r:id="rId5" action="ppaction://hlinkfile"/>
-              </a:rPr>
-              <a:t>Full Report</a:t>
-            </a:r>
-            <a:r>
-              <a:rPr lang="en-US" sz="2000" dirty="0">
-                <a:latin typeface="Times New Roman" panose="02020603050405020304" pitchFamily="18" charset="0"/>
-                <a:cs typeface="Times New Roman" panose="02020603050405020304" pitchFamily="18" charset="0"/>
-              </a:rPr>
-              <a:t> including all the python codes</a:t>
-            </a:r>
           </a:p>
         </p:txBody>
       </p:sp>
@@ -20409,12 +21170,84 @@
           <a:p>
             <a:fld id="{0E09FCB3-37CC-4DC3-9641-7B88AD2FD4DA}" type="slidenum">
               <a:rPr lang="en-US" smtClean="0"/>
-              <a:t>17</a:t>
+              <a:t>18</a:t>
             </a:fld>
             <a:endParaRPr lang="en-US" dirty="0"/>
           </a:p>
         </p:txBody>
       </p:sp>
+      <p:pic>
+        <p:nvPicPr>
+          <p:cNvPr id="4" name="Picture 3" descr="A qr code on a white background&#10;&#10;AI-generated content may be incorrect.">
+            <a:extLst>
+              <a:ext uri="{FF2B5EF4-FFF2-40B4-BE49-F238E27FC236}">
+                <a16:creationId xmlns:a16="http://schemas.microsoft.com/office/drawing/2014/main" id="{AD790BDE-3FB6-3C58-B27A-9CE5280BD257}"/>
+              </a:ext>
+            </a:extLst>
+          </p:cNvPr>
+          <p:cNvPicPr>
+            <a:picLocks noChangeAspect="1"/>
+          </p:cNvPicPr>
+          <p:nvPr/>
+        </p:nvPicPr>
+        <p:blipFill>
+          <a:blip r:embed="rId9">
+            <a:extLst>
+              <a:ext uri="{28A0092B-C50C-407E-A947-70E740481C1C}">
+                <a14:useLocalDpi xmlns:a14="http://schemas.microsoft.com/office/drawing/2010/main" val="0"/>
+              </a:ext>
+            </a:extLst>
+          </a:blip>
+          <a:stretch>
+            <a:fillRect/>
+          </a:stretch>
+        </p:blipFill>
+        <p:spPr>
+          <a:xfrm>
+            <a:off x="6952061" y="3429000"/>
+            <a:ext cx="952381" cy="952381"/>
+          </a:xfrm>
+          <a:prstGeom prst="rect">
+            <a:avLst/>
+          </a:prstGeom>
+        </p:spPr>
+      </p:pic>
+      <p:pic>
+        <p:nvPicPr>
+          <p:cNvPr id="6" name="Picture 5" descr="A qr code with green squares&#10;&#10;AI-generated content may be incorrect.">
+            <a:extLst>
+              <a:ext uri="{FF2B5EF4-FFF2-40B4-BE49-F238E27FC236}">
+                <a16:creationId xmlns:a16="http://schemas.microsoft.com/office/drawing/2014/main" id="{A0F8B504-09B1-9A00-C61B-794238C4CFBD}"/>
+              </a:ext>
+            </a:extLst>
+          </p:cNvPr>
+          <p:cNvPicPr>
+            <a:picLocks noChangeAspect="1"/>
+          </p:cNvPicPr>
+          <p:nvPr/>
+        </p:nvPicPr>
+        <p:blipFill>
+          <a:blip r:embed="rId10">
+            <a:extLst>
+              <a:ext uri="{28A0092B-C50C-407E-A947-70E740481C1C}">
+                <a14:useLocalDpi xmlns:a14="http://schemas.microsoft.com/office/drawing/2010/main" val="0"/>
+              </a:ext>
+            </a:extLst>
+          </a:blip>
+          <a:stretch>
+            <a:fillRect/>
+          </a:stretch>
+        </p:blipFill>
+        <p:spPr>
+          <a:xfrm>
+            <a:off x="9003990" y="1962336"/>
+            <a:ext cx="952381" cy="952381"/>
+          </a:xfrm>
+          <a:prstGeom prst="rect">
+            <a:avLst/>
+          </a:prstGeom>
+        </p:spPr>
+      </p:pic>
     </p:spTree>
     <p:extLst>
       <p:ext uri="{BB962C8B-B14F-4D97-AF65-F5344CB8AC3E}">
@@ -21532,7 +22365,7 @@
         <p:spPr>
           <a:xfrm>
             <a:off x="1200568" y="643467"/>
-            <a:ext cx="9532746" cy="3534622"/>
+            <a:ext cx="9532746" cy="2980624"/>
           </a:xfrm>
           <a:prstGeom prst="rect">
             <a:avLst/>
@@ -21561,6 +22394,10 @@
               </a:rPr>
               <a:t>________________________________________</a:t>
             </a:r>
+            <a:endParaRPr lang="en-US" sz="2400" dirty="0">
+              <a:latin typeface="Times New Roman" panose="02020603050405020304" pitchFamily="18" charset="0"/>
+              <a:cs typeface="Times New Roman" panose="02020603050405020304" pitchFamily="18" charset="0"/>
+            </a:endParaRPr>
           </a:p>
           <a:p>
             <a:pPr marL="342900" indent="-342900">
@@ -21570,10 +22407,13 @@
               <a:buFont typeface="Arial" panose="020B0604020202020204" pitchFamily="34" charset="0"/>
               <a:buChar char="•"/>
             </a:pPr>
-            <a:endParaRPr lang="en-US" sz="2400" dirty="0">
-              <a:latin typeface="Times New Roman" panose="02020603050405020304" pitchFamily="18" charset="0"/>
-              <a:cs typeface="Times New Roman" panose="02020603050405020304" pitchFamily="18" charset="0"/>
-            </a:endParaRPr>
+            <a:r>
+              <a:rPr lang="en-US" sz="2400" dirty="0">
+                <a:latin typeface="Times New Roman" panose="02020603050405020304" pitchFamily="18" charset="0"/>
+                <a:cs typeface="Times New Roman" panose="02020603050405020304" pitchFamily="18" charset="0"/>
+              </a:rPr>
+              <a:t>Part I: Source Data Integration </a:t>
+            </a:r>
           </a:p>
           <a:p>
             <a:pPr marL="342900" indent="-342900">
@@ -21588,7 +22428,7 @@
                 <a:latin typeface="Times New Roman" panose="02020603050405020304" pitchFamily="18" charset="0"/>
                 <a:cs typeface="Times New Roman" panose="02020603050405020304" pitchFamily="18" charset="0"/>
               </a:rPr>
-              <a:t>Part I: Source Data Integration </a:t>
+              <a:t>Part II: Methodology Development</a:t>
             </a:r>
           </a:p>
           <a:p>
@@ -21604,23 +22444,7 @@
                 <a:latin typeface="Times New Roman" panose="02020603050405020304" pitchFamily="18" charset="0"/>
                 <a:cs typeface="Times New Roman" panose="02020603050405020304" pitchFamily="18" charset="0"/>
               </a:rPr>
-              <a:t>Part II: Development of Methodology</a:t>
-            </a:r>
-          </a:p>
-          <a:p>
-            <a:pPr marL="342900" indent="-342900">
-              <a:lnSpc>
-                <a:spcPct val="150000"/>
-              </a:lnSpc>
-              <a:buFont typeface="Arial" panose="020B0604020202020204" pitchFamily="34" charset="0"/>
-              <a:buChar char="•"/>
-            </a:pPr>
-            <a:r>
-              <a:rPr lang="en-US" sz="2400" dirty="0">
-                <a:latin typeface="Times New Roman" panose="02020603050405020304" pitchFamily="18" charset="0"/>
-                <a:cs typeface="Times New Roman" panose="02020603050405020304" pitchFamily="18" charset="0"/>
-              </a:rPr>
-              <a:t>Part III: Result Insights and Recommendations</a:t>
+              <a:t>Part III: Insights and Recommendations</a:t>
             </a:r>
           </a:p>
           <a:p>
@@ -22787,7 +23611,7 @@
         <p:spPr>
           <a:xfrm>
             <a:off x="1200568" y="643467"/>
-            <a:ext cx="9532746" cy="5022978"/>
+            <a:ext cx="10395230" cy="4930645"/>
           </a:xfrm>
           <a:prstGeom prst="rect">
             <a:avLst/>
@@ -22844,15 +23668,6 @@
               </a:rPr>
               <a:t>________________________________________</a:t>
             </a:r>
-          </a:p>
-          <a:p>
-            <a:pPr marL="342900" indent="-342900">
-              <a:lnSpc>
-                <a:spcPct val="150000"/>
-              </a:lnSpc>
-              <a:buFont typeface="Arial" panose="020B0604020202020204" pitchFamily="34" charset="0"/>
-              <a:buChar char="•"/>
-            </a:pPr>
             <a:endParaRPr lang="en-US" sz="2400" dirty="0">
               <a:latin typeface="Times New Roman" panose="02020603050405020304" pitchFamily="18" charset="0"/>
               <a:cs typeface="Times New Roman" panose="02020603050405020304" pitchFamily="18" charset="0"/>
@@ -22869,7 +23684,7 @@
                 <a:latin typeface="Times New Roman" panose="02020603050405020304" pitchFamily="18" charset="0"/>
                 <a:cs typeface="Times New Roman" panose="02020603050405020304" pitchFamily="18" charset="0"/>
               </a:rPr>
-              <a:t>Statistics Canada - </a:t>
+              <a:t>Data Source: Statistics Canada’s </a:t>
             </a:r>
             <a:r>
               <a:rPr lang="en-US" sz="2000" b="1" u="sng" dirty="0">
@@ -22913,7 +23728,7 @@
                 <a:latin typeface="Times New Roman" panose="02020603050405020304" pitchFamily="18" charset="0"/>
                 <a:cs typeface="Times New Roman" panose="02020603050405020304" pitchFamily="18" charset="0"/>
               </a:rPr>
-              <a:t>YAML files for question and response mappings.</a:t>
+              <a:t>Two YAML configuration files to map survey questions and responses to readable labels.</a:t>
             </a:r>
           </a:p>
           <a:p>
@@ -22929,7 +23744,7 @@
                 <a:latin typeface="Times New Roman" panose="02020603050405020304" pitchFamily="18" charset="0"/>
                 <a:cs typeface="Times New Roman" panose="02020603050405020304" pitchFamily="18" charset="0"/>
               </a:rPr>
-              <a:t>NGS2020 - Definitions.pdf: Contains weighted frequency tables.</a:t>
+              <a:t>NGS2020 - Definitions.pdf: A summary of the survey data. Also contains weighted frequency data.</a:t>
             </a:r>
             <a:endParaRPr lang="en-US" sz="2000" b="1" dirty="0">
               <a:latin typeface="Times New Roman" panose="02020603050405020304" pitchFamily="18" charset="0"/>
@@ -22947,7 +23762,7 @@
                 <a:latin typeface="Times New Roman" panose="02020603050405020304" pitchFamily="18" charset="0"/>
                 <a:cs typeface="Times New Roman" panose="02020603050405020304" pitchFamily="18" charset="0"/>
               </a:rPr>
-              <a:t>Dashboard Data Exploration</a:t>
+              <a:t>Data Integration into a Dashboard</a:t>
             </a:r>
           </a:p>
           <a:p>
@@ -22963,7 +23778,7 @@
                 <a:latin typeface="Times New Roman" panose="02020603050405020304" pitchFamily="18" charset="0"/>
                 <a:cs typeface="Times New Roman" panose="02020603050405020304" pitchFamily="18" charset="0"/>
               </a:rPr>
-              <a:t>Leveraged AI (DeepSeek) to extract tables from the PDF file into an Excel file.</a:t>
+              <a:t>By leveraging AI (DeepSeek), I extracted tables from the PDF file into an Excel file.</a:t>
             </a:r>
           </a:p>
           <a:p>
@@ -22979,7 +23794,7 @@
                 <a:latin typeface="Times New Roman" panose="02020603050405020304" pitchFamily="18" charset="0"/>
                 <a:cs typeface="Times New Roman" panose="02020603050405020304" pitchFamily="18" charset="0"/>
               </a:rPr>
-              <a:t>Built a dashboard for extracted data visualization</a:t>
+              <a:t>Integrated the extracted data into a dashboard</a:t>
             </a:r>
           </a:p>
           <a:p>
@@ -22996,7 +23811,7 @@
                 <a:cs typeface="Times New Roman" panose="02020603050405020304" pitchFamily="18" charset="0"/>
                 <a:hlinkClick r:id="rId5"/>
               </a:rPr>
-              <a:t>Demo</a:t>
+              <a:t>Live Demo</a:t>
             </a:r>
             <a:endParaRPr lang="en-US" sz="2000" b="1" dirty="0">
               <a:latin typeface="Times New Roman" panose="02020603050405020304" pitchFamily="18" charset="0"/>
@@ -24310,8 +25125,8 @@
         </p:nvSpPr>
         <p:spPr>
           <a:xfrm>
-            <a:off x="1200567" y="643467"/>
-            <a:ext cx="6580452" cy="5447645"/>
+            <a:off x="1200565" y="643467"/>
+            <a:ext cx="6375891" cy="5478423"/>
           </a:xfrm>
           <a:prstGeom prst="rect">
             <a:avLst/>
@@ -24366,10 +25181,8 @@
                 <a:latin typeface="Times New Roman" panose="02020603050405020304" pitchFamily="18" charset="0"/>
                 <a:cs typeface="Times New Roman" panose="02020603050405020304" pitchFamily="18" charset="0"/>
               </a:rPr>
-              <a:t>_____________________</a:t>
-            </a:r>
-          </a:p>
-          <a:p>
+              <a:t>________________________________________</a:t>
+            </a:r>
             <a:endParaRPr lang="en-US" sz="2000" b="1" dirty="0">
               <a:latin typeface="Times New Roman" panose="02020603050405020304" pitchFamily="18" charset="0"/>
               <a:cs typeface="Times New Roman" panose="02020603050405020304" pitchFamily="18" charset="0"/>
@@ -24377,7 +25190,7 @@
           </a:p>
           <a:p>
             <a:r>
-              <a:rPr lang="en-US" sz="2000" b="1" dirty="0">
+              <a:rPr lang="en-US" b="1" dirty="0">
                 <a:latin typeface="Times New Roman" panose="02020603050405020304" pitchFamily="18" charset="0"/>
                 <a:cs typeface="Times New Roman" panose="02020603050405020304" pitchFamily="18" charset="0"/>
               </a:rPr>
@@ -24390,16 +25203,16 @@
               <a:buChar char="•"/>
             </a:pPr>
             <a:r>
-              <a:rPr lang="en-US" sz="2000" dirty="0">
+              <a:rPr lang="en-US" sz="1600" dirty="0">
                 <a:latin typeface="Times New Roman" panose="02020603050405020304" pitchFamily="18" charset="0"/>
                 <a:cs typeface="Times New Roman" panose="02020603050405020304" pitchFamily="18" charset="0"/>
               </a:rPr>
-              <a:t>Missing data</a:t>
-            </a:r>
-          </a:p>
-          <a:p>
-            <a:r>
-              <a:rPr lang="en-US" sz="2000" b="1" dirty="0">
+              <a:t>Missing data: imputation/removal</a:t>
+            </a:r>
+          </a:p>
+          <a:p>
+            <a:r>
+              <a:rPr lang="en-US" b="1" dirty="0">
                 <a:latin typeface="Times New Roman" panose="02020603050405020304" pitchFamily="18" charset="0"/>
                 <a:cs typeface="Times New Roman" panose="02020603050405020304" pitchFamily="18" charset="0"/>
               </a:rPr>
@@ -24412,7 +25225,7 @@
               <a:buChar char="•"/>
             </a:pPr>
             <a:r>
-              <a:rPr lang="en-US" sz="2000" dirty="0">
+              <a:rPr lang="en-US" sz="1600" dirty="0">
                 <a:latin typeface="Times New Roman" panose="02020603050405020304" pitchFamily="18" charset="0"/>
                 <a:cs typeface="Times New Roman" panose="02020603050405020304" pitchFamily="18" charset="0"/>
               </a:rPr>
@@ -24420,35 +25233,29 @@
             </a:r>
           </a:p>
           <a:p>
-            <a:pPr lvl="2"/>
-            <a:r>
-              <a:rPr lang="en-US" sz="2000" dirty="0">
+            <a:pPr marL="800100" lvl="1" indent="-342900">
+              <a:buFont typeface="Arial" panose="020B0604020202020204" pitchFamily="34" charset="0"/>
+              <a:buChar char="•"/>
+            </a:pPr>
+            <a:r>
+              <a:rPr lang="en-US" sz="1400" dirty="0">
                 <a:latin typeface="Times New Roman" panose="02020603050405020304" pitchFamily="18" charset="0"/>
                 <a:cs typeface="Times New Roman" panose="02020603050405020304" pitchFamily="18" charset="0"/>
               </a:rPr>
-              <a:t>Numerical bracket </a:t>
-            </a:r>
-            <a:r>
-              <a:rPr lang="en-US" sz="2000" dirty="0">
-                <a:latin typeface="Times New Roman" panose="02020603050405020304" pitchFamily="18" charset="0"/>
-                <a:cs typeface="Times New Roman" panose="02020603050405020304" pitchFamily="18" charset="0"/>
-                <a:sym typeface="Wingdings" panose="05000000000000000000" pitchFamily="2" charset="2"/>
-              </a:rPr>
-              <a:t>midpoints value)</a:t>
-            </a:r>
-            <a:endParaRPr lang="en-US" sz="2000" dirty="0">
-              <a:latin typeface="Times New Roman" panose="02020603050405020304" pitchFamily="18" charset="0"/>
-              <a:cs typeface="Times New Roman" panose="02020603050405020304" pitchFamily="18" charset="0"/>
-            </a:endParaRPr>
-          </a:p>
-          <a:p>
-            <a:pPr lvl="2"/>
-            <a:r>
-              <a:rPr lang="en-US" sz="2000" dirty="0">
+              <a:t>Numerical brackets (e.g., income ranges) were converted to midpoint values for regression analysis.</a:t>
+            </a:r>
+          </a:p>
+          <a:p>
+            <a:pPr marL="800100" lvl="1" indent="-342900">
+              <a:buFont typeface="Arial" panose="020B0604020202020204" pitchFamily="34" charset="0"/>
+              <a:buChar char="•"/>
+            </a:pPr>
+            <a:r>
+              <a:rPr lang="en-US" sz="1400" dirty="0">
                 <a:latin typeface="Times New Roman" panose="02020603050405020304" pitchFamily="18" charset="0"/>
                 <a:cs typeface="Times New Roman" panose="02020603050405020304" pitchFamily="18" charset="0"/>
               </a:rPr>
-              <a:t>Categorical data (One-hot coding)</a:t>
+              <a:t>Categorical data (One-hot encoding)</a:t>
             </a:r>
           </a:p>
           <a:p>
@@ -24457,7 +25264,7 @@
               <a:buChar char="•"/>
             </a:pPr>
             <a:r>
-              <a:rPr lang="en-US" sz="2000" dirty="0">
+              <a:rPr lang="en-US" sz="1600" dirty="0">
                 <a:latin typeface="Times New Roman" panose="02020603050405020304" pitchFamily="18" charset="0"/>
                 <a:cs typeface="Times New Roman" panose="02020603050405020304" pitchFamily="18" charset="0"/>
               </a:rPr>
@@ -24465,36 +25272,94 @@
             </a:r>
           </a:p>
           <a:p>
-            <a:pPr lvl="2"/>
-            <a:r>
-              <a:rPr lang="en-US" sz="2000" dirty="0">
+            <a:pPr marL="800100" lvl="1" indent="-342900">
+              <a:buFont typeface="Wingdings" panose="05000000000000000000" pitchFamily="2" charset="2"/>
+              <a:buChar char="§"/>
+            </a:pPr>
+            <a:r>
+              <a:rPr lang="en-US" sz="1400" dirty="0">
                 <a:latin typeface="Times New Roman" panose="02020603050405020304" pitchFamily="18" charset="0"/>
                 <a:cs typeface="Times New Roman" panose="02020603050405020304" pitchFamily="18" charset="0"/>
               </a:rPr>
-              <a:t>Heatmap, </a:t>
-            </a:r>
-            <a:r>
-              <a:rPr lang="en-US" sz="2000" dirty="0" err="1">
+              <a:t>Heatmap</a:t>
+            </a:r>
+          </a:p>
+          <a:p>
+            <a:pPr marL="800100" lvl="1" indent="-342900">
+              <a:buFont typeface="Wingdings" panose="05000000000000000000" pitchFamily="2" charset="2"/>
+              <a:buChar char="§"/>
+            </a:pPr>
+            <a:r>
+              <a:rPr lang="en-US" sz="1400" dirty="0" err="1">
                 <a:latin typeface="Times New Roman" panose="02020603050405020304" pitchFamily="18" charset="0"/>
                 <a:cs typeface="Times New Roman" panose="02020603050405020304" pitchFamily="18" charset="0"/>
               </a:rPr>
-              <a:t>SelectBest</a:t>
-            </a:r>
-            <a:r>
-              <a:rPr lang="en-US" sz="2000" dirty="0">
+              <a:t>SelectKBest</a:t>
+            </a:r>
+            <a:endParaRPr lang="en-US" sz="1400" dirty="0">
+              <a:latin typeface="Times New Roman" panose="02020603050405020304" pitchFamily="18" charset="0"/>
+              <a:cs typeface="Times New Roman" panose="02020603050405020304" pitchFamily="18" charset="0"/>
+            </a:endParaRPr>
+          </a:p>
+          <a:p>
+            <a:pPr marL="800100" lvl="1" indent="-342900">
+              <a:buFont typeface="Wingdings" panose="05000000000000000000" pitchFamily="2" charset="2"/>
+              <a:buChar char="§"/>
+            </a:pPr>
+            <a:r>
+              <a:rPr lang="en-US" sz="1400" dirty="0">
                 <a:latin typeface="Times New Roman" panose="02020603050405020304" pitchFamily="18" charset="0"/>
                 <a:cs typeface="Times New Roman" panose="02020603050405020304" pitchFamily="18" charset="0"/>
               </a:rPr>
-              <a:t>, Random Forest importance</a:t>
-            </a:r>
-          </a:p>
-          <a:p>
-            <a:r>
-              <a:rPr lang="en-US" sz="2000" b="1" dirty="0">
+              <a:t>Random Forest Importance</a:t>
+            </a:r>
+          </a:p>
+          <a:p>
+            <a:r>
+              <a:rPr lang="en-US" b="1" dirty="0">
                 <a:latin typeface="Times New Roman" panose="02020603050405020304" pitchFamily="18" charset="0"/>
                 <a:cs typeface="Times New Roman" panose="02020603050405020304" pitchFamily="18" charset="0"/>
               </a:rPr>
-              <a:t>Model Selection (for Classification and Regression)</a:t>
+              <a:t>Imbalanced Classes Handling </a:t>
+            </a:r>
+          </a:p>
+          <a:p>
+            <a:pPr marL="285750" indent="-285750">
+              <a:buFont typeface="Arial" panose="020B0604020202020204" pitchFamily="34" charset="0"/>
+              <a:buChar char="•"/>
+            </a:pPr>
+            <a:r>
+              <a:rPr lang="en-US" sz="1600" dirty="0">
+                <a:latin typeface="Times New Roman" panose="02020603050405020304" pitchFamily="18" charset="0"/>
+                <a:cs typeface="Times New Roman" panose="02020603050405020304" pitchFamily="18" charset="0"/>
+              </a:rPr>
+              <a:t>SMOTE</a:t>
+            </a:r>
+          </a:p>
+          <a:p>
+            <a:pPr marL="285750" indent="-285750">
+              <a:buFont typeface="Arial" panose="020B0604020202020204" pitchFamily="34" charset="0"/>
+              <a:buChar char="•"/>
+            </a:pPr>
+            <a:r>
+              <a:rPr lang="en-US" sz="1600" dirty="0">
+                <a:latin typeface="Times New Roman" panose="02020603050405020304" pitchFamily="18" charset="0"/>
+                <a:cs typeface="Times New Roman" panose="02020603050405020304" pitchFamily="18" charset="0"/>
+              </a:rPr>
+              <a:t>Class Weights</a:t>
+            </a:r>
+            <a:endParaRPr lang="en-US" b="1" dirty="0">
+              <a:latin typeface="Times New Roman" panose="02020603050405020304" pitchFamily="18" charset="0"/>
+              <a:cs typeface="Times New Roman" panose="02020603050405020304" pitchFamily="18" charset="0"/>
+            </a:endParaRPr>
+          </a:p>
+          <a:p>
+            <a:r>
+              <a:rPr lang="en-US" b="1" dirty="0">
+                <a:latin typeface="Times New Roman" panose="02020603050405020304" pitchFamily="18" charset="0"/>
+                <a:cs typeface="Times New Roman" panose="02020603050405020304" pitchFamily="18" charset="0"/>
+              </a:rPr>
+              <a:t>Model Selection (Classification, Regression and Clustering)</a:t>
             </a:r>
           </a:p>
           <a:p>
@@ -24503,11 +25368,11 @@
               <a:buChar char="•"/>
             </a:pPr>
             <a:r>
-              <a:rPr lang="en-US" sz="2000" dirty="0">
+              <a:rPr lang="en-US" sz="1600" dirty="0">
                 <a:latin typeface="Times New Roman" panose="02020603050405020304" pitchFamily="18" charset="0"/>
                 <a:cs typeface="Times New Roman" panose="02020603050405020304" pitchFamily="18" charset="0"/>
               </a:rPr>
-              <a:t>Imbalanced Class </a:t>
+              <a:t>Random Forest</a:t>
             </a:r>
           </a:p>
           <a:p>
@@ -24516,12 +25381,16 @@
               <a:buChar char="•"/>
             </a:pPr>
             <a:r>
-              <a:rPr lang="en-US" sz="2000" dirty="0">
+              <a:rPr lang="en-US" sz="1600" dirty="0" err="1">
                 <a:latin typeface="Times New Roman" panose="02020603050405020304" pitchFamily="18" charset="0"/>
                 <a:cs typeface="Times New Roman" panose="02020603050405020304" pitchFamily="18" charset="0"/>
               </a:rPr>
-              <a:t>Random Forest</a:t>
-            </a:r>
+              <a:t>XGBoost</a:t>
+            </a:r>
+            <a:endParaRPr lang="en-US" sz="1600" dirty="0">
+              <a:latin typeface="Times New Roman" panose="02020603050405020304" pitchFamily="18" charset="0"/>
+              <a:cs typeface="Times New Roman" panose="02020603050405020304" pitchFamily="18" charset="0"/>
+            </a:endParaRPr>
           </a:p>
           <a:p>
             <a:pPr marL="342900" indent="-342900">
@@ -24529,33 +25398,20 @@
               <a:buChar char="•"/>
             </a:pPr>
             <a:r>
-              <a:rPr lang="en-US" sz="2000" dirty="0" err="1">
+              <a:rPr lang="en-US" sz="1600" dirty="0">
                 <a:latin typeface="Times New Roman" panose="02020603050405020304" pitchFamily="18" charset="0"/>
                 <a:cs typeface="Times New Roman" panose="02020603050405020304" pitchFamily="18" charset="0"/>
               </a:rPr>
-              <a:t>XGBoost</a:t>
-            </a:r>
-            <a:endParaRPr lang="en-US" sz="2000" dirty="0">
-              <a:latin typeface="Times New Roman" panose="02020603050405020304" pitchFamily="18" charset="0"/>
-              <a:cs typeface="Times New Roman" panose="02020603050405020304" pitchFamily="18" charset="0"/>
-            </a:endParaRPr>
-          </a:p>
-          <a:p>
-            <a:r>
-              <a:rPr lang="en-US" sz="2000" b="1" dirty="0">
+              <a:t>K-means clustering </a:t>
+            </a:r>
+          </a:p>
+          <a:p>
+            <a:r>
+              <a:rPr lang="en-US" b="1" dirty="0">
                 <a:latin typeface="Times New Roman" panose="02020603050405020304" pitchFamily="18" charset="0"/>
                 <a:cs typeface="Times New Roman" panose="02020603050405020304" pitchFamily="18" charset="0"/>
               </a:rPr>
-              <a:t>Model Training &amp; Validation</a:t>
-            </a:r>
-          </a:p>
-          <a:p>
-            <a:r>
-              <a:rPr lang="en-US" sz="2000" b="1" dirty="0">
-                <a:latin typeface="Times New Roman" panose="02020603050405020304" pitchFamily="18" charset="0"/>
-                <a:cs typeface="Times New Roman" panose="02020603050405020304" pitchFamily="18" charset="0"/>
-              </a:rPr>
-              <a:t>Model Performance Evaluation</a:t>
+              <a:t>Model Training, Validation and Performance Evaluation</a:t>
             </a:r>
           </a:p>
         </p:txBody>
@@ -24617,7 +25473,7 @@
         </p:blipFill>
         <p:spPr>
           <a:xfrm>
-            <a:off x="7244862" y="0"/>
+            <a:off x="7455868" y="0"/>
             <a:ext cx="4280434" cy="6858000"/>
           </a:xfrm>
           <a:prstGeom prst="rect">
@@ -25742,7 +26598,7 @@
         <p:spPr>
           <a:xfrm>
             <a:off x="1200567" y="643467"/>
-            <a:ext cx="10153233" cy="5669309"/>
+            <a:ext cx="10351353" cy="5207644"/>
           </a:xfrm>
           <a:prstGeom prst="rect">
             <a:avLst/>
@@ -25803,26 +26659,8 @@
                 <a:latin typeface="Times New Roman" panose="02020603050405020304" pitchFamily="18" charset="0"/>
                 <a:cs typeface="Times New Roman" panose="02020603050405020304" pitchFamily="18" charset="0"/>
               </a:rPr>
-              <a:t>Used survey data – the results may not be an accurate representation of  the entire population. Weighted frequency from the PDF file is to be incorporated in further effort.</a:t>
-            </a:r>
-          </a:p>
-          <a:p>
-            <a:pPr>
-              <a:lnSpc>
-                <a:spcPct val="150000"/>
-              </a:lnSpc>
-            </a:pPr>
-            <a:r>
-              <a:rPr lang="en-US" sz="2400" b="1" dirty="0">
-                <a:latin typeface="Times New Roman" panose="02020603050405020304" pitchFamily="18" charset="0"/>
-                <a:cs typeface="Times New Roman" panose="02020603050405020304" pitchFamily="18" charset="0"/>
-              </a:rPr>
-              <a:t>Data Limitations</a:t>
-            </a:r>
-            <a:endParaRPr lang="en-US" sz="2400" dirty="0">
-              <a:latin typeface="Times New Roman" panose="02020603050405020304" pitchFamily="18" charset="0"/>
-              <a:cs typeface="Times New Roman" panose="02020603050405020304" pitchFamily="18" charset="0"/>
-            </a:endParaRPr>
+              <a:t>Based on survey data: the results may not be an accurate representation of  the entire population.</a:t>
+            </a:r>
           </a:p>
           <a:p>
             <a:pPr marL="342900" indent="-342900">
@@ -25837,8 +26675,26 @@
                 <a:latin typeface="Times New Roman" panose="02020603050405020304" pitchFamily="18" charset="0"/>
                 <a:cs typeface="Times New Roman" panose="02020603050405020304" pitchFamily="18" charset="0"/>
               </a:rPr>
-              <a:t>Income is reported in ranges – midpoints used, which may not lead to the most accurate result.</a:t>
-            </a:r>
+              <a:t>Frequency weights from the PDF may be used in future model improvements.</a:t>
+            </a:r>
+          </a:p>
+          <a:p>
+            <a:pPr>
+              <a:lnSpc>
+                <a:spcPct val="150000"/>
+              </a:lnSpc>
+            </a:pPr>
+            <a:r>
+              <a:rPr lang="en-US" sz="2400" b="1" dirty="0">
+                <a:latin typeface="Times New Roman" panose="02020603050405020304" pitchFamily="18" charset="0"/>
+                <a:cs typeface="Times New Roman" panose="02020603050405020304" pitchFamily="18" charset="0"/>
+              </a:rPr>
+              <a:t>Limitations</a:t>
+            </a:r>
+            <a:endParaRPr lang="en-US" sz="2400" dirty="0">
+              <a:latin typeface="Times New Roman" panose="02020603050405020304" pitchFamily="18" charset="0"/>
+              <a:cs typeface="Times New Roman" panose="02020603050405020304" pitchFamily="18" charset="0"/>
+            </a:endParaRPr>
           </a:p>
           <a:p>
             <a:pPr marL="342900" indent="-342900">
@@ -25853,26 +26709,8 @@
                 <a:latin typeface="Times New Roman" panose="02020603050405020304" pitchFamily="18" charset="0"/>
                 <a:cs typeface="Times New Roman" panose="02020603050405020304" pitchFamily="18" charset="0"/>
               </a:rPr>
-              <a:t>No soft skills, network features available – the conclusion may not be biased.</a:t>
-            </a:r>
-          </a:p>
-          <a:p>
-            <a:pPr>
-              <a:lnSpc>
-                <a:spcPct val="150000"/>
-              </a:lnSpc>
-            </a:pPr>
-            <a:r>
-              <a:rPr lang="en-US" sz="2400" b="1" dirty="0">
-                <a:latin typeface="Times New Roman" panose="02020603050405020304" pitchFamily="18" charset="0"/>
-                <a:cs typeface="Times New Roman" panose="02020603050405020304" pitchFamily="18" charset="0"/>
-              </a:rPr>
-              <a:t>Model Constraints</a:t>
-            </a:r>
-            <a:endParaRPr lang="en-US" sz="2400" dirty="0">
-              <a:latin typeface="Times New Roman" panose="02020603050405020304" pitchFamily="18" charset="0"/>
-              <a:cs typeface="Times New Roman" panose="02020603050405020304" pitchFamily="18" charset="0"/>
-            </a:endParaRPr>
+              <a:t>Income is reported in ranges – midpoints used, which may not lead to the most accurate result.</a:t>
+            </a:r>
           </a:p>
           <a:p>
             <a:pPr marL="342900" indent="-342900">
@@ -25887,8 +26725,26 @@
                 <a:latin typeface="Times New Roman" panose="02020603050405020304" pitchFamily="18" charset="0"/>
                 <a:cs typeface="Times New Roman" panose="02020603050405020304" pitchFamily="18" charset="0"/>
               </a:rPr>
-              <a:t>Income prediction explains limited variance (R² ≈ 0.30)</a:t>
-            </a:r>
+              <a:t>We don’t have soft skills and professional networks information. This may introduce bias.</a:t>
+            </a:r>
+          </a:p>
+          <a:p>
+            <a:pPr>
+              <a:lnSpc>
+                <a:spcPct val="150000"/>
+              </a:lnSpc>
+            </a:pPr>
+            <a:r>
+              <a:rPr lang="en-US" sz="2400" b="1" dirty="0">
+                <a:latin typeface="Times New Roman" panose="02020603050405020304" pitchFamily="18" charset="0"/>
+                <a:cs typeface="Times New Roman" panose="02020603050405020304" pitchFamily="18" charset="0"/>
+              </a:rPr>
+              <a:t>Model Constraints</a:t>
+            </a:r>
+            <a:endParaRPr lang="en-US" sz="2400" dirty="0">
+              <a:latin typeface="Times New Roman" panose="02020603050405020304" pitchFamily="18" charset="0"/>
+              <a:cs typeface="Times New Roman" panose="02020603050405020304" pitchFamily="18" charset="0"/>
+            </a:endParaRPr>
           </a:p>
           <a:p>
             <a:pPr marL="342900" indent="-342900">
@@ -25903,7 +26759,23 @@
                 <a:latin typeface="Times New Roman" panose="02020603050405020304" pitchFamily="18" charset="0"/>
                 <a:cs typeface="Times New Roman" panose="02020603050405020304" pitchFamily="18" charset="0"/>
               </a:rPr>
-              <a:t>COVID-19 has its impact. The conclusion from the current work may not be the same as in other situations.</a:t>
+              <a:t>Model Income prediction explains limited variance (R² ≈ 0.30)</a:t>
+            </a:r>
+          </a:p>
+          <a:p>
+            <a:pPr marL="342900" indent="-342900">
+              <a:lnSpc>
+                <a:spcPct val="150000"/>
+              </a:lnSpc>
+              <a:buFont typeface="Arial" panose="020B0604020202020204" pitchFamily="34" charset="0"/>
+              <a:buChar char="•"/>
+            </a:pPr>
+            <a:r>
+              <a:rPr lang="en-US" sz="2000" dirty="0">
+                <a:latin typeface="Times New Roman" panose="02020603050405020304" pitchFamily="18" charset="0"/>
+                <a:cs typeface="Times New Roman" panose="02020603050405020304" pitchFamily="18" charset="0"/>
+              </a:rPr>
+              <a:t>COVID-19 has its impact. We need to keep that in mind.</a:t>
             </a:r>
           </a:p>
         </p:txBody>
@@ -28314,7 +29186,7 @@
                 <a:latin typeface="Times New Roman" panose="02020603050405020304" pitchFamily="18" charset="0"/>
                 <a:cs typeface="Times New Roman" panose="02020603050405020304" pitchFamily="18" charset="0"/>
               </a:rPr>
-              <a:t>Employment Income Heatmap &amp; Predictive Models</a:t>
+              <a:t>Employment Income Heatmap &amp; Models</a:t>
             </a:r>
             <a:endParaRPr lang="en-US" sz="2800" dirty="0">
               <a:latin typeface="Times New Roman" panose="02020603050405020304" pitchFamily="18" charset="0"/>
